--- a/docs/week-4/ce100-week-4-heap.md_word.pptx
+++ b/docs/week-4/ce100-week-4-heap.md_word.pptx
@@ -3171,7 +3171,7 @@
             </a:pPr>
             <a:r>
               <a:rPr/>
-              <a:t>Quicksort</a:t>
+              <a:t>Heap/Heap Sort</a:t>
             </a:r>
             <a:br/>
             <a:br/>
@@ -3725,6 +3725,26 @@
         <p:txBody>
           <a:bodyPr/>
           <a:lstStyle/>
+          <a:p>
+            <a:pPr lvl="0" indent="0" marL="0">
+              <a:buNone/>
+            </a:pPr>
+            <a:r>
+              <a:rPr>
+                <a:hlinkClick r:id="rId2"/>
+              </a:rPr>
+              <a:t>Introduction to Algorithms, Third Edition | The MIT Press</a:t>
+            </a:r>
+          </a:p>
+          <a:p>
+            <a:pPr lvl="0" indent="0" marL="0">
+              <a:buNone/>
+            </a:pPr>
+            <a:r>
+              <a:rPr/>
+              <a:t>http://nabil.abubaker.bilkent.edu.tr/473/</a:t>
+            </a:r>
+          </a:p>
           <a:p>
             <a:pPr lvl="0" indent="0" marL="0">
               <a:buNone/>

--- a/docs/week-4/ce100-week-4-heap.md_word.pptx
+++ b/docs/week-4/ce100-week-4-heap.md_word.pptx
@@ -11,6 +11,39 @@
     <p:sldId id="259" r:id="rId5"/>
     <p:sldId id="260" r:id="rId6"/>
     <p:sldId id="261" r:id="rId7"/>
+    <p:sldId id="262" r:id="rId8"/>
+    <p:sldId id="263" r:id="rId9"/>
+    <p:sldId id="264" r:id="rId10"/>
+    <p:sldId id="265" r:id="rId11"/>
+    <p:sldId id="266" r:id="rId12"/>
+    <p:sldId id="267" r:id="rId13"/>
+    <p:sldId id="268" r:id="rId14"/>
+    <p:sldId id="269" r:id="rId15"/>
+    <p:sldId id="270" r:id="rId16"/>
+    <p:sldId id="271" r:id="rId17"/>
+    <p:sldId id="272" r:id="rId18"/>
+    <p:sldId id="273" r:id="rId19"/>
+    <p:sldId id="274" r:id="rId20"/>
+    <p:sldId id="275" r:id="rId21"/>
+    <p:sldId id="276" r:id="rId22"/>
+    <p:sldId id="277" r:id="rId23"/>
+    <p:sldId id="278" r:id="rId24"/>
+    <p:sldId id="279" r:id="rId25"/>
+    <p:sldId id="280" r:id="rId26"/>
+    <p:sldId id="281" r:id="rId27"/>
+    <p:sldId id="282" r:id="rId28"/>
+    <p:sldId id="283" r:id="rId29"/>
+    <p:sldId id="284" r:id="rId30"/>
+    <p:sldId id="285" r:id="rId31"/>
+    <p:sldId id="286" r:id="rId32"/>
+    <p:sldId id="287" r:id="rId33"/>
+    <p:sldId id="288" r:id="rId34"/>
+    <p:sldId id="289" r:id="rId35"/>
+    <p:sldId id="290" r:id="rId36"/>
+    <p:sldId id="291" r:id="rId37"/>
+    <p:sldId id="292" r:id="rId38"/>
+    <p:sldId id="293" r:id="rId39"/>
+    <p:sldId id="294" r:id="rId40"/>
   </p:sldIdLst>
   <p:sldSz cx="9144000" cy="6858000" type="screen4x3"/>
   <p:notesSz cx="6858000" cy="9144000"/>
@@ -3212,6 +3245,1993 @@
 </p:sld>
 </file>
 
+<file path=ppt/slides/slide10.xml><?xml version="1.0" encoding="utf-8"?>
+<p:sld xmlns:a="http://schemas.openxmlformats.org/drawingml/2006/main" xmlns:r="http://schemas.openxmlformats.org/officeDocument/2006/relationships" xmlns:p="http://schemas.openxmlformats.org/presentationml/2006/main">
+  <p:cSld>
+    <p:spTree>
+      <p:nvGrpSpPr>
+        <p:cNvPr id="1" name=""/>
+        <p:cNvGrpSpPr/>
+        <p:nvPr/>
+      </p:nvGrpSpPr>
+      <p:grpSpPr>
+        <a:xfrm>
+          <a:off x="0" y="0"/>
+          <a:ext cx="0" cy="0"/>
+          <a:chOff x="0" y="0"/>
+          <a:chExt cx="0" cy="0"/>
+        </a:xfrm>
+      </p:grpSpPr>
+      <p:sp>
+        <p:nvSpPr>
+          <p:cNvPr id="2" name="Title 1"/>
+          <p:cNvSpPr>
+            <a:spLocks noGrp="1"/>
+          </p:cNvSpPr>
+          <p:nvPr>
+            <p:ph type="title"/>
+          </p:nvPr>
+        </p:nvSpPr>
+        <p:spPr>
+          <a:xfrm>
+            <a:off x="457200" y="273050"/>
+            <a:ext cx="3008313" cy="1162050"/>
+          </a:xfrm>
+        </p:spPr>
+        <p:txBody>
+          <a:bodyPr/>
+          <a:lstStyle/>
+          <a:p>
+            <a:pPr lvl="0" indent="0" marL="0">
+              <a:buNone/>
+            </a:pPr>
+            <a:r>
+              <a:rPr/>
+              <a:t>Heap Data Structure (2)</a:t>
+            </a:r>
+          </a:p>
+        </p:txBody>
+      </p:sp>
+      <p:sp>
+        <p:nvSpPr>
+          <p:cNvPr id="4" name="Text Placeholder 3"/>
+          <p:cNvSpPr>
+            <a:spLocks noGrp="1"/>
+          </p:cNvSpPr>
+          <p:nvPr>
+            <p:ph idx="2" sz="half" type="body"/>
+          </p:nvPr>
+        </p:nvSpPr>
+        <p:spPr/>
+        <p:txBody>
+          <a:bodyPr/>
+          <a:lstStyle/>
+          <a:p>
+            <a:pPr lvl="0"/>
+            <a:r>
+              <a:rPr b="1"/>
+              <a:t>Height of node i:</a:t>
+            </a:r>
+            <a:r>
+              <a:rPr/>
+              <a:t> Length of the longest simple downward path from </a:t>
+            </a:r>
+            <a:r>
+              <a:rPr b="1"/>
+              <a:t>i</a:t>
+            </a:r>
+            <a:r>
+              <a:rPr/>
+              <a:t> to a </a:t>
+            </a:r>
+            <a:r>
+              <a:rPr b="1"/>
+              <a:t>leaf</a:t>
+            </a:r>
+          </a:p>
+          <a:p>
+            <a:pPr lvl="0"/>
+            <a:r>
+              <a:rPr b="1"/>
+              <a:t>Height of the tree:</a:t>
+            </a:r>
+            <a:r>
+              <a:rPr/>
+              <a:t> height of the </a:t>
+            </a:r>
+            <a:r>
+              <a:rPr b="1"/>
+              <a:t>root</a:t>
+            </a:r>
+          </a:p>
+        </p:txBody>
+      </p:sp>
+      <p:pic>
+        <p:nvPicPr>
+          <p:cNvPr descr="fig:  assets/ce100-week-4-heap-heap_2.drawio.svg" id="0" name="Picture 1"/>
+          <p:cNvPicPr>
+            <a:picLocks noGrp="1" noChangeAspect="1"/>
+          </p:cNvPicPr>
+          <p:nvPr/>
+        </p:nvPicPr>
+        <p:blipFill>
+          <a:blip r:embed="rId2"/>
+          <a:stretch>
+            <a:fillRect/>
+          </a:stretch>
+        </p:blipFill>
+        <p:spPr bwMode="auto">
+          <a:xfrm>
+            <a:off x="3568700" y="1689100"/>
+            <a:ext cx="5105400" cy="2489200"/>
+          </a:xfrm>
+          <a:prstGeom prst="rect">
+            <a:avLst/>
+          </a:prstGeom>
+          <a:noFill/>
+          <a:ln w="9525">
+            <a:noFill/>
+            <a:headEnd/>
+            <a:tailEnd/>
+          </a:ln>
+        </p:spPr>
+      </p:pic>
+      <p:sp>
+        <p:nvSpPr>
+          <p:cNvPr id="1" name="TextBox 3"/>
+          <p:cNvSpPr txBox="1"/>
+          <p:nvPr/>
+        </p:nvSpPr>
+        <p:spPr>
+          <a:xfrm>
+            <a:off x="3568700" y="5600700"/>
+            <a:ext cx="5105400" cy="508000"/>
+          </a:xfrm>
+          <a:prstGeom prst="rect">
+            <a:avLst/>
+          </a:prstGeom>
+          <a:noFill/>
+        </p:spPr>
+        <p:txBody>
+          <a:bodyPr/>
+          <a:lstStyle/>
+          <a:p>
+            <a:pPr lvl="0" indent="0" marL="0" algn="ctr">
+              <a:buNone/>
+            </a:pPr>
+            <a:r>
+              <a:rPr/>
+              <a:t>alt:“alt” height:400px center</a:t>
+            </a:r>
+          </a:p>
+        </p:txBody>
+      </p:sp>
+    </p:spTree>
+  </p:cSld>
+</p:sld>
+</file>
+
+<file path=ppt/slides/slide11.xml><?xml version="1.0" encoding="utf-8"?>
+<p:sld xmlns:a="http://schemas.openxmlformats.org/drawingml/2006/main" xmlns:r="http://schemas.openxmlformats.org/officeDocument/2006/relationships" xmlns:p="http://schemas.openxmlformats.org/presentationml/2006/main">
+  <p:cSld>
+    <p:spTree>
+      <p:nvGrpSpPr>
+        <p:cNvPr id="1" name=""/>
+        <p:cNvGrpSpPr/>
+        <p:nvPr/>
+      </p:nvGrpSpPr>
+      <p:grpSpPr>
+        <a:xfrm>
+          <a:off x="0" y="0"/>
+          <a:ext cx="0" cy="0"/>
+          <a:chOff x="0" y="0"/>
+          <a:chExt cx="0" cy="0"/>
+        </a:xfrm>
+      </p:grpSpPr>
+      <p:sp>
+        <p:nvSpPr>
+          <p:cNvPr id="2" name="Title 1"/>
+          <p:cNvSpPr>
+            <a:spLocks noGrp="1"/>
+          </p:cNvSpPr>
+          <p:nvPr>
+            <p:ph type="title"/>
+          </p:nvPr>
+        </p:nvSpPr>
+        <p:spPr>
+          <a:xfrm>
+            <a:off x="457200" y="273050"/>
+            <a:ext cx="3008313" cy="1162050"/>
+          </a:xfrm>
+        </p:spPr>
+        <p:txBody>
+          <a:bodyPr/>
+          <a:lstStyle/>
+          <a:p>
+            <a:pPr lvl="0" indent="0" marL="0">
+              <a:buNone/>
+            </a:pPr>
+            <a:r>
+              <a:rPr/>
+              <a:t>Heap Data Structures (3)</a:t>
+            </a:r>
+          </a:p>
+        </p:txBody>
+      </p:sp>
+      <p:sp>
+        <p:nvSpPr>
+          <p:cNvPr id="4" name="Text Placeholder 3"/>
+          <p:cNvSpPr>
+            <a:spLocks noGrp="1"/>
+          </p:cNvSpPr>
+          <p:nvPr>
+            <p:ph idx="2" sz="half" type="body"/>
+          </p:nvPr>
+        </p:nvSpPr>
+        <p:spPr/>
+        <p:txBody>
+          <a:bodyPr/>
+          <a:lstStyle/>
+          <a:p>
+            <a:pPr lvl="0"/>
+            <a:r>
+              <a:rPr b="1"/>
+              <a:t>Depth of node i:</a:t>
+            </a:r>
+            <a:r>
+              <a:rPr/>
+              <a:t> Length of the simple downward path from the </a:t>
+            </a:r>
+            <a:r>
+              <a:rPr b="1"/>
+              <a:t>root</a:t>
+            </a:r>
+            <a:r>
+              <a:rPr/>
+              <a:t> to node </a:t>
+            </a:r>
+            <a:r>
+              <a:rPr b="1"/>
+              <a:t>i</a:t>
+            </a:r>
+          </a:p>
+        </p:txBody>
+      </p:sp>
+      <p:pic>
+        <p:nvPicPr>
+          <p:cNvPr descr="fig:  assets/ce100-week-4-heap-heap_3.drawio.svg" id="0" name="Picture 1"/>
+          <p:cNvPicPr>
+            <a:picLocks noGrp="1" noChangeAspect="1"/>
+          </p:cNvPicPr>
+          <p:nvPr/>
+        </p:nvPicPr>
+        <p:blipFill>
+          <a:blip r:embed="rId2"/>
+          <a:stretch>
+            <a:fillRect/>
+          </a:stretch>
+        </p:blipFill>
+        <p:spPr bwMode="auto">
+          <a:xfrm>
+            <a:off x="3568700" y="1714500"/>
+            <a:ext cx="5105400" cy="2451100"/>
+          </a:xfrm>
+          <a:prstGeom prst="rect">
+            <a:avLst/>
+          </a:prstGeom>
+          <a:noFill/>
+          <a:ln w="9525">
+            <a:noFill/>
+            <a:headEnd/>
+            <a:tailEnd/>
+          </a:ln>
+        </p:spPr>
+      </p:pic>
+      <p:sp>
+        <p:nvSpPr>
+          <p:cNvPr id="1" name="TextBox 3"/>
+          <p:cNvSpPr txBox="1"/>
+          <p:nvPr/>
+        </p:nvSpPr>
+        <p:spPr>
+          <a:xfrm>
+            <a:off x="3568700" y="5600700"/>
+            <a:ext cx="5105400" cy="508000"/>
+          </a:xfrm>
+          <a:prstGeom prst="rect">
+            <a:avLst/>
+          </a:prstGeom>
+          <a:noFill/>
+        </p:spPr>
+        <p:txBody>
+          <a:bodyPr/>
+          <a:lstStyle/>
+          <a:p>
+            <a:pPr lvl="0" indent="0" marL="0" algn="ctr">
+              <a:buNone/>
+            </a:pPr>
+            <a:r>
+              <a:rPr/>
+              <a:t>alt:“alt” height:350px center</a:t>
+            </a:r>
+          </a:p>
+        </p:txBody>
+      </p:sp>
+    </p:spTree>
+  </p:cSld>
+</p:sld>
+</file>
+
+<file path=ppt/slides/slide12.xml><?xml version="1.0" encoding="utf-8"?>
+<p:sld xmlns:a="http://schemas.openxmlformats.org/drawingml/2006/main" xmlns:r="http://schemas.openxmlformats.org/officeDocument/2006/relationships" xmlns:p="http://schemas.openxmlformats.org/presentationml/2006/main">
+  <p:cSld>
+    <p:spTree>
+      <p:nvGrpSpPr>
+        <p:cNvPr id="1" name=""/>
+        <p:cNvGrpSpPr/>
+        <p:nvPr/>
+      </p:nvGrpSpPr>
+      <p:grpSpPr>
+        <a:xfrm>
+          <a:off x="0" y="0"/>
+          <a:ext cx="0" cy="0"/>
+          <a:chOff x="0" y="0"/>
+          <a:chExt cx="0" cy="0"/>
+        </a:xfrm>
+      </p:grpSpPr>
+      <p:sp>
+        <p:nvSpPr>
+          <p:cNvPr id="2" name="Title 1"/>
+          <p:cNvSpPr>
+            <a:spLocks noGrp="1"/>
+          </p:cNvSpPr>
+          <p:nvPr>
+            <p:ph type="title"/>
+          </p:nvPr>
+        </p:nvSpPr>
+        <p:spPr>
+          <a:xfrm>
+            <a:off x="457200" y="273050"/>
+            <a:ext cx="3008313" cy="1162050"/>
+          </a:xfrm>
+        </p:spPr>
+        <p:txBody>
+          <a:bodyPr/>
+          <a:lstStyle/>
+          <a:p>
+            <a:pPr lvl="0" indent="0" marL="0">
+              <a:buNone/>
+            </a:pPr>
+            <a:r>
+              <a:rPr/>
+              <a:t>Heap Property: Min-Heap</a:t>
+            </a:r>
+          </a:p>
+        </p:txBody>
+      </p:sp>
+      <mc:AlternateContent xmlns:mc="http://schemas.openxmlformats.org/markup-compatibility/2006">
+        <mc:Choice xmlns:a14="http://schemas.microsoft.com/office/drawing/2010/main" Requires="a14">
+          <p:sp>
+            <p:nvSpPr>
+              <p:cNvPr id="4" name="Text Placeholder 3"/>
+              <p:cNvSpPr>
+                <a:spLocks noGrp="1"/>
+              </p:cNvSpPr>
+              <p:nvPr>
+                <p:ph idx="2" sz="half" type="body"/>
+              </p:nvPr>
+            </p:nvSpPr>
+            <p:spPr/>
+            <p:txBody>
+              <a:bodyPr/>
+              <a:lstStyle/>
+              <a:p>
+                <a:pPr lvl="0"/>
+                <a:r>
+                  <a:rPr/>
+                  <a:t>The </a:t>
+                </a:r>
+                <a:r>
+                  <a:rPr b="1"/>
+                  <a:t>smallest</a:t>
+                </a:r>
+                <a:r>
+                  <a:rPr/>
+                  <a:t> element in any subtree is the </a:t>
+                </a:r>
+                <a:r>
+                  <a:rPr b="1"/>
+                  <a:t>root</a:t>
+                </a:r>
+                <a:r>
+                  <a:rPr/>
+                  <a:t> element in a </a:t>
+                </a:r>
+                <a:r>
+                  <a:rPr b="1"/>
+                  <a:t>min-heap</a:t>
+                </a:r>
+              </a:p>
+              <a:p>
+                <a:pPr lvl="0"/>
+                <a:r>
+                  <a:rPr b="1"/>
+                  <a:t>Min heap:</a:t>
+                </a:r>
+                <a:r>
+                  <a:rPr/>
+                  <a:t> For every node </a:t>
+                </a:r>
+                <a:r>
+                  <a:rPr b="1"/>
+                  <a:t>i</a:t>
+                </a:r>
+                <a:r>
+                  <a:rPr/>
+                  <a:t> other than </a:t>
+                </a:r>
+                <a:r>
+                  <a:rPr b="1"/>
+                  <a:t>root</a:t>
+                </a:r>
+                <a:r>
+                  <a:rPr/>
+                  <a:t>, </a:t>
+                </a:r>
+                <a14:m>
+                  <m:oMath xmlns:m="http://schemas.openxmlformats.org/officeDocument/2006/math">
+                    <m:r>
+                      <m:t>A</m:t>
+                    </m:r>
+                    <m:d>
+                      <m:dPr>
+                        <m:begChr m:val="["/>
+                        <m:endChr m:val="]"/>
+                        <m:sepChr m:val=""/>
+                        <m:grow/>
+                      </m:dPr>
+                      <m:e>
+                        <m:r>
+                          <m:t>p</m:t>
+                        </m:r>
+                        <m:r>
+                          <m:t>a</m:t>
+                        </m:r>
+                        <m:r>
+                          <m:t>r</m:t>
+                        </m:r>
+                        <m:r>
+                          <m:t>e</m:t>
+                        </m:r>
+                        <m:r>
+                          <m:t>n</m:t>
+                        </m:r>
+                        <m:r>
+                          <m:t>t</m:t>
+                        </m:r>
+                        <m:d>
+                          <m:dPr>
+                            <m:begChr m:val="("/>
+                            <m:endChr m:val=")"/>
+                            <m:sepChr m:val=""/>
+                            <m:grow/>
+                          </m:dPr>
+                          <m:e>
+                            <m:r>
+                              <m:t>i</m:t>
+                            </m:r>
+                          </m:e>
+                        </m:d>
+                      </m:e>
+                    </m:d>
+                    <m:r>
+                      <m:rPr>
+                        <m:sty m:val="p"/>
+                      </m:rPr>
+                      <m:t>≤</m:t>
+                    </m:r>
+                    <m:r>
+                      <m:t>A</m:t>
+                    </m:r>
+                    <m:d>
+                      <m:dPr>
+                        <m:begChr m:val="["/>
+                        <m:endChr m:val="]"/>
+                        <m:sepChr m:val=""/>
+                        <m:grow/>
+                      </m:dPr>
+                      <m:e>
+                        <m:r>
+                          <m:t>i</m:t>
+                        </m:r>
+                      </m:e>
+                    </m:d>
+                  </m:oMath>
+                </a14:m>
+              </a:p>
+              <a:p>
+                <a:pPr lvl="1"/>
+                <a:r>
+                  <a:rPr/>
+                  <a:t>Parent node is always smaller than the child nodes</a:t>
+                </a:r>
+              </a:p>
+            </p:txBody>
+          </p:sp>
+        </mc:Choice>
+      </mc:AlternateContent>
+      <p:pic>
+        <p:nvPicPr>
+          <p:cNvPr descr="fig:  assets/ce100-week-4-heap-heap_min_heap.drawio.svg" id="0" name="Picture 1"/>
+          <p:cNvPicPr>
+            <a:picLocks noGrp="1" noChangeAspect="1"/>
+          </p:cNvPicPr>
+          <p:nvPr/>
+        </p:nvPicPr>
+        <p:blipFill>
+          <a:blip r:embed="rId2"/>
+          <a:stretch>
+            <a:fillRect/>
+          </a:stretch>
+        </p:blipFill>
+        <p:spPr bwMode="auto">
+          <a:xfrm>
+            <a:off x="3568700" y="1244600"/>
+            <a:ext cx="5105400" cy="3365500"/>
+          </a:xfrm>
+          <a:prstGeom prst="rect">
+            <a:avLst/>
+          </a:prstGeom>
+          <a:noFill/>
+          <a:ln w="9525">
+            <a:noFill/>
+            <a:headEnd/>
+            <a:tailEnd/>
+          </a:ln>
+        </p:spPr>
+      </p:pic>
+      <p:sp>
+        <p:nvSpPr>
+          <p:cNvPr id="1" name="TextBox 3"/>
+          <p:cNvSpPr txBox="1"/>
+          <p:nvPr/>
+        </p:nvSpPr>
+        <p:spPr>
+          <a:xfrm>
+            <a:off x="3568700" y="5600700"/>
+            <a:ext cx="5105400" cy="508000"/>
+          </a:xfrm>
+          <a:prstGeom prst="rect">
+            <a:avLst/>
+          </a:prstGeom>
+          <a:noFill/>
+        </p:spPr>
+        <p:txBody>
+          <a:bodyPr/>
+          <a:lstStyle/>
+          <a:p>
+            <a:pPr lvl="0" indent="0" marL="0" algn="ctr">
+              <a:buNone/>
+            </a:pPr>
+            <a:r>
+              <a:rPr/>
+              <a:t>alt:“alt” height:350px center</a:t>
+            </a:r>
+          </a:p>
+        </p:txBody>
+      </p:sp>
+    </p:spTree>
+  </p:cSld>
+</p:sld>
+</file>
+
+<file path=ppt/slides/slide13.xml><?xml version="1.0" encoding="utf-8"?>
+<p:sld xmlns:a="http://schemas.openxmlformats.org/drawingml/2006/main" xmlns:r="http://schemas.openxmlformats.org/officeDocument/2006/relationships" xmlns:p="http://schemas.openxmlformats.org/presentationml/2006/main">
+  <p:cSld>
+    <p:spTree>
+      <p:nvGrpSpPr>
+        <p:cNvPr id="1" name=""/>
+        <p:cNvGrpSpPr/>
+        <p:nvPr/>
+      </p:nvGrpSpPr>
+      <p:grpSpPr>
+        <a:xfrm>
+          <a:off x="0" y="0"/>
+          <a:ext cx="0" cy="0"/>
+          <a:chOff x="0" y="0"/>
+          <a:chExt cx="0" cy="0"/>
+        </a:xfrm>
+      </p:grpSpPr>
+      <p:sp>
+        <p:nvSpPr>
+          <p:cNvPr id="2" name="Title 1"/>
+          <p:cNvSpPr>
+            <a:spLocks noGrp="1"/>
+          </p:cNvSpPr>
+          <p:nvPr>
+            <p:ph type="title"/>
+          </p:nvPr>
+        </p:nvSpPr>
+        <p:spPr>
+          <a:xfrm>
+            <a:off x="457200" y="273050"/>
+            <a:ext cx="3008313" cy="1162050"/>
+          </a:xfrm>
+        </p:spPr>
+        <p:txBody>
+          <a:bodyPr/>
+          <a:lstStyle/>
+          <a:p>
+            <a:pPr lvl="0" indent="0" marL="0">
+              <a:buNone/>
+            </a:pPr>
+            <a:r>
+              <a:rPr/>
+              <a:t>Heap Property: Max-Heap</a:t>
+            </a:r>
+          </a:p>
+        </p:txBody>
+      </p:sp>
+      <mc:AlternateContent xmlns:mc="http://schemas.openxmlformats.org/markup-compatibility/2006">
+        <mc:Choice xmlns:a14="http://schemas.microsoft.com/office/drawing/2010/main" Requires="a14">
+          <p:sp>
+            <p:nvSpPr>
+              <p:cNvPr id="4" name="Text Placeholder 3"/>
+              <p:cNvSpPr>
+                <a:spLocks noGrp="1"/>
+              </p:cNvSpPr>
+              <p:nvPr>
+                <p:ph idx="2" sz="half" type="body"/>
+              </p:nvPr>
+            </p:nvSpPr>
+            <p:spPr/>
+            <p:txBody>
+              <a:bodyPr/>
+              <a:lstStyle/>
+              <a:p>
+                <a:pPr lvl="0"/>
+                <a:r>
+                  <a:rPr/>
+                  <a:t>The </a:t>
+                </a:r>
+                <a:r>
+                  <a:rPr b="1"/>
+                  <a:t>largest</a:t>
+                </a:r>
+                <a:r>
+                  <a:rPr/>
+                  <a:t> element in any subtree is the </a:t>
+                </a:r>
+                <a:r>
+                  <a:rPr b="1"/>
+                  <a:t>root</a:t>
+                </a:r>
+                <a:r>
+                  <a:rPr/>
+                  <a:t> element in a </a:t>
+                </a:r>
+                <a:r>
+                  <a:rPr b="1"/>
+                  <a:t>max-heap</a:t>
+                </a:r>
+              </a:p>
+              <a:p>
+                <a:pPr lvl="1"/>
+                <a:r>
+                  <a:rPr/>
+                  <a:t>We will focus on max-heaps</a:t>
+                </a:r>
+              </a:p>
+              <a:p>
+                <a:pPr lvl="0"/>
+                <a:r>
+                  <a:rPr b="1"/>
+                  <a:t>Max heap:</a:t>
+                </a:r>
+                <a:r>
+                  <a:rPr/>
+                  <a:t> For every node </a:t>
+                </a:r>
+                <a:r>
+                  <a:rPr b="1"/>
+                  <a:t>i</a:t>
+                </a:r>
+                <a:r>
+                  <a:rPr/>
+                  <a:t> other than </a:t>
+                </a:r>
+                <a:r>
+                  <a:rPr b="1"/>
+                  <a:t>root</a:t>
+                </a:r>
+                <a:r>
+                  <a:rPr/>
+                  <a:t>, </a:t>
+                </a:r>
+                <a14:m>
+                  <m:oMath xmlns:m="http://schemas.openxmlformats.org/officeDocument/2006/math">
+                    <m:r>
+                      <m:t>A</m:t>
+                    </m:r>
+                    <m:d>
+                      <m:dPr>
+                        <m:begChr m:val="["/>
+                        <m:endChr m:val="]"/>
+                        <m:sepChr m:val=""/>
+                        <m:grow/>
+                      </m:dPr>
+                      <m:e>
+                        <m:r>
+                          <m:t>p</m:t>
+                        </m:r>
+                        <m:r>
+                          <m:t>a</m:t>
+                        </m:r>
+                        <m:r>
+                          <m:t>r</m:t>
+                        </m:r>
+                        <m:r>
+                          <m:t>e</m:t>
+                        </m:r>
+                        <m:r>
+                          <m:t>n</m:t>
+                        </m:r>
+                        <m:r>
+                          <m:t>t</m:t>
+                        </m:r>
+                        <m:d>
+                          <m:dPr>
+                            <m:begChr m:val="("/>
+                            <m:endChr m:val=")"/>
+                            <m:sepChr m:val=""/>
+                            <m:grow/>
+                          </m:dPr>
+                          <m:e>
+                            <m:r>
+                              <m:t>i</m:t>
+                            </m:r>
+                          </m:e>
+                        </m:d>
+                      </m:e>
+                    </m:d>
+                    <m:r>
+                      <m:rPr>
+                        <m:sty m:val="p"/>
+                      </m:rPr>
+                      <m:t>≥</m:t>
+                    </m:r>
+                    <m:r>
+                      <m:t>A</m:t>
+                    </m:r>
+                    <m:d>
+                      <m:dPr>
+                        <m:begChr m:val="["/>
+                        <m:endChr m:val="]"/>
+                        <m:sepChr m:val=""/>
+                        <m:grow/>
+                      </m:dPr>
+                      <m:e>
+                        <m:r>
+                          <m:t>i</m:t>
+                        </m:r>
+                      </m:e>
+                    </m:d>
+                  </m:oMath>
+                </a14:m>
+              </a:p>
+              <a:p>
+                <a:pPr lvl="1"/>
+                <a:r>
+                  <a:rPr/>
+                  <a:t>Parent node is always larger than the child nodes</a:t>
+                </a:r>
+              </a:p>
+            </p:txBody>
+          </p:sp>
+        </mc:Choice>
+      </mc:AlternateContent>
+      <p:pic>
+        <p:nvPicPr>
+          <p:cNvPr descr="fig:  assets/ce100-week-4-heap-heap_max_heap.drawio.svg" id="0" name="Picture 1"/>
+          <p:cNvPicPr>
+            <a:picLocks noGrp="1" noChangeAspect="1"/>
+          </p:cNvPicPr>
+          <p:nvPr/>
+        </p:nvPicPr>
+        <p:blipFill>
+          <a:blip r:embed="rId2"/>
+          <a:stretch>
+            <a:fillRect/>
+          </a:stretch>
+        </p:blipFill>
+        <p:spPr bwMode="auto">
+          <a:xfrm>
+            <a:off x="3568700" y="1244600"/>
+            <a:ext cx="5105400" cy="3365500"/>
+          </a:xfrm>
+          <a:prstGeom prst="rect">
+            <a:avLst/>
+          </a:prstGeom>
+          <a:noFill/>
+          <a:ln w="9525">
+            <a:noFill/>
+            <a:headEnd/>
+            <a:tailEnd/>
+          </a:ln>
+        </p:spPr>
+      </p:pic>
+      <p:sp>
+        <p:nvSpPr>
+          <p:cNvPr id="1" name="TextBox 3"/>
+          <p:cNvSpPr txBox="1"/>
+          <p:nvPr/>
+        </p:nvSpPr>
+        <p:spPr>
+          <a:xfrm>
+            <a:off x="3568700" y="5600700"/>
+            <a:ext cx="5105400" cy="508000"/>
+          </a:xfrm>
+          <a:prstGeom prst="rect">
+            <a:avLst/>
+          </a:prstGeom>
+          <a:noFill/>
+        </p:spPr>
+        <p:txBody>
+          <a:bodyPr/>
+          <a:lstStyle/>
+          <a:p>
+            <a:pPr lvl="0" indent="0" marL="0" algn="ctr">
+              <a:buNone/>
+            </a:pPr>
+            <a:r>
+              <a:rPr/>
+              <a:t>alt:“alt” height:350px center</a:t>
+            </a:r>
+          </a:p>
+        </p:txBody>
+      </p:sp>
+    </p:spTree>
+  </p:cSld>
+</p:sld>
+</file>
+
+<file path=ppt/slides/slide14.xml><?xml version="1.0" encoding="utf-8"?>
+<p:sld xmlns:a="http://schemas.openxmlformats.org/drawingml/2006/main" xmlns:r="http://schemas.openxmlformats.org/officeDocument/2006/relationships" xmlns:p="http://schemas.openxmlformats.org/presentationml/2006/main">
+  <p:cSld>
+    <p:spTree>
+      <p:nvGrpSpPr>
+        <p:cNvPr id="1" name=""/>
+        <p:cNvGrpSpPr/>
+        <p:nvPr/>
+      </p:nvGrpSpPr>
+      <p:grpSpPr>
+        <a:xfrm>
+          <a:off x="0" y="0"/>
+          <a:ext cx="0" cy="0"/>
+          <a:chOff x="0" y="0"/>
+          <a:chExt cx="0" cy="0"/>
+        </a:xfrm>
+      </p:grpSpPr>
+      <p:sp>
+        <p:nvSpPr>
+          <p:cNvPr id="2" name="Title 1"/>
+          <p:cNvSpPr>
+            <a:spLocks noGrp="1"/>
+          </p:cNvSpPr>
+          <p:nvPr>
+            <p:ph type="title"/>
+          </p:nvPr>
+        </p:nvSpPr>
+        <p:spPr/>
+        <p:txBody>
+          <a:bodyPr/>
+          <a:lstStyle/>
+          <a:p>
+            <a:pPr lvl="0" indent="0" marL="0">
+              <a:buNone/>
+            </a:pPr>
+            <a:r>
+              <a:rPr/>
+              <a:t>Heap Data Structures (4)</a:t>
+            </a:r>
+          </a:p>
+        </p:txBody>
+      </p:sp>
+      <p:pic>
+        <p:nvPicPr>
+          <p:cNvPr descr="fig:  assets/ce100-week-4-heap-heap_max_heap_1.drawio.svg" id="0" name="Picture 1"/>
+          <p:cNvPicPr>
+            <a:picLocks noGrp="1" noChangeAspect="1"/>
+          </p:cNvPicPr>
+          <p:nvPr/>
+        </p:nvPicPr>
+        <p:blipFill>
+          <a:blip r:embed="rId2"/>
+          <a:stretch>
+            <a:fillRect/>
+          </a:stretch>
+        </p:blipFill>
+        <p:spPr bwMode="auto">
+          <a:xfrm>
+            <a:off x="723900" y="1600200"/>
+            <a:ext cx="7696200" cy="4013200"/>
+          </a:xfrm>
+          <a:prstGeom prst="rect">
+            <a:avLst/>
+          </a:prstGeom>
+          <a:noFill/>
+          <a:ln w="9525">
+            <a:noFill/>
+            <a:headEnd/>
+            <a:tailEnd/>
+          </a:ln>
+        </p:spPr>
+      </p:pic>
+      <p:sp>
+        <p:nvSpPr>
+          <p:cNvPr id="1" name="TextBox 3"/>
+          <p:cNvSpPr txBox="1"/>
+          <p:nvPr/>
+        </p:nvSpPr>
+        <p:spPr>
+          <a:xfrm>
+            <a:off x="457200" y="5613400"/>
+            <a:ext cx="8229600" cy="508000"/>
+          </a:xfrm>
+          <a:prstGeom prst="rect">
+            <a:avLst/>
+          </a:prstGeom>
+          <a:noFill/>
+        </p:spPr>
+        <p:txBody>
+          <a:bodyPr/>
+          <a:lstStyle/>
+          <a:p>
+            <a:pPr lvl="0" indent="0" marL="0" algn="ctr">
+              <a:buNone/>
+            </a:pPr>
+            <a:r>
+              <a:rPr/>
+              <a:t>alt:“alt” height:500px center</a:t>
+            </a:r>
+          </a:p>
+        </p:txBody>
+      </p:sp>
+    </p:spTree>
+  </p:cSld>
+</p:sld>
+</file>
+
+<file path=ppt/slides/slide15.xml><?xml version="1.0" encoding="utf-8"?>
+<p:sld xmlns:a="http://schemas.openxmlformats.org/drawingml/2006/main" xmlns:r="http://schemas.openxmlformats.org/officeDocument/2006/relationships" xmlns:p="http://schemas.openxmlformats.org/presentationml/2006/main">
+  <p:cSld>
+    <p:spTree>
+      <p:nvGrpSpPr>
+        <p:cNvPr id="1" name=""/>
+        <p:cNvGrpSpPr/>
+        <p:nvPr/>
+      </p:nvGrpSpPr>
+      <p:grpSpPr>
+        <a:xfrm>
+          <a:off x="0" y="0"/>
+          <a:ext cx="0" cy="0"/>
+          <a:chOff x="0" y="0"/>
+          <a:chExt cx="0" cy="0"/>
+        </a:xfrm>
+      </p:grpSpPr>
+      <p:sp>
+        <p:nvSpPr>
+          <p:cNvPr id="2" name="Title 1"/>
+          <p:cNvSpPr>
+            <a:spLocks noGrp="1"/>
+          </p:cNvSpPr>
+          <p:nvPr>
+            <p:ph type="title"/>
+          </p:nvPr>
+        </p:nvSpPr>
+        <p:spPr/>
+        <p:txBody>
+          <a:bodyPr/>
+          <a:lstStyle/>
+          <a:p>
+            <a:pPr lvl="0" indent="0" marL="0">
+              <a:buNone/>
+            </a:pPr>
+            <a:r>
+              <a:rPr/>
+              <a:t>Heap Data Structures (5)</a:t>
+            </a:r>
+          </a:p>
+        </p:txBody>
+      </p:sp>
+      <mc:AlternateContent xmlns:mc="http://schemas.openxmlformats.org/markup-compatibility/2006">
+        <mc:Choice xmlns:a14="http://schemas.microsoft.com/office/drawing/2010/main" Requires="a14">
+          <p:sp>
+            <p:nvSpPr>
+              <p:cNvPr id="3" name="Content Placeholder 2"/>
+              <p:cNvSpPr>
+                <a:spLocks noGrp="1"/>
+              </p:cNvSpPr>
+              <p:nvPr>
+                <p:ph idx="1"/>
+              </p:nvPr>
+            </p:nvSpPr>
+            <p:spPr/>
+            <p:txBody>
+              <a:bodyPr/>
+              <a:lstStyle/>
+              <a:p>
+                <a:pPr lvl="0"/>
+                <a:r>
+                  <a:rPr/>
+                  <a:t>Computing left child, right child, and parent indices very fast</a:t>
+                </a:r>
+              </a:p>
+              <a:p>
+                <a:pPr lvl="1"/>
+                <a:r>
+                  <a:rPr b="1"/>
+                  <a:t>left(i) = 2i</a:t>
+                </a:r>
+                <a:r>
+                  <a:rPr/>
+                  <a:t> </a:t>
+                </a:r>
+                <a14:m>
+                  <m:oMath xmlns:m="http://schemas.openxmlformats.org/officeDocument/2006/math">
+                    <m:r>
+                      <m:rPr>
+                        <m:sty m:val="p"/>
+                      </m:rPr>
+                      <m:t>⇒</m:t>
+                    </m:r>
+                  </m:oMath>
+                </a14:m>
+                <a:r>
+                  <a:rPr/>
+                  <a:t> binary left shift</a:t>
+                </a:r>
+              </a:p>
+              <a:p>
+                <a:pPr lvl="1"/>
+                <a:r>
+                  <a:rPr b="1"/>
+                  <a:t>right(i) = 2i+1</a:t>
+                </a:r>
+                <a:r>
+                  <a:rPr/>
+                  <a:t> </a:t>
+                </a:r>
+                <a14:m>
+                  <m:oMath xmlns:m="http://schemas.openxmlformats.org/officeDocument/2006/math">
+                    <m:r>
+                      <m:rPr>
+                        <m:sty m:val="p"/>
+                      </m:rPr>
+                      <m:t>⇒</m:t>
+                    </m:r>
+                  </m:oMath>
+                </a14:m>
+                <a:r>
+                  <a:rPr/>
+                  <a:t> binary left shift, then set the lowest bit to 1</a:t>
+                </a:r>
+              </a:p>
+              <a:p>
+                <a:pPr lvl="1"/>
+                <a:r>
+                  <a:rPr b="1"/>
+                  <a:t>parent(i) = floor(i/2)</a:t>
+                </a:r>
+                <a:r>
+                  <a:rPr/>
+                  <a:t> </a:t>
+                </a:r>
+                <a14:m>
+                  <m:oMath xmlns:m="http://schemas.openxmlformats.org/officeDocument/2006/math">
+                    <m:r>
+                      <m:rPr>
+                        <m:sty m:val="p"/>
+                      </m:rPr>
+                      <m:t>⇒</m:t>
+                    </m:r>
+                  </m:oMath>
+                </a14:m>
+                <a:r>
+                  <a:rPr/>
+                  <a:t> right shift in binary</a:t>
+                </a:r>
+              </a:p>
+              <a:p>
+                <a:pPr lvl="0"/>
+                <a14:m>
+                  <m:oMath xmlns:m="http://schemas.openxmlformats.org/officeDocument/2006/math">
+                    <m:r>
+                      <m:t>A</m:t>
+                    </m:r>
+                    <m:d>
+                      <m:dPr>
+                        <m:begChr m:val="["/>
+                        <m:endChr m:val="]"/>
+                        <m:sepChr m:val=""/>
+                        <m:grow/>
+                      </m:dPr>
+                      <m:e>
+                        <m:r>
+                          <m:t>1</m:t>
+                        </m:r>
+                      </m:e>
+                    </m:d>
+                  </m:oMath>
+                </a14:m>
+                <a:r>
+                  <a:rPr/>
+                  <a:t> is always the </a:t>
+                </a:r>
+                <a:r>
+                  <a:rPr b="1"/>
+                  <a:t>root</a:t>
+                </a:r>
+                <a:r>
+                  <a:rPr/>
+                  <a:t> element</a:t>
+                </a:r>
+              </a:p>
+              <a:p>
+                <a:pPr lvl="0"/>
+                <a:r>
+                  <a:rPr/>
+                  <a:t>Array </a:t>
+                </a:r>
+                <a14:m>
+                  <m:oMath xmlns:m="http://schemas.openxmlformats.org/officeDocument/2006/math">
+                    <m:r>
+                      <m:t>A</m:t>
+                    </m:r>
+                  </m:oMath>
+                </a14:m>
+                <a:r>
+                  <a:rPr/>
+                  <a:t> has two attributes:</a:t>
+                </a:r>
+              </a:p>
+              <a:p>
+                <a:pPr lvl="1"/>
+                <a:r>
+                  <a:rPr b="1"/>
+                  <a:t>length(A):</a:t>
+                </a:r>
+                <a:r>
+                  <a:rPr/>
+                  <a:t> The number of elements in </a:t>
+                </a:r>
+                <a14:m>
+                  <m:oMath xmlns:m="http://schemas.openxmlformats.org/officeDocument/2006/math">
+                    <m:r>
+                      <m:t>A</m:t>
+                    </m:r>
+                  </m:oMath>
+                </a14:m>
+              </a:p>
+              <a:p>
+                <a:pPr lvl="1"/>
+                <a:r>
+                  <a:rPr b="1"/>
+                  <a:t>n = heap-size(A):</a:t>
+                </a:r>
+                <a:r>
+                  <a:rPr/>
+                  <a:t> The number elements in </a:t>
+                </a:r>
+                <a14:m>
+                  <m:oMath xmlns:m="http://schemas.openxmlformats.org/officeDocument/2006/math">
+                    <m:r>
+                      <m:t>h</m:t>
+                    </m:r>
+                    <m:r>
+                      <m:t>e</m:t>
+                    </m:r>
+                    <m:r>
+                      <m:t>a</m:t>
+                    </m:r>
+                    <m:r>
+                      <m:t>p</m:t>
+                    </m:r>
+                  </m:oMath>
+                </a14:m>
+              </a:p>
+              <a:p>
+                <a:pPr lvl="0" indent="0" marL="0">
+                  <a:spcBef>
+                    <a:spcPts val="3000"/>
+                  </a:spcBef>
+                  <a:buNone/>
+                </a:pPr>
+                <a14:m>
+                  <m:oMath xmlns:m="http://schemas.openxmlformats.org/officeDocument/2006/math">
+                    <m:r>
+                      <m:t>n</m:t>
+                    </m:r>
+                    <m:r>
+                      <m:rPr>
+                        <m:sty m:val="p"/>
+                      </m:rPr>
+                      <m:t>≤</m:t>
+                    </m:r>
+                    <m:r>
+                      <m:t>l</m:t>
+                    </m:r>
+                    <m:r>
+                      <m:t>e</m:t>
+                    </m:r>
+                    <m:r>
+                      <m:t>n</m:t>
+                    </m:r>
+                    <m:r>
+                      <m:t>g</m:t>
+                    </m:r>
+                    <m:r>
+                      <m:t>t</m:t>
+                    </m:r>
+                    <m:r>
+                      <m:t>h</m:t>
+                    </m:r>
+                    <m:d>
+                      <m:dPr>
+                        <m:begChr m:val="("/>
+                        <m:endChr m:val=")"/>
+                        <m:sepChr m:val=""/>
+                        <m:grow/>
+                      </m:dPr>
+                      <m:e>
+                        <m:r>
+                          <m:t>A</m:t>
+                        </m:r>
+                      </m:e>
+                    </m:d>
+                  </m:oMath>
+                </a14:m>
+              </a:p>
+            </p:txBody>
+          </p:sp>
+        </mc:Choice>
+      </mc:AlternateContent>
+    </p:spTree>
+  </p:cSld>
+</p:sld>
+</file>
+
+<file path=ppt/slides/slide16.xml><?xml version="1.0" encoding="utf-8"?>
+<p:sld xmlns:a="http://schemas.openxmlformats.org/drawingml/2006/main" xmlns:r="http://schemas.openxmlformats.org/officeDocument/2006/relationships" xmlns:p="http://schemas.openxmlformats.org/presentationml/2006/main">
+  <p:cSld>
+    <p:spTree>
+      <p:nvGrpSpPr>
+        <p:cNvPr id="1" name=""/>
+        <p:cNvGrpSpPr/>
+        <p:nvPr/>
+      </p:nvGrpSpPr>
+      <p:grpSpPr>
+        <a:xfrm>
+          <a:off x="0" y="0"/>
+          <a:ext cx="0" cy="0"/>
+          <a:chOff x="0" y="0"/>
+          <a:chExt cx="0" cy="0"/>
+        </a:xfrm>
+      </p:grpSpPr>
+      <p:sp>
+        <p:nvSpPr>
+          <p:cNvPr id="2" name="Title 1"/>
+          <p:cNvSpPr>
+            <a:spLocks noGrp="1"/>
+          </p:cNvSpPr>
+          <p:nvPr>
+            <p:ph type="title"/>
+          </p:nvPr>
+        </p:nvSpPr>
+        <p:spPr/>
+        <p:txBody>
+          <a:bodyPr/>
+          <a:lstStyle/>
+          <a:p>
+            <a:pPr lvl="0" indent="0" marL="0">
+              <a:buNone/>
+            </a:pPr>
+            <a:r>
+              <a:rPr/>
+              <a:t>Heap Operations : EXTRACT-MAX (1)</a:t>
+            </a:r>
+          </a:p>
+        </p:txBody>
+      </p:sp>
+      <p:sp>
+        <p:nvSpPr>
+          <p:cNvPr id="3" name="Content Placeholder 2"/>
+          <p:cNvSpPr>
+            <a:spLocks noGrp="1"/>
+          </p:cNvSpPr>
+          <p:nvPr>
+            <p:ph idx="1"/>
+          </p:nvPr>
+        </p:nvSpPr>
+        <p:spPr/>
+        <p:txBody>
+          <a:bodyPr/>
+          <a:lstStyle/>
+          <a:p>
+            <a:pPr lvl="0" indent="0">
+              <a:buNone/>
+            </a:pPr>
+            <a:r>
+              <a:rPr>
+                <a:latin typeface="Courier"/>
+              </a:rPr>
+              <a:t>EXTRACT</a:t>
+            </a:r>
+            <a:r>
+              <a:rPr>
+                <a:solidFill>
+                  <a:srgbClr val="4070A0"/>
+                </a:solidFill>
+                <a:latin typeface="Courier"/>
+              </a:rPr>
+              <a:t>-</a:t>
+            </a:r>
+            <a:r>
+              <a:rPr>
+                <a:solidFill>
+                  <a:srgbClr val="06287E"/>
+                </a:solidFill>
+                <a:latin typeface="Courier"/>
+              </a:rPr>
+              <a:t>MAX</a:t>
+            </a:r>
+            <a:r>
+              <a:rPr>
+                <a:latin typeface="Courier"/>
+              </a:rPr>
+              <a:t>(A, n)</a:t>
+            </a:r>
+            <a:br/>
+            <a:r>
+              <a:rPr>
+                <a:latin typeface="Courier"/>
+              </a:rPr>
+              <a:t>  max </a:t>
+            </a:r>
+            <a:r>
+              <a:rPr>
+                <a:solidFill>
+                  <a:srgbClr val="007020"/>
+                </a:solidFill>
+                <a:latin typeface="Courier"/>
+              </a:rPr>
+              <a:t>=</a:t>
+            </a:r>
+            <a:r>
+              <a:rPr>
+                <a:latin typeface="Courier"/>
+              </a:rPr>
+              <a:t> A[</a:t>
+            </a:r>
+            <a:r>
+              <a:rPr>
+                <a:solidFill>
+                  <a:srgbClr val="40A070"/>
+                </a:solidFill>
+                <a:latin typeface="Courier"/>
+              </a:rPr>
+              <a:t>1</a:t>
+            </a:r>
+            <a:r>
+              <a:rPr>
+                <a:latin typeface="Courier"/>
+              </a:rPr>
+              <a:t>]</a:t>
+            </a:r>
+            <a:br/>
+            <a:r>
+              <a:rPr>
+                <a:latin typeface="Courier"/>
+              </a:rPr>
+              <a:t>  A[</a:t>
+            </a:r>
+            <a:r>
+              <a:rPr>
+                <a:solidFill>
+                  <a:srgbClr val="40A070"/>
+                </a:solidFill>
+                <a:latin typeface="Courier"/>
+              </a:rPr>
+              <a:t>1</a:t>
+            </a:r>
+            <a:r>
+              <a:rPr>
+                <a:latin typeface="Courier"/>
+              </a:rPr>
+              <a:t>] </a:t>
+            </a:r>
+            <a:r>
+              <a:rPr>
+                <a:solidFill>
+                  <a:srgbClr val="007020"/>
+                </a:solidFill>
+                <a:latin typeface="Courier"/>
+              </a:rPr>
+              <a:t>=</a:t>
+            </a:r>
+            <a:r>
+              <a:rPr>
+                <a:latin typeface="Courier"/>
+              </a:rPr>
+              <a:t> A[n]</a:t>
+            </a:r>
+            <a:br/>
+            <a:r>
+              <a:rPr>
+                <a:latin typeface="Courier"/>
+              </a:rPr>
+              <a:t>  n </a:t>
+            </a:r>
+            <a:r>
+              <a:rPr>
+                <a:solidFill>
+                  <a:srgbClr val="007020"/>
+                </a:solidFill>
+                <a:latin typeface="Courier"/>
+              </a:rPr>
+              <a:t>=</a:t>
+            </a:r>
+            <a:r>
+              <a:rPr>
+                <a:latin typeface="Courier"/>
+              </a:rPr>
+              <a:t> n </a:t>
+            </a:r>
+            <a:r>
+              <a:rPr>
+                <a:solidFill>
+                  <a:srgbClr val="4070A0"/>
+                </a:solidFill>
+                <a:latin typeface="Courier"/>
+              </a:rPr>
+              <a:t>-</a:t>
+            </a:r>
+            <a:r>
+              <a:rPr>
+                <a:latin typeface="Courier"/>
+              </a:rPr>
+              <a:t> </a:t>
+            </a:r>
+            <a:r>
+              <a:rPr>
+                <a:solidFill>
+                  <a:srgbClr val="40A070"/>
+                </a:solidFill>
+                <a:latin typeface="Courier"/>
+              </a:rPr>
+              <a:t>1</a:t>
+            </a:r>
+            <a:br/>
+            <a:r>
+              <a:rPr>
+                <a:latin typeface="Courier"/>
+              </a:rPr>
+              <a:t>  </a:t>
+            </a:r>
+            <a:r>
+              <a:rPr>
+                <a:solidFill>
+                  <a:srgbClr val="06287E"/>
+                </a:solidFill>
+                <a:latin typeface="Courier"/>
+              </a:rPr>
+              <a:t>HEAPIFY</a:t>
+            </a:r>
+            <a:r>
+              <a:rPr>
+                <a:latin typeface="Courier"/>
+              </a:rPr>
+              <a:t>(A, </a:t>
+            </a:r>
+            <a:r>
+              <a:rPr>
+                <a:solidFill>
+                  <a:srgbClr val="40A070"/>
+                </a:solidFill>
+                <a:latin typeface="Courier"/>
+              </a:rPr>
+              <a:t>1</a:t>
+            </a:r>
+            <a:r>
+              <a:rPr>
+                <a:latin typeface="Courier"/>
+              </a:rPr>
+              <a:t>,n)</a:t>
+            </a:r>
+            <a:br/>
+            <a:r>
+              <a:rPr>
+                <a:latin typeface="Courier"/>
+              </a:rPr>
+              <a:t>  return max</a:t>
+            </a:r>
+          </a:p>
+        </p:txBody>
+      </p:sp>
+    </p:spTree>
+  </p:cSld>
+</p:sld>
+</file>
+
+<file path=ppt/slides/slide17.xml><?xml version="1.0" encoding="utf-8"?>
+<p:sld xmlns:a="http://schemas.openxmlformats.org/drawingml/2006/main" xmlns:r="http://schemas.openxmlformats.org/officeDocument/2006/relationships" xmlns:p="http://schemas.openxmlformats.org/presentationml/2006/main">
+  <p:cSld>
+    <p:spTree>
+      <p:nvGrpSpPr>
+        <p:cNvPr id="1" name=""/>
+        <p:cNvGrpSpPr/>
+        <p:nvPr/>
+      </p:nvGrpSpPr>
+      <p:grpSpPr>
+        <a:xfrm>
+          <a:off x="0" y="0"/>
+          <a:ext cx="0" cy="0"/>
+          <a:chOff x="0" y="0"/>
+          <a:chExt cx="0" cy="0"/>
+        </a:xfrm>
+      </p:grpSpPr>
+      <p:sp>
+        <p:nvSpPr>
+          <p:cNvPr id="2" name="Title 1"/>
+          <p:cNvSpPr>
+            <a:spLocks noGrp="1"/>
+          </p:cNvSpPr>
+          <p:nvPr>
+            <p:ph type="title"/>
+          </p:nvPr>
+        </p:nvSpPr>
+        <p:spPr>
+          <a:xfrm>
+            <a:off x="457200" y="273050"/>
+            <a:ext cx="3008313" cy="1162050"/>
+          </a:xfrm>
+        </p:spPr>
+        <p:txBody>
+          <a:bodyPr/>
+          <a:lstStyle/>
+          <a:p>
+            <a:pPr lvl="0" indent="0" marL="0">
+              <a:buNone/>
+            </a:pPr>
+            <a:r>
+              <a:rPr/>
+              <a:t>Heap Operations : EXTRACT-MAX (2)</a:t>
+            </a:r>
+          </a:p>
+        </p:txBody>
+      </p:sp>
+      <p:sp>
+        <p:nvSpPr>
+          <p:cNvPr id="4" name="Text Placeholder 3"/>
+          <p:cNvSpPr>
+            <a:spLocks noGrp="1"/>
+          </p:cNvSpPr>
+          <p:nvPr>
+            <p:ph idx="2" sz="half" type="body"/>
+          </p:nvPr>
+        </p:nvSpPr>
+        <p:spPr/>
+        <p:txBody>
+          <a:bodyPr/>
+          <a:lstStyle/>
+          <a:p>
+            <a:pPr lvl="0"/>
+            <a:r>
+              <a:rPr/>
+              <a:t>Return the max element,and reorganize the heap to maintain heap property</a:t>
+            </a:r>
+          </a:p>
+        </p:txBody>
+      </p:sp>
+      <p:pic>
+        <p:nvPicPr>
+          <p:cNvPr descr="fig:  assets/ce100-week-4-heap-heap_extractmax.drawio.svg" id="0" name="Picture 1"/>
+          <p:cNvPicPr>
+            <a:picLocks noGrp="1" noChangeAspect="1"/>
+          </p:cNvPicPr>
+          <p:nvPr/>
+        </p:nvPicPr>
+        <p:blipFill>
+          <a:blip r:embed="rId2"/>
+          <a:stretch>
+            <a:fillRect/>
+          </a:stretch>
+        </p:blipFill>
+        <p:spPr bwMode="auto">
+          <a:xfrm>
+            <a:off x="3568700" y="1866900"/>
+            <a:ext cx="5105400" cy="2133600"/>
+          </a:xfrm>
+          <a:prstGeom prst="rect">
+            <a:avLst/>
+          </a:prstGeom>
+          <a:noFill/>
+          <a:ln w="9525">
+            <a:noFill/>
+            <a:headEnd/>
+            <a:tailEnd/>
+          </a:ln>
+        </p:spPr>
+      </p:pic>
+      <p:sp>
+        <p:nvSpPr>
+          <p:cNvPr id="1" name="TextBox 3"/>
+          <p:cNvSpPr txBox="1"/>
+          <p:nvPr/>
+        </p:nvSpPr>
+        <p:spPr>
+          <a:xfrm>
+            <a:off x="3568700" y="5600700"/>
+            <a:ext cx="5105400" cy="508000"/>
+          </a:xfrm>
+          <a:prstGeom prst="rect">
+            <a:avLst/>
+          </a:prstGeom>
+          <a:noFill/>
+        </p:spPr>
+        <p:txBody>
+          <a:bodyPr/>
+          <a:lstStyle/>
+          <a:p>
+            <a:pPr lvl="0" indent="0" marL="0" algn="ctr">
+              <a:buNone/>
+            </a:pPr>
+            <a:r>
+              <a:rPr/>
+              <a:t>alt:“alt” height:400px center</a:t>
+            </a:r>
+          </a:p>
+        </p:txBody>
+      </p:sp>
+    </p:spTree>
+  </p:cSld>
+</p:sld>
+</file>
+
+<file path=ppt/slides/slide18.xml><?xml version="1.0" encoding="utf-8"?>
+<p:sld xmlns:a="http://schemas.openxmlformats.org/drawingml/2006/main" xmlns:r="http://schemas.openxmlformats.org/officeDocument/2006/relationships" xmlns:p="http://schemas.openxmlformats.org/presentationml/2006/main">
+  <p:cSld>
+    <p:spTree>
+      <p:nvGrpSpPr>
+        <p:cNvPr id="1" name=""/>
+        <p:cNvGrpSpPr/>
+        <p:nvPr/>
+      </p:nvGrpSpPr>
+      <p:grpSpPr>
+        <a:xfrm>
+          <a:off x="0" y="0"/>
+          <a:ext cx="0" cy="0"/>
+          <a:chOff x="0" y="0"/>
+          <a:chExt cx="0" cy="0"/>
+        </a:xfrm>
+      </p:grpSpPr>
+      <p:sp>
+        <p:nvSpPr>
+          <p:cNvPr id="2" name="Title 1"/>
+          <p:cNvSpPr>
+            <a:spLocks noGrp="1"/>
+          </p:cNvSpPr>
+          <p:nvPr>
+            <p:ph type="title"/>
+          </p:nvPr>
+        </p:nvSpPr>
+        <p:spPr/>
+        <p:txBody>
+          <a:bodyPr/>
+          <a:lstStyle/>
+          <a:p>
+            <a:pPr lvl="0" indent="0" marL="0">
+              <a:buNone/>
+            </a:pPr>
+            <a:r>
+              <a:rPr/>
+              <a:t>Heap Operations: HEAPIFY (1)</a:t>
+            </a:r>
+          </a:p>
+        </p:txBody>
+      </p:sp>
+      <p:pic>
+        <p:nvPicPr>
+          <p:cNvPr descr="fig:  assets/ce100-week-4-heap-heap_heapify.drawio.svg" id="0" name="Picture 1"/>
+          <p:cNvPicPr>
+            <a:picLocks noGrp="1" noChangeAspect="1"/>
+          </p:cNvPicPr>
+          <p:nvPr/>
+        </p:nvPicPr>
+        <p:blipFill>
+          <a:blip r:embed="rId2"/>
+          <a:stretch>
+            <a:fillRect/>
+          </a:stretch>
+        </p:blipFill>
+        <p:spPr bwMode="auto">
+          <a:xfrm>
+            <a:off x="1130300" y="1600200"/>
+            <a:ext cx="6883400" cy="4013200"/>
+          </a:xfrm>
+          <a:prstGeom prst="rect">
+            <a:avLst/>
+          </a:prstGeom>
+          <a:noFill/>
+          <a:ln w="9525">
+            <a:noFill/>
+            <a:headEnd/>
+            <a:tailEnd/>
+          </a:ln>
+        </p:spPr>
+      </p:pic>
+      <p:sp>
+        <p:nvSpPr>
+          <p:cNvPr id="1" name="TextBox 3"/>
+          <p:cNvSpPr txBox="1"/>
+          <p:nvPr/>
+        </p:nvSpPr>
+        <p:spPr>
+          <a:xfrm>
+            <a:off x="457200" y="5613400"/>
+            <a:ext cx="8229600" cy="508000"/>
+          </a:xfrm>
+          <a:prstGeom prst="rect">
+            <a:avLst/>
+          </a:prstGeom>
+          <a:noFill/>
+        </p:spPr>
+        <p:txBody>
+          <a:bodyPr/>
+          <a:lstStyle/>
+          <a:p>
+            <a:pPr lvl="0" indent="0" marL="0" algn="ctr">
+              <a:buNone/>
+            </a:pPr>
+            <a:r>
+              <a:rPr/>
+              <a:t>alt:“alt” height:500px center</a:t>
+            </a:r>
+          </a:p>
+        </p:txBody>
+      </p:sp>
+    </p:spTree>
+  </p:cSld>
+</p:sld>
+</file>
+
+<file path=ppt/slides/slide19.xml><?xml version="1.0" encoding="utf-8"?>
+<p:sld xmlns:a="http://schemas.openxmlformats.org/drawingml/2006/main" xmlns:r="http://schemas.openxmlformats.org/officeDocument/2006/relationships" xmlns:p="http://schemas.openxmlformats.org/presentationml/2006/main">
+  <p:cSld>
+    <p:spTree>
+      <p:nvGrpSpPr>
+        <p:cNvPr id="1" name=""/>
+        <p:cNvGrpSpPr/>
+        <p:nvPr/>
+      </p:nvGrpSpPr>
+      <p:grpSpPr>
+        <a:xfrm>
+          <a:off x="0" y="0"/>
+          <a:ext cx="0" cy="0"/>
+          <a:chOff x="0" y="0"/>
+          <a:chExt cx="0" cy="0"/>
+        </a:xfrm>
+      </p:grpSpPr>
+      <p:sp>
+        <p:nvSpPr>
+          <p:cNvPr id="2" name="Title 1"/>
+          <p:cNvSpPr>
+            <a:spLocks noGrp="1"/>
+          </p:cNvSpPr>
+          <p:nvPr>
+            <p:ph type="title"/>
+          </p:nvPr>
+        </p:nvSpPr>
+        <p:spPr/>
+        <p:txBody>
+          <a:bodyPr/>
+          <a:lstStyle/>
+          <a:p>
+            <a:pPr lvl="0" indent="0" marL="0">
+              <a:buNone/>
+            </a:pPr>
+            <a:r>
+              <a:rPr/>
+              <a:t>Heap Operations: HEAPIFY (2)</a:t>
+            </a:r>
+          </a:p>
+        </p:txBody>
+      </p:sp>
+      <mc:AlternateContent xmlns:mc="http://schemas.openxmlformats.org/markup-compatibility/2006">
+        <mc:Choice xmlns:a14="http://schemas.microsoft.com/office/drawing/2010/main" Requires="a14">
+          <p:sp>
+            <p:nvSpPr>
+              <p:cNvPr id="3" name="Content Placeholder 2"/>
+              <p:cNvSpPr>
+                <a:spLocks noGrp="1"/>
+              </p:cNvSpPr>
+              <p:nvPr>
+                <p:ph idx="1"/>
+              </p:nvPr>
+            </p:nvSpPr>
+            <p:spPr/>
+            <p:txBody>
+              <a:bodyPr/>
+              <a:lstStyle/>
+              <a:p>
+                <a:pPr lvl="0"/>
+                <a:r>
+                  <a:rPr/>
+                  <a:t>Maintaining heap property:</a:t>
+                </a:r>
+              </a:p>
+              <a:p>
+                <a:pPr lvl="1"/>
+                <a:r>
+                  <a:rPr/>
+                  <a:t>Subtrees rooted at </a:t>
+                </a:r>
+                <a14:m>
+                  <m:oMath xmlns:m="http://schemas.openxmlformats.org/officeDocument/2006/math">
+                    <m:r>
+                      <m:t>l</m:t>
+                    </m:r>
+                    <m:r>
+                      <m:t>e</m:t>
+                    </m:r>
+                    <m:r>
+                      <m:t>f</m:t>
+                    </m:r>
+                    <m:r>
+                      <m:t>t</m:t>
+                    </m:r>
+                    <m:d>
+                      <m:dPr>
+                        <m:begChr m:val="["/>
+                        <m:endChr m:val="]"/>
+                        <m:sepChr m:val=""/>
+                        <m:grow/>
+                      </m:dPr>
+                      <m:e>
+                        <m:r>
+                          <m:t>i</m:t>
+                        </m:r>
+                      </m:e>
+                    </m:d>
+                  </m:oMath>
+                </a14:m>
+                <a:r>
+                  <a:rPr/>
+                  <a:t> and </a:t>
+                </a:r>
+                <a14:m>
+                  <m:oMath xmlns:m="http://schemas.openxmlformats.org/officeDocument/2006/math">
+                    <m:r>
+                      <m:t>r</m:t>
+                    </m:r>
+                    <m:r>
+                      <m:t>i</m:t>
+                    </m:r>
+                    <m:r>
+                      <m:t>g</m:t>
+                    </m:r>
+                    <m:r>
+                      <m:t>h</m:t>
+                    </m:r>
+                    <m:r>
+                      <m:t>t</m:t>
+                    </m:r>
+                    <m:d>
+                      <m:dPr>
+                        <m:begChr m:val="["/>
+                        <m:endChr m:val="]"/>
+                        <m:sepChr m:val=""/>
+                        <m:grow/>
+                      </m:dPr>
+                      <m:e>
+                        <m:r>
+                          <m:t>i</m:t>
+                        </m:r>
+                      </m:e>
+                    </m:d>
+                  </m:oMath>
+                </a14:m>
+                <a:r>
+                  <a:rPr/>
+                  <a:t> are already heaps.</a:t>
+                </a:r>
+              </a:p>
+              <a:p>
+                <a:pPr lvl="1"/>
+                <a:r>
+                  <a:rPr/>
+                  <a:t>But, </a:t>
+                </a:r>
+                <a14:m>
+                  <m:oMath xmlns:m="http://schemas.openxmlformats.org/officeDocument/2006/math">
+                    <m:r>
+                      <m:t>A</m:t>
+                    </m:r>
+                    <m:d>
+                      <m:dPr>
+                        <m:begChr m:val="["/>
+                        <m:endChr m:val="]"/>
+                        <m:sepChr m:val=""/>
+                        <m:grow/>
+                      </m:dPr>
+                      <m:e>
+                        <m:r>
+                          <m:t>i</m:t>
+                        </m:r>
+                      </m:e>
+                    </m:d>
+                  </m:oMath>
+                </a14:m>
+                <a:r>
+                  <a:rPr/>
+                  <a:t> may violate the heap property (i.e., may be smaller than its children)</a:t>
+                </a:r>
+              </a:p>
+              <a:p>
+                <a:pPr lvl="0"/>
+                <a:r>
+                  <a:rPr b="1"/>
+                  <a:t>Idea:</a:t>
+                </a:r>
+                <a:r>
+                  <a:rPr/>
+                  <a:t> Float down the value at </a:t>
+                </a:r>
+                <a14:m>
+                  <m:oMath xmlns:m="http://schemas.openxmlformats.org/officeDocument/2006/math">
+                    <m:r>
+                      <m:t>A</m:t>
+                    </m:r>
+                    <m:d>
+                      <m:dPr>
+                        <m:begChr m:val="["/>
+                        <m:endChr m:val="]"/>
+                        <m:sepChr m:val=""/>
+                        <m:grow/>
+                      </m:dPr>
+                      <m:e>
+                        <m:r>
+                          <m:t>i</m:t>
+                        </m:r>
+                      </m:e>
+                    </m:d>
+                  </m:oMath>
+                </a14:m>
+                <a:r>
+                  <a:rPr/>
+                  <a:t> in the heap so that subtree rooted at </a:t>
+                </a:r>
+                <a14:m>
+                  <m:oMath xmlns:m="http://schemas.openxmlformats.org/officeDocument/2006/math">
+                    <m:r>
+                      <m:t>i</m:t>
+                    </m:r>
+                  </m:oMath>
+                </a14:m>
+                <a:r>
+                  <a:rPr/>
+                  <a:t> becomes a heap.</a:t>
+                </a:r>
+              </a:p>
+            </p:txBody>
+          </p:sp>
+        </mc:Choice>
+      </mc:AlternateContent>
+    </p:spTree>
+  </p:cSld>
+</p:sld>
+</file>
+
 <file path=ppt/slides/slide2.xml><?xml version="1.0" encoding="utf-8"?>
 <p:sld xmlns:a="http://schemas.openxmlformats.org/drawingml/2006/main" xmlns:r="http://schemas.openxmlformats.org/officeDocument/2006/relationships" xmlns:p="http://schemas.openxmlformats.org/presentationml/2006/main">
   <p:cSld>
@@ -3250,6 +5270,1820 @@
             <a:r>
               <a:rPr/>
               <a:t>CE100 Algorithms and Programming II</a:t>
+            </a:r>
+          </a:p>
+        </p:txBody>
+      </p:sp>
+    </p:spTree>
+  </p:cSld>
+</p:sld>
+</file>
+
+<file path=ppt/slides/slide20.xml><?xml version="1.0" encoding="utf-8"?>
+<p:sld xmlns:a="http://schemas.openxmlformats.org/drawingml/2006/main" xmlns:r="http://schemas.openxmlformats.org/officeDocument/2006/relationships" xmlns:p="http://schemas.openxmlformats.org/presentationml/2006/main">
+  <p:cSld>
+    <p:spTree>
+      <p:nvGrpSpPr>
+        <p:cNvPr id="1" name=""/>
+        <p:cNvGrpSpPr/>
+        <p:nvPr/>
+      </p:nvGrpSpPr>
+      <p:grpSpPr>
+        <a:xfrm>
+          <a:off x="0" y="0"/>
+          <a:ext cx="0" cy="0"/>
+          <a:chOff x="0" y="0"/>
+          <a:chExt cx="0" cy="0"/>
+        </a:xfrm>
+      </p:grpSpPr>
+      <p:sp>
+        <p:nvSpPr>
+          <p:cNvPr id="2" name="Title 1"/>
+          <p:cNvSpPr>
+            <a:spLocks noGrp="1"/>
+          </p:cNvSpPr>
+          <p:nvPr>
+            <p:ph type="title"/>
+          </p:nvPr>
+        </p:nvSpPr>
+        <p:spPr/>
+        <p:txBody>
+          <a:bodyPr/>
+          <a:lstStyle/>
+          <a:p>
+            <a:pPr lvl="0" indent="0" marL="0">
+              <a:buNone/>
+            </a:pPr>
+            <a:r>
+              <a:rPr/>
+              <a:t>Heap Operations: HEAPIFY (2)</a:t>
+            </a:r>
+          </a:p>
+        </p:txBody>
+      </p:sp>
+      <p:sp>
+        <p:nvSpPr>
+          <p:cNvPr id="3" name="Content Placeholder 2"/>
+          <p:cNvSpPr>
+            <a:spLocks noGrp="1"/>
+          </p:cNvSpPr>
+          <p:nvPr>
+            <p:ph idx="1"/>
+          </p:nvPr>
+        </p:nvSpPr>
+        <p:spPr/>
+        <p:txBody>
+          <a:bodyPr/>
+          <a:lstStyle/>
+          <a:p>
+            <a:pPr lvl="0" indent="0">
+              <a:buNone/>
+            </a:pPr>
+            <a:r>
+              <a:rPr>
+                <a:solidFill>
+                  <a:srgbClr val="06287E"/>
+                </a:solidFill>
+                <a:latin typeface="Courier"/>
+              </a:rPr>
+              <a:t>HEAPIFY</a:t>
+            </a:r>
+            <a:r>
+              <a:rPr>
+                <a:latin typeface="Courier"/>
+              </a:rPr>
+              <a:t>(A, i, n)</a:t>
+            </a:r>
+            <a:br/>
+            <a:r>
+              <a:rPr>
+                <a:latin typeface="Courier"/>
+              </a:rPr>
+              <a:t>  largest </a:t>
+            </a:r>
+            <a:r>
+              <a:rPr>
+                <a:solidFill>
+                  <a:srgbClr val="007020"/>
+                </a:solidFill>
+                <a:latin typeface="Courier"/>
+              </a:rPr>
+              <a:t>=</a:t>
+            </a:r>
+            <a:r>
+              <a:rPr>
+                <a:latin typeface="Courier"/>
+              </a:rPr>
+              <a:t> i </a:t>
+            </a:r>
+            <a:br/>
+            <a:r>
+              <a:rPr>
+                <a:latin typeface="Courier"/>
+              </a:rPr>
+              <a:t>  </a:t>
+            </a:r>
+            <a:br/>
+            <a:r>
+              <a:rPr>
+                <a:latin typeface="Courier"/>
+              </a:rPr>
+              <a:t>  </a:t>
+            </a:r>
+            <a:r>
+              <a:rPr b="1">
+                <a:solidFill>
+                  <a:srgbClr val="007020"/>
+                </a:solidFill>
+                <a:latin typeface="Courier"/>
+              </a:rPr>
+              <a:t>if</a:t>
+            </a:r>
+            <a:r>
+              <a:rPr>
+                <a:latin typeface="Courier"/>
+              </a:rPr>
+              <a:t> 2i </a:t>
+            </a:r>
+            <a:r>
+              <a:rPr>
+                <a:solidFill>
+                  <a:srgbClr val="4070A0"/>
+                </a:solidFill>
+                <a:latin typeface="Courier"/>
+              </a:rPr>
+              <a:t>&lt;=</a:t>
+            </a:r>
+            <a:r>
+              <a:rPr>
+                <a:latin typeface="Courier"/>
+              </a:rPr>
+              <a:t> n and A[2i] </a:t>
+            </a:r>
+            <a:r>
+              <a:rPr>
+                <a:solidFill>
+                  <a:srgbClr val="4070A0"/>
+                </a:solidFill>
+                <a:latin typeface="Courier"/>
+              </a:rPr>
+              <a:t>&gt;</a:t>
+            </a:r>
+            <a:r>
+              <a:rPr>
+                <a:latin typeface="Courier"/>
+              </a:rPr>
+              <a:t> A[i] then </a:t>
+            </a:r>
+            <a:br/>
+            <a:r>
+              <a:rPr>
+                <a:latin typeface="Courier"/>
+              </a:rPr>
+              <a:t>    largest </a:t>
+            </a:r>
+            <a:r>
+              <a:rPr>
+                <a:solidFill>
+                  <a:srgbClr val="007020"/>
+                </a:solidFill>
+                <a:latin typeface="Courier"/>
+              </a:rPr>
+              <a:t>=</a:t>
+            </a:r>
+            <a:r>
+              <a:rPr>
+                <a:latin typeface="Courier"/>
+              </a:rPr>
+              <a:t> 2i;</a:t>
+            </a:r>
+            <a:br/>
+            <a:r>
+              <a:rPr>
+                <a:latin typeface="Courier"/>
+              </a:rPr>
+              <a:t>  endif</a:t>
+            </a:r>
+            <a:br/>
+            <a:r>
+              <a:rPr>
+                <a:latin typeface="Courier"/>
+              </a:rPr>
+              <a:t>  </a:t>
+            </a:r>
+            <a:br/>
+            <a:r>
+              <a:rPr>
+                <a:latin typeface="Courier"/>
+              </a:rPr>
+              <a:t>  </a:t>
+            </a:r>
+            <a:r>
+              <a:rPr b="1">
+                <a:solidFill>
+                  <a:srgbClr val="007020"/>
+                </a:solidFill>
+                <a:latin typeface="Courier"/>
+              </a:rPr>
+              <a:t>if</a:t>
+            </a:r>
+            <a:r>
+              <a:rPr>
+                <a:latin typeface="Courier"/>
+              </a:rPr>
+              <a:t> 2i</a:t>
+            </a:r>
+            <a:r>
+              <a:rPr>
+                <a:solidFill>
+                  <a:srgbClr val="4070A0"/>
+                </a:solidFill>
+                <a:latin typeface="Courier"/>
+              </a:rPr>
+              <a:t>+</a:t>
+            </a:r>
+            <a:r>
+              <a:rPr>
+                <a:solidFill>
+                  <a:srgbClr val="40A070"/>
+                </a:solidFill>
+                <a:latin typeface="Courier"/>
+              </a:rPr>
+              <a:t>1</a:t>
+            </a:r>
+            <a:r>
+              <a:rPr>
+                <a:latin typeface="Courier"/>
+              </a:rPr>
+              <a:t> </a:t>
+            </a:r>
+            <a:r>
+              <a:rPr>
+                <a:solidFill>
+                  <a:srgbClr val="4070A0"/>
+                </a:solidFill>
+                <a:latin typeface="Courier"/>
+              </a:rPr>
+              <a:t>&lt;=</a:t>
+            </a:r>
+            <a:r>
+              <a:rPr>
+                <a:latin typeface="Courier"/>
+              </a:rPr>
+              <a:t> n and A[2i</a:t>
+            </a:r>
+            <a:r>
+              <a:rPr>
+                <a:solidFill>
+                  <a:srgbClr val="4070A0"/>
+                </a:solidFill>
+                <a:latin typeface="Courier"/>
+              </a:rPr>
+              <a:t>+</a:t>
+            </a:r>
+            <a:r>
+              <a:rPr>
+                <a:solidFill>
+                  <a:srgbClr val="40A070"/>
+                </a:solidFill>
+                <a:latin typeface="Courier"/>
+              </a:rPr>
+              <a:t>1</a:t>
+            </a:r>
+            <a:r>
+              <a:rPr>
+                <a:latin typeface="Courier"/>
+              </a:rPr>
+              <a:t>] </a:t>
+            </a:r>
+            <a:r>
+              <a:rPr>
+                <a:solidFill>
+                  <a:srgbClr val="4070A0"/>
+                </a:solidFill>
+                <a:latin typeface="Courier"/>
+              </a:rPr>
+              <a:t>&gt;</a:t>
+            </a:r>
+            <a:r>
+              <a:rPr>
+                <a:latin typeface="Courier"/>
+              </a:rPr>
+              <a:t> A[largest] then </a:t>
+            </a:r>
+            <a:br/>
+            <a:r>
+              <a:rPr>
+                <a:latin typeface="Courier"/>
+              </a:rPr>
+              <a:t>    largest </a:t>
+            </a:r>
+            <a:r>
+              <a:rPr>
+                <a:solidFill>
+                  <a:srgbClr val="007020"/>
+                </a:solidFill>
+                <a:latin typeface="Courier"/>
+              </a:rPr>
+              <a:t>=</a:t>
+            </a:r>
+            <a:r>
+              <a:rPr>
+                <a:latin typeface="Courier"/>
+              </a:rPr>
+              <a:t> 2i</a:t>
+            </a:r>
+            <a:r>
+              <a:rPr>
+                <a:solidFill>
+                  <a:srgbClr val="4070A0"/>
+                </a:solidFill>
+                <a:latin typeface="Courier"/>
+              </a:rPr>
+              <a:t>+</a:t>
+            </a:r>
+            <a:r>
+              <a:rPr>
+                <a:solidFill>
+                  <a:srgbClr val="40A070"/>
+                </a:solidFill>
+                <a:latin typeface="Courier"/>
+              </a:rPr>
+              <a:t>1</a:t>
+            </a:r>
+            <a:r>
+              <a:rPr>
+                <a:latin typeface="Courier"/>
+              </a:rPr>
+              <a:t>;</a:t>
+            </a:r>
+            <a:br/>
+            <a:r>
+              <a:rPr>
+                <a:latin typeface="Courier"/>
+              </a:rPr>
+              <a:t>  endif</a:t>
+            </a:r>
+            <a:br/>
+            <a:br/>
+            <a:r>
+              <a:rPr>
+                <a:latin typeface="Courier"/>
+              </a:rPr>
+              <a:t>  </a:t>
+            </a:r>
+            <a:r>
+              <a:rPr b="1">
+                <a:solidFill>
+                  <a:srgbClr val="007020"/>
+                </a:solidFill>
+                <a:latin typeface="Courier"/>
+              </a:rPr>
+              <a:t>if</a:t>
+            </a:r>
+            <a:r>
+              <a:rPr>
+                <a:latin typeface="Courier"/>
+              </a:rPr>
+              <a:t> largest </a:t>
+            </a:r>
+            <a:r>
+              <a:rPr>
+                <a:solidFill>
+                  <a:srgbClr val="4070A0"/>
+                </a:solidFill>
+                <a:latin typeface="Courier"/>
+              </a:rPr>
+              <a:t>!=</a:t>
+            </a:r>
+            <a:r>
+              <a:rPr>
+                <a:latin typeface="Courier"/>
+              </a:rPr>
+              <a:t> i  then</a:t>
+            </a:r>
+            <a:br/>
+            <a:r>
+              <a:rPr>
+                <a:latin typeface="Courier"/>
+              </a:rPr>
+              <a:t>    exchange A[i] with A[largest];</a:t>
+            </a:r>
+            <a:br/>
+            <a:r>
+              <a:rPr>
+                <a:latin typeface="Courier"/>
+              </a:rPr>
+              <a:t>    </a:t>
+            </a:r>
+            <a:r>
+              <a:rPr>
+                <a:solidFill>
+                  <a:srgbClr val="06287E"/>
+                </a:solidFill>
+                <a:latin typeface="Courier"/>
+              </a:rPr>
+              <a:t>HEAPIFY</a:t>
+            </a:r>
+            <a:r>
+              <a:rPr>
+                <a:latin typeface="Courier"/>
+              </a:rPr>
+              <a:t>(A, largest, n);</a:t>
+            </a:r>
+            <a:br/>
+            <a:r>
+              <a:rPr>
+                <a:latin typeface="Courier"/>
+              </a:rPr>
+              <a:t>  endif</a:t>
+            </a:r>
+          </a:p>
+        </p:txBody>
+      </p:sp>
+    </p:spTree>
+  </p:cSld>
+</p:sld>
+</file>
+
+<file path=ppt/slides/slide21.xml><?xml version="1.0" encoding="utf-8"?>
+<p:sld xmlns:a="http://schemas.openxmlformats.org/drawingml/2006/main" xmlns:r="http://schemas.openxmlformats.org/officeDocument/2006/relationships" xmlns:p="http://schemas.openxmlformats.org/presentationml/2006/main">
+  <p:cSld>
+    <p:spTree>
+      <p:nvGrpSpPr>
+        <p:cNvPr id="1" name=""/>
+        <p:cNvGrpSpPr/>
+        <p:nvPr/>
+      </p:nvGrpSpPr>
+      <p:grpSpPr>
+        <a:xfrm>
+          <a:off x="0" y="0"/>
+          <a:ext cx="0" cy="0"/>
+          <a:chOff x="0" y="0"/>
+          <a:chExt cx="0" cy="0"/>
+        </a:xfrm>
+      </p:grpSpPr>
+      <p:sp>
+        <p:nvSpPr>
+          <p:cNvPr id="2" name="Title 1"/>
+          <p:cNvSpPr>
+            <a:spLocks noGrp="1"/>
+          </p:cNvSpPr>
+          <p:nvPr>
+            <p:ph type="title"/>
+          </p:nvPr>
+        </p:nvSpPr>
+        <p:spPr/>
+        <p:txBody>
+          <a:bodyPr/>
+          <a:lstStyle/>
+          <a:p>
+            <a:pPr lvl="0" indent="0" marL="0">
+              <a:buNone/>
+            </a:pPr>
+            <a:r>
+              <a:rPr/>
+              <a:t>Heap Operations: HEAPIFY (3)</a:t>
+            </a:r>
+          </a:p>
+        </p:txBody>
+      </p:sp>
+      <p:pic>
+        <p:nvPicPr>
+          <p:cNvPr descr="fig:  assets/ce100-week-4-heap-heap_heapify_2.drawio.svg" id="0" name="Picture 1"/>
+          <p:cNvPicPr>
+            <a:picLocks noGrp="1" noChangeAspect="1"/>
+          </p:cNvPicPr>
+          <p:nvPr/>
+        </p:nvPicPr>
+        <p:blipFill>
+          <a:blip r:embed="rId2"/>
+          <a:stretch>
+            <a:fillRect/>
+          </a:stretch>
+        </p:blipFill>
+        <p:spPr bwMode="auto">
+          <a:xfrm>
+            <a:off x="584200" y="1600200"/>
+            <a:ext cx="7962900" cy="4013200"/>
+          </a:xfrm>
+          <a:prstGeom prst="rect">
+            <a:avLst/>
+          </a:prstGeom>
+          <a:noFill/>
+          <a:ln w="9525">
+            <a:noFill/>
+            <a:headEnd/>
+            <a:tailEnd/>
+          </a:ln>
+        </p:spPr>
+      </p:pic>
+      <p:sp>
+        <p:nvSpPr>
+          <p:cNvPr id="1" name="TextBox 3"/>
+          <p:cNvSpPr txBox="1"/>
+          <p:nvPr/>
+        </p:nvSpPr>
+        <p:spPr>
+          <a:xfrm>
+            <a:off x="457200" y="5613400"/>
+            <a:ext cx="8229600" cy="508000"/>
+          </a:xfrm>
+          <a:prstGeom prst="rect">
+            <a:avLst/>
+          </a:prstGeom>
+          <a:noFill/>
+        </p:spPr>
+        <p:txBody>
+          <a:bodyPr/>
+          <a:lstStyle/>
+          <a:p>
+            <a:pPr lvl="0" indent="0" marL="0" algn="ctr">
+              <a:buNone/>
+            </a:pPr>
+            <a:r>
+              <a:rPr/>
+              <a:t>alt:“alt” height:500px center</a:t>
+            </a:r>
+          </a:p>
+        </p:txBody>
+      </p:sp>
+    </p:spTree>
+  </p:cSld>
+</p:sld>
+</file>
+
+<file path=ppt/slides/slide22.xml><?xml version="1.0" encoding="utf-8"?>
+<p:sld xmlns:a="http://schemas.openxmlformats.org/drawingml/2006/main" xmlns:r="http://schemas.openxmlformats.org/officeDocument/2006/relationships" xmlns:p="http://schemas.openxmlformats.org/presentationml/2006/main">
+  <p:cSld>
+    <p:spTree>
+      <p:nvGrpSpPr>
+        <p:cNvPr id="1" name=""/>
+        <p:cNvGrpSpPr/>
+        <p:nvPr/>
+      </p:nvGrpSpPr>
+      <p:grpSpPr>
+        <a:xfrm>
+          <a:off x="0" y="0"/>
+          <a:ext cx="0" cy="0"/>
+          <a:chOff x="0" y="0"/>
+          <a:chExt cx="0" cy="0"/>
+        </a:xfrm>
+      </p:grpSpPr>
+      <p:sp>
+        <p:nvSpPr>
+          <p:cNvPr id="2" name="Title 1"/>
+          <p:cNvSpPr>
+            <a:spLocks noGrp="1"/>
+          </p:cNvSpPr>
+          <p:nvPr>
+            <p:ph type="title"/>
+          </p:nvPr>
+        </p:nvSpPr>
+        <p:spPr/>
+        <p:txBody>
+          <a:bodyPr/>
+          <a:lstStyle/>
+          <a:p>
+            <a:pPr lvl="0" indent="0" marL="0">
+              <a:buNone/>
+            </a:pPr>
+            <a:r>
+              <a:rPr/>
+              <a:t>Heap Operations: HEAPIFY (4)</a:t>
+            </a:r>
+          </a:p>
+        </p:txBody>
+      </p:sp>
+      <p:pic>
+        <p:nvPicPr>
+          <p:cNvPr descr="fig:  assets/ce100-week-4-heap-heap_heapify_3.drawio.svg" id="0" name="Picture 1"/>
+          <p:cNvPicPr>
+            <a:picLocks noGrp="1" noChangeAspect="1"/>
+          </p:cNvPicPr>
+          <p:nvPr/>
+        </p:nvPicPr>
+        <p:blipFill>
+          <a:blip r:embed="rId2"/>
+          <a:stretch>
+            <a:fillRect/>
+          </a:stretch>
+        </p:blipFill>
+        <p:spPr bwMode="auto">
+          <a:xfrm>
+            <a:off x="685800" y="1600200"/>
+            <a:ext cx="7772400" cy="4013200"/>
+          </a:xfrm>
+          <a:prstGeom prst="rect">
+            <a:avLst/>
+          </a:prstGeom>
+          <a:noFill/>
+          <a:ln w="9525">
+            <a:noFill/>
+            <a:headEnd/>
+            <a:tailEnd/>
+          </a:ln>
+        </p:spPr>
+      </p:pic>
+      <p:sp>
+        <p:nvSpPr>
+          <p:cNvPr id="1" name="TextBox 3"/>
+          <p:cNvSpPr txBox="1"/>
+          <p:nvPr/>
+        </p:nvSpPr>
+        <p:spPr>
+          <a:xfrm>
+            <a:off x="457200" y="5613400"/>
+            <a:ext cx="8229600" cy="508000"/>
+          </a:xfrm>
+          <a:prstGeom prst="rect">
+            <a:avLst/>
+          </a:prstGeom>
+          <a:noFill/>
+        </p:spPr>
+        <p:txBody>
+          <a:bodyPr/>
+          <a:lstStyle/>
+          <a:p>
+            <a:pPr lvl="0" indent="0" marL="0" algn="ctr">
+              <a:buNone/>
+            </a:pPr>
+            <a:r>
+              <a:rPr/>
+              <a:t>alt:“alt” height:500px center</a:t>
+            </a:r>
+          </a:p>
+        </p:txBody>
+      </p:sp>
+    </p:spTree>
+  </p:cSld>
+</p:sld>
+</file>
+
+<file path=ppt/slides/slide23.xml><?xml version="1.0" encoding="utf-8"?>
+<p:sld xmlns:a="http://schemas.openxmlformats.org/drawingml/2006/main" xmlns:r="http://schemas.openxmlformats.org/officeDocument/2006/relationships" xmlns:p="http://schemas.openxmlformats.org/presentationml/2006/main">
+  <p:cSld>
+    <p:spTree>
+      <p:nvGrpSpPr>
+        <p:cNvPr id="1" name=""/>
+        <p:cNvGrpSpPr/>
+        <p:nvPr/>
+      </p:nvGrpSpPr>
+      <p:grpSpPr>
+        <a:xfrm>
+          <a:off x="0" y="0"/>
+          <a:ext cx="0" cy="0"/>
+          <a:chOff x="0" y="0"/>
+          <a:chExt cx="0" cy="0"/>
+        </a:xfrm>
+      </p:grpSpPr>
+      <p:sp>
+        <p:nvSpPr>
+          <p:cNvPr id="2" name="Title 1"/>
+          <p:cNvSpPr>
+            <a:spLocks noGrp="1"/>
+          </p:cNvSpPr>
+          <p:nvPr>
+            <p:ph type="title"/>
+          </p:nvPr>
+        </p:nvSpPr>
+        <p:spPr/>
+        <p:txBody>
+          <a:bodyPr/>
+          <a:lstStyle/>
+          <a:p>
+            <a:pPr lvl="0" indent="0" marL="0">
+              <a:buNone/>
+            </a:pPr>
+            <a:r>
+              <a:rPr/>
+              <a:t>Heap Operations: HEAPIFY (5)</a:t>
+            </a:r>
+          </a:p>
+        </p:txBody>
+      </p:sp>
+      <p:pic>
+        <p:nvPicPr>
+          <p:cNvPr descr="fig:  assets/ce100-week-4-heap-heap_heapify_4.drawio.svg" id="0" name="Picture 1"/>
+          <p:cNvPicPr>
+            <a:picLocks noGrp="1" noChangeAspect="1"/>
+          </p:cNvPicPr>
+          <p:nvPr/>
+        </p:nvPicPr>
+        <p:blipFill>
+          <a:blip r:embed="rId2"/>
+          <a:stretch>
+            <a:fillRect/>
+          </a:stretch>
+        </p:blipFill>
+        <p:spPr bwMode="auto">
+          <a:xfrm>
+            <a:off x="533400" y="1600200"/>
+            <a:ext cx="8077200" cy="4013200"/>
+          </a:xfrm>
+          <a:prstGeom prst="rect">
+            <a:avLst/>
+          </a:prstGeom>
+          <a:noFill/>
+          <a:ln w="9525">
+            <a:noFill/>
+            <a:headEnd/>
+            <a:tailEnd/>
+          </a:ln>
+        </p:spPr>
+      </p:pic>
+      <p:sp>
+        <p:nvSpPr>
+          <p:cNvPr id="1" name="TextBox 3"/>
+          <p:cNvSpPr txBox="1"/>
+          <p:nvPr/>
+        </p:nvSpPr>
+        <p:spPr>
+          <a:xfrm>
+            <a:off x="457200" y="5613400"/>
+            <a:ext cx="8229600" cy="508000"/>
+          </a:xfrm>
+          <a:prstGeom prst="rect">
+            <a:avLst/>
+          </a:prstGeom>
+          <a:noFill/>
+        </p:spPr>
+        <p:txBody>
+          <a:bodyPr/>
+          <a:lstStyle/>
+          <a:p>
+            <a:pPr lvl="0" indent="0" marL="0" algn="ctr">
+              <a:buNone/>
+            </a:pPr>
+            <a:r>
+              <a:rPr/>
+              <a:t>alt:“alt” height:500px center</a:t>
+            </a:r>
+          </a:p>
+        </p:txBody>
+      </p:sp>
+    </p:spTree>
+  </p:cSld>
+</p:sld>
+</file>
+
+<file path=ppt/slides/slide24.xml><?xml version="1.0" encoding="utf-8"?>
+<p:sld xmlns:a="http://schemas.openxmlformats.org/drawingml/2006/main" xmlns:r="http://schemas.openxmlformats.org/officeDocument/2006/relationships" xmlns:p="http://schemas.openxmlformats.org/presentationml/2006/main">
+  <p:cSld>
+    <p:spTree>
+      <p:nvGrpSpPr>
+        <p:cNvPr id="1" name=""/>
+        <p:cNvGrpSpPr/>
+        <p:nvPr/>
+      </p:nvGrpSpPr>
+      <p:grpSpPr>
+        <a:xfrm>
+          <a:off x="0" y="0"/>
+          <a:ext cx="0" cy="0"/>
+          <a:chOff x="0" y="0"/>
+          <a:chExt cx="0" cy="0"/>
+        </a:xfrm>
+      </p:grpSpPr>
+      <p:sp>
+        <p:nvSpPr>
+          <p:cNvPr id="2" name="Title 1"/>
+          <p:cNvSpPr>
+            <a:spLocks noGrp="1"/>
+          </p:cNvSpPr>
+          <p:nvPr>
+            <p:ph type="title"/>
+          </p:nvPr>
+        </p:nvSpPr>
+        <p:spPr/>
+        <p:txBody>
+          <a:bodyPr/>
+          <a:lstStyle/>
+          <a:p>
+            <a:pPr lvl="0" indent="0" marL="0">
+              <a:buNone/>
+            </a:pPr>
+            <a:r>
+              <a:rPr/>
+              <a:t>Heap Operations: HEAPIFY (6)</a:t>
+            </a:r>
+          </a:p>
+        </p:txBody>
+      </p:sp>
+      <p:pic>
+        <p:nvPicPr>
+          <p:cNvPr descr="fig:  assets/ce100-week-4-heap-heap_heapify_5.drawio.svg" id="0" name="Picture 1"/>
+          <p:cNvPicPr>
+            <a:picLocks noGrp="1" noChangeAspect="1"/>
+          </p:cNvPicPr>
+          <p:nvPr/>
+        </p:nvPicPr>
+        <p:blipFill>
+          <a:blip r:embed="rId2"/>
+          <a:stretch>
+            <a:fillRect/>
+          </a:stretch>
+        </p:blipFill>
+        <p:spPr bwMode="auto">
+          <a:xfrm>
+            <a:off x="622300" y="1600200"/>
+            <a:ext cx="7899400" cy="4013200"/>
+          </a:xfrm>
+          <a:prstGeom prst="rect">
+            <a:avLst/>
+          </a:prstGeom>
+          <a:noFill/>
+          <a:ln w="9525">
+            <a:noFill/>
+            <a:headEnd/>
+            <a:tailEnd/>
+          </a:ln>
+        </p:spPr>
+      </p:pic>
+      <p:sp>
+        <p:nvSpPr>
+          <p:cNvPr id="1" name="TextBox 3"/>
+          <p:cNvSpPr txBox="1"/>
+          <p:nvPr/>
+        </p:nvSpPr>
+        <p:spPr>
+          <a:xfrm>
+            <a:off x="457200" y="5613400"/>
+            <a:ext cx="8229600" cy="508000"/>
+          </a:xfrm>
+          <a:prstGeom prst="rect">
+            <a:avLst/>
+          </a:prstGeom>
+          <a:noFill/>
+        </p:spPr>
+        <p:txBody>
+          <a:bodyPr/>
+          <a:lstStyle/>
+          <a:p>
+            <a:pPr lvl="0" indent="0" marL="0" algn="ctr">
+              <a:buNone/>
+            </a:pPr>
+            <a:r>
+              <a:rPr/>
+              <a:t>alt:“alt” height:500px center</a:t>
+            </a:r>
+          </a:p>
+        </p:txBody>
+      </p:sp>
+    </p:spTree>
+  </p:cSld>
+</p:sld>
+</file>
+
+<file path=ppt/slides/slide25.xml><?xml version="1.0" encoding="utf-8"?>
+<p:sld xmlns:a="http://schemas.openxmlformats.org/drawingml/2006/main" xmlns:r="http://schemas.openxmlformats.org/officeDocument/2006/relationships" xmlns:p="http://schemas.openxmlformats.org/presentationml/2006/main">
+  <p:cSld>
+    <p:spTree>
+      <p:nvGrpSpPr>
+        <p:cNvPr id="1" name=""/>
+        <p:cNvGrpSpPr/>
+        <p:nvPr/>
+      </p:nvGrpSpPr>
+      <p:grpSpPr>
+        <a:xfrm>
+          <a:off x="0" y="0"/>
+          <a:ext cx="0" cy="0"/>
+          <a:chOff x="0" y="0"/>
+          <a:chExt cx="0" cy="0"/>
+        </a:xfrm>
+      </p:grpSpPr>
+      <p:sp>
+        <p:nvSpPr>
+          <p:cNvPr id="2" name="Title 1"/>
+          <p:cNvSpPr>
+            <a:spLocks noGrp="1"/>
+          </p:cNvSpPr>
+          <p:nvPr>
+            <p:ph type="title"/>
+          </p:nvPr>
+        </p:nvSpPr>
+        <p:spPr/>
+        <p:txBody>
+          <a:bodyPr/>
+          <a:lstStyle/>
+          <a:p>
+            <a:pPr lvl="0" indent="0" marL="0">
+              <a:buNone/>
+            </a:pPr>
+            <a:r>
+              <a:rPr/>
+              <a:t>Heap Operations: HEAPIFY (7)</a:t>
+            </a:r>
+          </a:p>
+        </p:txBody>
+      </p:sp>
+      <p:pic>
+        <p:nvPicPr>
+          <p:cNvPr descr="fig:  assets/ce100-week-4-heap-heap_heapify_6.drawio.svg" id="0" name="Picture 1"/>
+          <p:cNvPicPr>
+            <a:picLocks noGrp="1" noChangeAspect="1"/>
+          </p:cNvPicPr>
+          <p:nvPr/>
+        </p:nvPicPr>
+        <p:blipFill>
+          <a:blip r:embed="rId2"/>
+          <a:stretch>
+            <a:fillRect/>
+          </a:stretch>
+        </p:blipFill>
+        <p:spPr bwMode="auto">
+          <a:xfrm>
+            <a:off x="457200" y="1727200"/>
+            <a:ext cx="8229600" cy="3759200"/>
+          </a:xfrm>
+          <a:prstGeom prst="rect">
+            <a:avLst/>
+          </a:prstGeom>
+          <a:noFill/>
+          <a:ln w="9525">
+            <a:noFill/>
+            <a:headEnd/>
+            <a:tailEnd/>
+          </a:ln>
+        </p:spPr>
+      </p:pic>
+      <p:sp>
+        <p:nvSpPr>
+          <p:cNvPr id="1" name="TextBox 3"/>
+          <p:cNvSpPr txBox="1"/>
+          <p:nvPr/>
+        </p:nvSpPr>
+        <p:spPr>
+          <a:xfrm>
+            <a:off x="457200" y="5613400"/>
+            <a:ext cx="8229600" cy="508000"/>
+          </a:xfrm>
+          <a:prstGeom prst="rect">
+            <a:avLst/>
+          </a:prstGeom>
+          <a:noFill/>
+        </p:spPr>
+        <p:txBody>
+          <a:bodyPr/>
+          <a:lstStyle/>
+          <a:p>
+            <a:pPr lvl="0" indent="0" marL="0" algn="ctr">
+              <a:buNone/>
+            </a:pPr>
+            <a:r>
+              <a:rPr/>
+              <a:t>alt:“alt” height:500px center</a:t>
+            </a:r>
+          </a:p>
+        </p:txBody>
+      </p:sp>
+    </p:spTree>
+  </p:cSld>
+</p:sld>
+</file>
+
+<file path=ppt/slides/slide26.xml><?xml version="1.0" encoding="utf-8"?>
+<p:sld xmlns:a="http://schemas.openxmlformats.org/drawingml/2006/main" xmlns:r="http://schemas.openxmlformats.org/officeDocument/2006/relationships" xmlns:p="http://schemas.openxmlformats.org/presentationml/2006/main">
+  <p:cSld>
+    <p:spTree>
+      <p:nvGrpSpPr>
+        <p:cNvPr id="1" name=""/>
+        <p:cNvGrpSpPr/>
+        <p:nvPr/>
+      </p:nvGrpSpPr>
+      <p:grpSpPr>
+        <a:xfrm>
+          <a:off x="0" y="0"/>
+          <a:ext cx="0" cy="0"/>
+          <a:chOff x="0" y="0"/>
+          <a:chExt cx="0" cy="0"/>
+        </a:xfrm>
+      </p:grpSpPr>
+      <p:sp>
+        <p:nvSpPr>
+          <p:cNvPr id="2" name="Title 1"/>
+          <p:cNvSpPr>
+            <a:spLocks noGrp="1"/>
+          </p:cNvSpPr>
+          <p:nvPr>
+            <p:ph type="title"/>
+          </p:nvPr>
+        </p:nvSpPr>
+        <p:spPr/>
+        <p:txBody>
+          <a:bodyPr/>
+          <a:lstStyle/>
+          <a:p>
+            <a:pPr lvl="0" indent="0" marL="0">
+              <a:buNone/>
+            </a:pPr>
+            <a:r>
+              <a:rPr/>
+              <a:t>Heap Operations: HEAPIFY (8)</a:t>
+            </a:r>
+          </a:p>
+        </p:txBody>
+      </p:sp>
+      <p:pic>
+        <p:nvPicPr>
+          <p:cNvPr descr="fig:  assets/ce100-week-4-heap-heap_heapify_7.drawio.svg" id="0" name="Picture 1"/>
+          <p:cNvPicPr>
+            <a:picLocks noGrp="1" noChangeAspect="1"/>
+          </p:cNvPicPr>
+          <p:nvPr/>
+        </p:nvPicPr>
+        <p:blipFill>
+          <a:blip r:embed="rId2"/>
+          <a:stretch>
+            <a:fillRect/>
+          </a:stretch>
+        </p:blipFill>
+        <p:spPr bwMode="auto">
+          <a:xfrm>
+            <a:off x="457200" y="1968500"/>
+            <a:ext cx="8229600" cy="3289300"/>
+          </a:xfrm>
+          <a:prstGeom prst="rect">
+            <a:avLst/>
+          </a:prstGeom>
+          <a:noFill/>
+          <a:ln w="9525">
+            <a:noFill/>
+            <a:headEnd/>
+            <a:tailEnd/>
+          </a:ln>
+        </p:spPr>
+      </p:pic>
+      <p:sp>
+        <p:nvSpPr>
+          <p:cNvPr id="1" name="TextBox 3"/>
+          <p:cNvSpPr txBox="1"/>
+          <p:nvPr/>
+        </p:nvSpPr>
+        <p:spPr>
+          <a:xfrm>
+            <a:off x="457200" y="5613400"/>
+            <a:ext cx="8229600" cy="508000"/>
+          </a:xfrm>
+          <a:prstGeom prst="rect">
+            <a:avLst/>
+          </a:prstGeom>
+          <a:noFill/>
+        </p:spPr>
+        <p:txBody>
+          <a:bodyPr/>
+          <a:lstStyle/>
+          <a:p>
+            <a:pPr lvl="0" indent="0" marL="0" algn="ctr">
+              <a:buNone/>
+            </a:pPr>
+            <a:r>
+              <a:rPr/>
+              <a:t>alt:“alt” height:500px center</a:t>
+            </a:r>
+          </a:p>
+        </p:txBody>
+      </p:sp>
+    </p:spTree>
+  </p:cSld>
+</p:sld>
+</file>
+
+<file path=ppt/slides/slide27.xml><?xml version="1.0" encoding="utf-8"?>
+<p:sld xmlns:a="http://schemas.openxmlformats.org/drawingml/2006/main" xmlns:r="http://schemas.openxmlformats.org/officeDocument/2006/relationships" xmlns:p="http://schemas.openxmlformats.org/presentationml/2006/main">
+  <p:cSld>
+    <p:spTree>
+      <p:nvGrpSpPr>
+        <p:cNvPr id="1" name=""/>
+        <p:cNvGrpSpPr/>
+        <p:nvPr/>
+      </p:nvGrpSpPr>
+      <p:grpSpPr>
+        <a:xfrm>
+          <a:off x="0" y="0"/>
+          <a:ext cx="0" cy="0"/>
+          <a:chOff x="0" y="0"/>
+          <a:chExt cx="0" cy="0"/>
+        </a:xfrm>
+      </p:grpSpPr>
+      <p:sp>
+        <p:nvSpPr>
+          <p:cNvPr id="2" name="Title 1"/>
+          <p:cNvSpPr>
+            <a:spLocks noGrp="1"/>
+          </p:cNvSpPr>
+          <p:nvPr>
+            <p:ph type="title"/>
+          </p:nvPr>
+        </p:nvSpPr>
+        <p:spPr/>
+        <p:txBody>
+          <a:bodyPr/>
+          <a:lstStyle/>
+          <a:p>
+            <a:pPr lvl="0" indent="0" marL="0">
+              <a:buNone/>
+            </a:pPr>
+            <a:r>
+              <a:rPr/>
+              <a:t>Intuitive Analysis of HEAPIFY</a:t>
+            </a:r>
+          </a:p>
+        </p:txBody>
+      </p:sp>
+      <mc:AlternateContent xmlns:mc="http://schemas.openxmlformats.org/markup-compatibility/2006">
+        <mc:Choice xmlns:a14="http://schemas.microsoft.com/office/drawing/2010/main" Requires="a14">
+          <p:sp>
+            <p:nvSpPr>
+              <p:cNvPr id="3" name="Content Placeholder 2"/>
+              <p:cNvSpPr>
+                <a:spLocks noGrp="1"/>
+              </p:cNvSpPr>
+              <p:nvPr>
+                <p:ph idx="1"/>
+              </p:nvPr>
+            </p:nvSpPr>
+            <p:spPr/>
+            <p:txBody>
+              <a:bodyPr/>
+              <a:lstStyle/>
+              <a:p>
+                <a:pPr lvl="0"/>
+                <a:r>
+                  <a:rPr/>
+                  <a:t>Consider </a:t>
+                </a:r>
+                <a14:m>
+                  <m:oMath xmlns:m="http://schemas.openxmlformats.org/officeDocument/2006/math">
+                    <m:r>
+                      <m:t>H</m:t>
+                    </m:r>
+                    <m:r>
+                      <m:t>E</m:t>
+                    </m:r>
+                    <m:r>
+                      <m:t>A</m:t>
+                    </m:r>
+                    <m:r>
+                      <m:t>P</m:t>
+                    </m:r>
+                    <m:r>
+                      <m:t>I</m:t>
+                    </m:r>
+                    <m:r>
+                      <m:t>F</m:t>
+                    </m:r>
+                    <m:r>
+                      <m:t>Y</m:t>
+                    </m:r>
+                    <m:d>
+                      <m:dPr>
+                        <m:begChr m:val="("/>
+                        <m:endChr m:val=")"/>
+                        <m:sepChr m:val=""/>
+                        <m:grow/>
+                      </m:dPr>
+                      <m:e>
+                        <m:r>
+                          <m:t>A</m:t>
+                        </m:r>
+                        <m:r>
+                          <m:rPr>
+                            <m:sty m:val="p"/>
+                          </m:rPr>
+                          <m:t>,</m:t>
+                        </m:r>
+                        <m:r>
+                          <m:t>i</m:t>
+                        </m:r>
+                        <m:r>
+                          <m:rPr>
+                            <m:sty m:val="p"/>
+                          </m:rPr>
+                          <m:t>,</m:t>
+                        </m:r>
+                        <m:r>
+                          <m:t>n</m:t>
+                        </m:r>
+                      </m:e>
+                    </m:d>
+                  </m:oMath>
+                </a14:m>
+              </a:p>
+              <a:p>
+                <a:pPr lvl="1"/>
+                <a:r>
+                  <a:rPr/>
+                  <a:t>let </a:t>
+                </a:r>
+                <a14:m>
+                  <m:oMath xmlns:m="http://schemas.openxmlformats.org/officeDocument/2006/math">
+                    <m:r>
+                      <m:t>h</m:t>
+                    </m:r>
+                    <m:d>
+                      <m:dPr>
+                        <m:begChr m:val="("/>
+                        <m:endChr m:val=")"/>
+                        <m:sepChr m:val=""/>
+                        <m:grow/>
+                      </m:dPr>
+                      <m:e>
+                        <m:r>
+                          <m:t>i</m:t>
+                        </m:r>
+                      </m:e>
+                    </m:d>
+                  </m:oMath>
+                </a14:m>
+                <a:r>
+                  <a:rPr/>
+                  <a:t> be the height of node </a:t>
+                </a:r>
+                <a14:m>
+                  <m:oMath xmlns:m="http://schemas.openxmlformats.org/officeDocument/2006/math">
+                    <m:r>
+                      <m:t>i</m:t>
+                    </m:r>
+                  </m:oMath>
+                </a14:m>
+              </a:p>
+              <a:p>
+                <a:pPr lvl="1"/>
+                <a:r>
+                  <a:rPr/>
+                  <a:t>at most </a:t>
+                </a:r>
+                <a14:m>
+                  <m:oMath xmlns:m="http://schemas.openxmlformats.org/officeDocument/2006/math">
+                    <m:r>
+                      <m:t>h</m:t>
+                    </m:r>
+                    <m:d>
+                      <m:dPr>
+                        <m:begChr m:val="("/>
+                        <m:endChr m:val=")"/>
+                        <m:sepChr m:val=""/>
+                        <m:grow/>
+                      </m:dPr>
+                      <m:e>
+                        <m:r>
+                          <m:t>i</m:t>
+                        </m:r>
+                      </m:e>
+                    </m:d>
+                  </m:oMath>
+                </a14:m>
+                <a:r>
+                  <a:rPr/>
+                  <a:t> recursion levels</a:t>
+                </a:r>
+              </a:p>
+              <a:p>
+                <a:pPr lvl="2"/>
+                <a:r>
+                  <a:rPr/>
+                  <a:t>Constant work at each level: </a:t>
+                </a:r>
+                <a14:m>
+                  <m:oMath xmlns:m="http://schemas.openxmlformats.org/officeDocument/2006/math">
+                    <m:r>
+                      <m:t>Θ</m:t>
+                    </m:r>
+                    <m:d>
+                      <m:dPr>
+                        <m:begChr m:val="("/>
+                        <m:endChr m:val=")"/>
+                        <m:sepChr m:val=""/>
+                        <m:grow/>
+                      </m:dPr>
+                      <m:e>
+                        <m:r>
+                          <m:t>1</m:t>
+                        </m:r>
+                      </m:e>
+                    </m:d>
+                  </m:oMath>
+                </a14:m>
+              </a:p>
+              <a:p>
+                <a:pPr lvl="1"/>
+                <a:r>
+                  <a:rPr/>
+                  <a:t>Therefore </a:t>
+                </a:r>
+                <a14:m>
+                  <m:oMath xmlns:m="http://schemas.openxmlformats.org/officeDocument/2006/math">
+                    <m:r>
+                      <m:t>T</m:t>
+                    </m:r>
+                    <m:d>
+                      <m:dPr>
+                        <m:begChr m:val="("/>
+                        <m:endChr m:val=")"/>
+                        <m:sepChr m:val=""/>
+                        <m:grow/>
+                      </m:dPr>
+                      <m:e>
+                        <m:r>
+                          <m:t>i</m:t>
+                        </m:r>
+                      </m:e>
+                    </m:d>
+                    <m:r>
+                      <m:rPr>
+                        <m:sty m:val="p"/>
+                      </m:rPr>
+                      <m:t>=</m:t>
+                    </m:r>
+                    <m:r>
+                      <m:t>O</m:t>
+                    </m:r>
+                    <m:d>
+                      <m:dPr>
+                        <m:begChr m:val="("/>
+                        <m:endChr m:val=")"/>
+                        <m:sepChr m:val=""/>
+                        <m:grow/>
+                      </m:dPr>
+                      <m:e>
+                        <m:r>
+                          <m:t>h</m:t>
+                        </m:r>
+                        <m:d>
+                          <m:dPr>
+                            <m:begChr m:val="("/>
+                            <m:endChr m:val=")"/>
+                            <m:sepChr m:val=""/>
+                            <m:grow/>
+                          </m:dPr>
+                          <m:e>
+                            <m:r>
+                              <m:t>i</m:t>
+                            </m:r>
+                          </m:e>
+                        </m:d>
+                      </m:e>
+                    </m:d>
+                  </m:oMath>
+                </a14:m>
+              </a:p>
+              <a:p>
+                <a:pPr lvl="0"/>
+                <a:r>
+                  <a:rPr/>
+                  <a:t>Heap is almost-complete binary tree</a:t>
+                </a:r>
+              </a:p>
+              <a:p>
+                <a:pPr lvl="1"/>
+                <a14:m>
+                  <m:oMath xmlns:m="http://schemas.openxmlformats.org/officeDocument/2006/math">
+                    <m:r>
+                      <m:t>h</m:t>
+                    </m:r>
+                    <m:d>
+                      <m:dPr>
+                        <m:begChr m:val="("/>
+                        <m:endChr m:val=")"/>
+                        <m:sepChr m:val=""/>
+                        <m:grow/>
+                      </m:dPr>
+                      <m:e>
+                        <m:r>
+                          <m:t>n</m:t>
+                        </m:r>
+                      </m:e>
+                    </m:d>
+                    <m:r>
+                      <m:rPr>
+                        <m:sty m:val="p"/>
+                      </m:rPr>
+                      <m:t>=</m:t>
+                    </m:r>
+                    <m:r>
+                      <m:t>O</m:t>
+                    </m:r>
+                    <m:d>
+                      <m:dPr>
+                        <m:begChr m:val="("/>
+                        <m:endChr m:val=")"/>
+                        <m:sepChr m:val=""/>
+                        <m:grow/>
+                      </m:dPr>
+                      <m:e>
+                        <m:r>
+                          <m:t>l</m:t>
+                        </m:r>
+                        <m:r>
+                          <m:t>g</m:t>
+                        </m:r>
+                        <m:r>
+                          <m:t>n</m:t>
+                        </m:r>
+                      </m:e>
+                    </m:d>
+                  </m:oMath>
+                </a14:m>
+              </a:p>
+              <a:p>
+                <a:pPr lvl="0"/>
+                <a:r>
+                  <a:rPr/>
+                  <a:t>Thus </a:t>
+                </a:r>
+                <a14:m>
+                  <m:oMath xmlns:m="http://schemas.openxmlformats.org/officeDocument/2006/math">
+                    <m:r>
+                      <m:t>T</m:t>
+                    </m:r>
+                    <m:d>
+                      <m:dPr>
+                        <m:begChr m:val="("/>
+                        <m:endChr m:val=")"/>
+                        <m:sepChr m:val=""/>
+                        <m:grow/>
+                      </m:dPr>
+                      <m:e>
+                        <m:r>
+                          <m:t>n</m:t>
+                        </m:r>
+                      </m:e>
+                    </m:d>
+                    <m:r>
+                      <m:rPr>
+                        <m:sty m:val="p"/>
+                      </m:rPr>
+                      <m:t>=</m:t>
+                    </m:r>
+                    <m:r>
+                      <m:t>O</m:t>
+                    </m:r>
+                    <m:d>
+                      <m:dPr>
+                        <m:begChr m:val="("/>
+                        <m:endChr m:val=")"/>
+                        <m:sepChr m:val=""/>
+                        <m:grow/>
+                      </m:dPr>
+                      <m:e>
+                        <m:r>
+                          <m:t>l</m:t>
+                        </m:r>
+                        <m:r>
+                          <m:t>g</m:t>
+                        </m:r>
+                        <m:r>
+                          <m:t>n</m:t>
+                        </m:r>
+                      </m:e>
+                    </m:d>
+                  </m:oMath>
+                </a14:m>
+              </a:p>
+            </p:txBody>
+          </p:sp>
+        </mc:Choice>
+      </mc:AlternateContent>
+    </p:spTree>
+  </p:cSld>
+</p:sld>
+</file>
+
+<file path=ppt/slides/slide28.xml><?xml version="1.0" encoding="utf-8"?>
+<p:sld xmlns:a="http://schemas.openxmlformats.org/drawingml/2006/main" xmlns:r="http://schemas.openxmlformats.org/officeDocument/2006/relationships" xmlns:p="http://schemas.openxmlformats.org/presentationml/2006/main">
+  <p:cSld>
+    <p:spTree>
+      <p:nvGrpSpPr>
+        <p:cNvPr id="1" name=""/>
+        <p:cNvGrpSpPr/>
+        <p:nvPr/>
+      </p:nvGrpSpPr>
+      <p:grpSpPr>
+        <a:xfrm>
+          <a:off x="0" y="0"/>
+          <a:ext cx="0" cy="0"/>
+          <a:chOff x="0" y="0"/>
+          <a:chExt cx="0" cy="0"/>
+        </a:xfrm>
+      </p:grpSpPr>
+      <p:sp>
+        <p:nvSpPr>
+          <p:cNvPr id="2" name="Title 1"/>
+          <p:cNvSpPr>
+            <a:spLocks noGrp="1"/>
+          </p:cNvSpPr>
+          <p:nvPr>
+            <p:ph type="title"/>
+          </p:nvPr>
+        </p:nvSpPr>
+        <p:spPr/>
+        <p:txBody>
+          <a:bodyPr/>
+          <a:lstStyle/>
+          <a:p>
+            <a:pPr lvl="0" indent="0" marL="0">
+              <a:buNone/>
+            </a:pPr>
+            <a:r>
+              <a:rPr/>
+              <a:t>Formal Analysis of HEAPIFY</a:t>
+            </a:r>
+          </a:p>
+        </p:txBody>
+      </p:sp>
+      <p:sp>
+        <p:nvSpPr>
+          <p:cNvPr id="3" name="Content Placeholder 2"/>
+          <p:cNvSpPr>
+            <a:spLocks noGrp="1"/>
+          </p:cNvSpPr>
+          <p:nvPr>
+            <p:ph idx="1"/>
+          </p:nvPr>
+        </p:nvSpPr>
+        <p:spPr/>
+        <p:txBody>
+          <a:bodyPr/>
+          <a:lstStyle/>
+          <a:p>
+            <a:pPr lvl="0"/>
+            <a:r>
+              <a:rPr b="1"/>
+              <a:t>What is the recurrence?</a:t>
+            </a:r>
+          </a:p>
+          <a:p>
+            <a:pPr lvl="1"/>
+            <a:r>
+              <a:rPr/>
+              <a:t>Depends on the size of the </a:t>
+            </a:r>
+            <a:r>
+              <a:rPr b="1"/>
+              <a:t>subtree</a:t>
+            </a:r>
+            <a:r>
+              <a:rPr/>
+              <a:t> on which recursive call is made</a:t>
+            </a:r>
+          </a:p>
+          <a:p>
+            <a:pPr lvl="2"/>
+            <a:r>
+              <a:rPr/>
+              <a:t>In the next, we try to compute an </a:t>
+            </a:r>
+            <a:r>
+              <a:rPr b="1"/>
+              <a:t>upper bound</a:t>
+            </a:r>
+            <a:r>
+              <a:rPr/>
+              <a:t> for this </a:t>
+            </a:r>
+            <a:r>
+              <a:rPr b="1"/>
+              <a:t>subtree</a:t>
+            </a:r>
+            <a:r>
+              <a:rPr/>
+              <a:t>.</a:t>
+            </a:r>
+          </a:p>
+        </p:txBody>
+      </p:sp>
+    </p:spTree>
+  </p:cSld>
+</p:sld>
+</file>
+
+<file path=ppt/slides/slide29.xml><?xml version="1.0" encoding="utf-8"?>
+<p:sld xmlns:a="http://schemas.openxmlformats.org/drawingml/2006/main" xmlns:r="http://schemas.openxmlformats.org/officeDocument/2006/relationships" xmlns:p="http://schemas.openxmlformats.org/presentationml/2006/main">
+  <p:cSld>
+    <p:spTree>
+      <p:nvGrpSpPr>
+        <p:cNvPr id="1" name=""/>
+        <p:cNvGrpSpPr/>
+        <p:nvPr/>
+      </p:nvGrpSpPr>
+      <p:grpSpPr>
+        <a:xfrm>
+          <a:off x="0" y="0"/>
+          <a:ext cx="0" cy="0"/>
+          <a:chOff x="0" y="0"/>
+          <a:chExt cx="0" cy="0"/>
+        </a:xfrm>
+      </p:grpSpPr>
+      <p:sp>
+        <p:nvSpPr>
+          <p:cNvPr id="2" name="Title 1"/>
+          <p:cNvSpPr>
+            <a:spLocks noGrp="1"/>
+          </p:cNvSpPr>
+          <p:nvPr>
+            <p:ph type="title"/>
+          </p:nvPr>
+        </p:nvSpPr>
+        <p:spPr>
+          <a:xfrm>
+            <a:off x="457200" y="273050"/>
+            <a:ext cx="3008313" cy="1162050"/>
+          </a:xfrm>
+        </p:spPr>
+        <p:txBody>
+          <a:bodyPr/>
+          <a:lstStyle/>
+          <a:p>
+            <a:pPr lvl="0" indent="0" marL="0">
+              <a:buNone/>
+            </a:pPr>
+            <a:r>
+              <a:rPr/>
+              <a:t>Reminder: Binary trees</a:t>
+            </a:r>
+          </a:p>
+        </p:txBody>
+      </p:sp>
+      <mc:AlternateContent xmlns:mc="http://schemas.openxmlformats.org/markup-compatibility/2006">
+        <mc:Choice xmlns:a14="http://schemas.microsoft.com/office/drawing/2010/main" Requires="a14">
+          <p:sp>
+            <p:nvSpPr>
+              <p:cNvPr id="4" name="Text Placeholder 3"/>
+              <p:cNvSpPr>
+                <a:spLocks noGrp="1"/>
+              </p:cNvSpPr>
+              <p:nvPr>
+                <p:ph idx="2" sz="half" type="body"/>
+              </p:nvPr>
+            </p:nvSpPr>
+            <p:spPr/>
+            <p:txBody>
+              <a:bodyPr/>
+              <a:lstStyle/>
+              <a:p>
+                <a:pPr lvl="0"/>
+                <a:r>
+                  <a:rPr/>
+                  <a:t>For a complete binary tree:</a:t>
+                </a:r>
+              </a:p>
+              <a:p>
+                <a:pPr lvl="1"/>
+                <a14:m>
+                  <m:oMath xmlns:m="http://schemas.openxmlformats.org/officeDocument/2006/math">
+                    <m:r>
+                      <m:rPr>
+                        <m:sty m:val="p"/>
+                      </m:rPr>
+                      <m:t>#</m:t>
+                    </m:r>
+                  </m:oMath>
+                </a14:m>
+                <a:r>
+                  <a:rPr/>
+                  <a:t> of nodes at depth </a:t>
+                </a:r>
+                <a14:m>
+                  <m:oMath xmlns:m="http://schemas.openxmlformats.org/officeDocument/2006/math">
+                    <m:r>
+                      <m:t>d</m:t>
+                    </m:r>
+                  </m:oMath>
+                </a14:m>
+                <a:r>
+                  <a:rPr/>
+                  <a:t>: </a:t>
+                </a:r>
+                <a14:m>
+                  <m:oMath xmlns:m="http://schemas.openxmlformats.org/officeDocument/2006/math">
+                    <m:sSup>
+                      <m:e>
+                        <m:r>
+                          <m:t>2</m:t>
+                        </m:r>
+                      </m:e>
+                      <m:sup>
+                        <m:r>
+                          <m:t>d</m:t>
+                        </m:r>
+                      </m:sup>
+                    </m:sSup>
+                  </m:oMath>
+                </a14:m>
+              </a:p>
+              <a:p>
+                <a:pPr lvl="1"/>
+                <a14:m>
+                  <m:oMath xmlns:m="http://schemas.openxmlformats.org/officeDocument/2006/math">
+                    <m:r>
+                      <m:rPr>
+                        <m:sty m:val="p"/>
+                      </m:rPr>
+                      <m:t>#</m:t>
+                    </m:r>
+                  </m:oMath>
+                </a14:m>
+                <a:r>
+                  <a:rPr/>
+                  <a:t> of nodes with depths less than </a:t>
+                </a:r>
+                <a14:m>
+                  <m:oMath xmlns:m="http://schemas.openxmlformats.org/officeDocument/2006/math">
+                    <m:r>
+                      <m:t>d</m:t>
+                    </m:r>
+                  </m:oMath>
+                </a14:m>
+                <a:r>
+                  <a:rPr/>
+                  <a:t>: </a:t>
+                </a:r>
+                <a14:m>
+                  <m:oMath xmlns:m="http://schemas.openxmlformats.org/officeDocument/2006/math">
+                    <m:sSup>
+                      <m:e>
+                        <m:r>
+                          <m:t>2</m:t>
+                        </m:r>
+                      </m:e>
+                      <m:sup>
+                        <m:r>
+                          <m:t>d</m:t>
+                        </m:r>
+                      </m:sup>
+                    </m:sSup>
+                    <m:r>
+                      <m:rPr>
+                        <m:sty m:val="p"/>
+                      </m:rPr>
+                      <m:t>−</m:t>
+                    </m:r>
+                    <m:r>
+                      <m:t>1</m:t>
+                    </m:r>
+                  </m:oMath>
+                </a14:m>
+              </a:p>
+            </p:txBody>
+          </p:sp>
+        </mc:Choice>
+      </mc:AlternateContent>
+      <p:pic>
+        <p:nvPicPr>
+          <p:cNvPr descr="fig:  assets/ce100-week-4-heap-heap_binary_depth.drawio.svg" id="0" name="Picture 1"/>
+          <p:cNvPicPr>
+            <a:picLocks noGrp="1" noChangeAspect="1"/>
+          </p:cNvPicPr>
+          <p:nvPr/>
+        </p:nvPicPr>
+        <p:blipFill>
+          <a:blip r:embed="rId2"/>
+          <a:stretch>
+            <a:fillRect/>
+          </a:stretch>
+        </p:blipFill>
+        <p:spPr bwMode="auto">
+          <a:xfrm>
+            <a:off x="3568700" y="1333500"/>
+            <a:ext cx="5105400" cy="3200400"/>
+          </a:xfrm>
+          <a:prstGeom prst="rect">
+            <a:avLst/>
+          </a:prstGeom>
+          <a:noFill/>
+          <a:ln w="9525">
+            <a:noFill/>
+            <a:headEnd/>
+            <a:tailEnd/>
+          </a:ln>
+        </p:spPr>
+      </p:pic>
+      <p:sp>
+        <p:nvSpPr>
+          <p:cNvPr id="1" name="TextBox 3"/>
+          <p:cNvSpPr txBox="1"/>
+          <p:nvPr/>
+        </p:nvSpPr>
+        <p:spPr>
+          <a:xfrm>
+            <a:off x="3568700" y="5600700"/>
+            <a:ext cx="5105400" cy="508000"/>
+          </a:xfrm>
+          <a:prstGeom prst="rect">
+            <a:avLst/>
+          </a:prstGeom>
+          <a:noFill/>
+        </p:spPr>
+        <p:txBody>
+          <a:bodyPr/>
+          <a:lstStyle/>
+          <a:p>
+            <a:pPr lvl="0" indent="0" marL="0" algn="ctr">
+              <a:buNone/>
+            </a:pPr>
+            <a:r>
+              <a:rPr/>
+              <a:t>alt:“alt” height:450px center</a:t>
             </a:r>
           </a:p>
         </p:txBody>
@@ -3369,6 +7203,3884 @@
 </p:sld>
 </file>
 
+<file path=ppt/slides/slide30.xml><?xml version="1.0" encoding="utf-8"?>
+<p:sld xmlns:a="http://schemas.openxmlformats.org/drawingml/2006/main" xmlns:r="http://schemas.openxmlformats.org/officeDocument/2006/relationships" xmlns:p="http://schemas.openxmlformats.org/presentationml/2006/main">
+  <p:cSld>
+    <p:spTree>
+      <p:nvGrpSpPr>
+        <p:cNvPr id="1" name=""/>
+        <p:cNvGrpSpPr/>
+        <p:nvPr/>
+      </p:nvGrpSpPr>
+      <p:grpSpPr>
+        <a:xfrm>
+          <a:off x="0" y="0"/>
+          <a:ext cx="0" cy="0"/>
+          <a:chOff x="0" y="0"/>
+          <a:chExt cx="0" cy="0"/>
+        </a:xfrm>
+      </p:grpSpPr>
+      <p:sp>
+        <p:nvSpPr>
+          <p:cNvPr id="2" name="Title 1"/>
+          <p:cNvSpPr>
+            <a:spLocks noGrp="1"/>
+          </p:cNvSpPr>
+          <p:nvPr>
+            <p:ph type="title"/>
+          </p:nvPr>
+        </p:nvSpPr>
+        <p:spPr>
+          <a:xfrm>
+            <a:off x="457200" y="273050"/>
+            <a:ext cx="3008313" cy="1162050"/>
+          </a:xfrm>
+        </p:spPr>
+        <p:txBody>
+          <a:bodyPr/>
+          <a:lstStyle/>
+          <a:p>
+            <a:pPr lvl="0" indent="0" marL="0">
+              <a:buNone/>
+            </a:pPr>
+            <a:r>
+              <a:rPr/>
+              <a:t>Formal Analysis of HEAPIFY (1)</a:t>
+            </a:r>
+          </a:p>
+        </p:txBody>
+      </p:sp>
+      <mc:AlternateContent xmlns:mc="http://schemas.openxmlformats.org/markup-compatibility/2006">
+        <mc:Choice xmlns:a14="http://schemas.microsoft.com/office/drawing/2010/main" Requires="a14">
+          <p:sp>
+            <p:nvSpPr>
+              <p:cNvPr id="4" name="Text Placeholder 3"/>
+              <p:cNvSpPr>
+                <a:spLocks noGrp="1"/>
+              </p:cNvSpPr>
+              <p:nvPr>
+                <p:ph idx="2" sz="half" type="body"/>
+              </p:nvPr>
+            </p:nvSpPr>
+            <p:spPr/>
+            <p:txBody>
+              <a:bodyPr/>
+              <a:lstStyle/>
+              <a:p>
+                <a:pPr lvl="0"/>
+                <a:r>
+                  <a:rPr/>
+                  <a:t>Worst case occurs when last row of the subtree </a:t>
+                </a:r>
+                <a14:m>
+                  <m:oMath xmlns:m="http://schemas.openxmlformats.org/officeDocument/2006/math">
+                    <m:sSub>
+                      <m:e>
+                        <m:r>
+                          <m:t>S</m:t>
+                        </m:r>
+                      </m:e>
+                      <m:sub>
+                        <m:r>
+                          <m:t>i</m:t>
+                        </m:r>
+                      </m:sub>
+                    </m:sSub>
+                  </m:oMath>
+                </a14:m>
+                <a:r>
+                  <a:rPr/>
+                  <a:t> rooted at node </a:t>
+                </a:r>
+                <a14:m>
+                  <m:oMath xmlns:m="http://schemas.openxmlformats.org/officeDocument/2006/math">
+                    <m:r>
+                      <m:t>i</m:t>
+                    </m:r>
+                  </m:oMath>
+                </a14:m>
+                <a:r>
+                  <a:rPr/>
+                  <a:t> is </a:t>
+                </a:r>
+                <a:r>
+                  <a:rPr b="1"/>
+                  <a:t>half full</a:t>
+                </a:r>
+              </a:p>
+              <a:p>
+                <a:pPr lvl="0"/>
+                <a14:m>
+                  <m:oMath xmlns:m="http://schemas.openxmlformats.org/officeDocument/2006/math">
+                    <m:r>
+                      <m:t>T</m:t>
+                    </m:r>
+                    <m:d>
+                      <m:dPr>
+                        <m:begChr m:val="("/>
+                        <m:endChr m:val=")"/>
+                        <m:sepChr m:val=""/>
+                        <m:grow/>
+                      </m:dPr>
+                      <m:e>
+                        <m:r>
+                          <m:t>n</m:t>
+                        </m:r>
+                      </m:e>
+                    </m:d>
+                    <m:r>
+                      <m:rPr>
+                        <m:sty m:val="p"/>
+                      </m:rPr>
+                      <m:t>≤</m:t>
+                    </m:r>
+                    <m:r>
+                      <m:t>T</m:t>
+                    </m:r>
+                    <m:d>
+                      <m:dPr>
+                        <m:begChr m:val="("/>
+                        <m:endChr m:val=")"/>
+                        <m:sepChr m:val=""/>
+                        <m:grow/>
+                      </m:dPr>
+                      <m:e>
+                        <m:d>
+                          <m:dPr>
+                            <m:begChr m:val="|"/>
+                            <m:endChr m:val="|"/>
+                            <m:sepChr m:val=""/>
+                            <m:grow/>
+                          </m:dPr>
+                          <m:e>
+                            <m:sSub>
+                              <m:e>
+                                <m:r>
+                                  <m:t>S</m:t>
+                                </m:r>
+                              </m:e>
+                              <m:sub>
+                                <m:r>
+                                  <m:t>L</m:t>
+                                </m:r>
+                                <m:d>
+                                  <m:dPr>
+                                    <m:begChr m:val="("/>
+                                    <m:endChr m:val=")"/>
+                                    <m:sepChr m:val=""/>
+                                    <m:grow/>
+                                  </m:dPr>
+                                  <m:e>
+                                    <m:r>
+                                      <m:t>i</m:t>
+                                    </m:r>
+                                  </m:e>
+                                </m:d>
+                              </m:sub>
+                            </m:sSub>
+                          </m:e>
+                        </m:d>
+                      </m:e>
+                    </m:d>
+                    <m:r>
+                      <m:rPr>
+                        <m:sty m:val="p"/>
+                      </m:rPr>
+                      <m:t>+</m:t>
+                    </m:r>
+                    <m:r>
+                      <m:t>Θ</m:t>
+                    </m:r>
+                    <m:d>
+                      <m:dPr>
+                        <m:begChr m:val="("/>
+                        <m:endChr m:val=")"/>
+                        <m:sepChr m:val=""/>
+                        <m:grow/>
+                      </m:dPr>
+                      <m:e>
+                        <m:r>
+                          <m:t>1</m:t>
+                        </m:r>
+                      </m:e>
+                    </m:d>
+                  </m:oMath>
+                </a14:m>
+              </a:p>
+              <a:p>
+                <a:pPr lvl="0"/>
+                <a14:m>
+                  <m:oMath xmlns:m="http://schemas.openxmlformats.org/officeDocument/2006/math">
+                    <m:sSub>
+                      <m:e>
+                        <m:r>
+                          <m:t>S</m:t>
+                        </m:r>
+                      </m:e>
+                      <m:sub>
+                        <m:r>
+                          <m:t>L</m:t>
+                        </m:r>
+                        <m:d>
+                          <m:dPr>
+                            <m:begChr m:val="("/>
+                            <m:endChr m:val=")"/>
+                            <m:sepChr m:val=""/>
+                            <m:grow/>
+                          </m:dPr>
+                          <m:e>
+                            <m:r>
+                              <m:t>i</m:t>
+                            </m:r>
+                          </m:e>
+                        </m:d>
+                      </m:sub>
+                    </m:sSub>
+                  </m:oMath>
+                </a14:m>
+                <a:r>
+                  <a:rPr/>
+                  <a:t> and </a:t>
+                </a:r>
+                <a14:m>
+                  <m:oMath xmlns:m="http://schemas.openxmlformats.org/officeDocument/2006/math">
+                    <m:sSub>
+                      <m:e>
+                        <m:r>
+                          <m:t>S</m:t>
+                        </m:r>
+                      </m:e>
+                      <m:sub>
+                        <m:r>
+                          <m:t>R</m:t>
+                        </m:r>
+                        <m:d>
+                          <m:dPr>
+                            <m:begChr m:val="("/>
+                            <m:endChr m:val=")"/>
+                            <m:sepChr m:val=""/>
+                            <m:grow/>
+                          </m:dPr>
+                          <m:e>
+                            <m:r>
+                              <m:t>i</m:t>
+                            </m:r>
+                          </m:e>
+                        </m:d>
+                      </m:sub>
+                    </m:sSub>
+                  </m:oMath>
+                </a14:m>
+                <a:r>
+                  <a:rPr/>
+                  <a:t> are complete binary trees of heights </a:t>
+                </a:r>
+                <a14:m>
+                  <m:oMath xmlns:m="http://schemas.openxmlformats.org/officeDocument/2006/math">
+                    <m:r>
+                      <m:t>h</m:t>
+                    </m:r>
+                    <m:d>
+                      <m:dPr>
+                        <m:begChr m:val="("/>
+                        <m:endChr m:val=")"/>
+                        <m:sepChr m:val=""/>
+                        <m:grow/>
+                      </m:dPr>
+                      <m:e>
+                        <m:r>
+                          <m:t>i</m:t>
+                        </m:r>
+                      </m:e>
+                    </m:d>
+                    <m:r>
+                      <m:rPr>
+                        <m:sty m:val="p"/>
+                      </m:rPr>
+                      <m:t>−</m:t>
+                    </m:r>
+                    <m:r>
+                      <m:t>1</m:t>
+                    </m:r>
+                  </m:oMath>
+                </a14:m>
+                <a:r>
+                  <a:rPr/>
+                  <a:t> and </a:t>
+                </a:r>
+                <a14:m>
+                  <m:oMath xmlns:m="http://schemas.openxmlformats.org/officeDocument/2006/math">
+                    <m:r>
+                      <m:t>h</m:t>
+                    </m:r>
+                    <m:d>
+                      <m:dPr>
+                        <m:begChr m:val="("/>
+                        <m:endChr m:val=")"/>
+                        <m:sepChr m:val=""/>
+                        <m:grow/>
+                      </m:dPr>
+                      <m:e>
+                        <m:r>
+                          <m:t>i</m:t>
+                        </m:r>
+                      </m:e>
+                    </m:d>
+                    <m:r>
+                      <m:rPr>
+                        <m:sty m:val="p"/>
+                      </m:rPr>
+                      <m:t>−</m:t>
+                    </m:r>
+                    <m:r>
+                      <m:t>2</m:t>
+                    </m:r>
+                  </m:oMath>
+                </a14:m>
+                <a:r>
+                  <a:rPr/>
+                  <a:t>, respectively</a:t>
+                </a:r>
+              </a:p>
+            </p:txBody>
+          </p:sp>
+        </mc:Choice>
+      </mc:AlternateContent>
+      <p:pic>
+        <p:nvPicPr>
+          <p:cNvPr descr="fig:  assets/ce100-week-4-heap-heap_analysis_1.drawio.svg" id="0" name="Picture 1"/>
+          <p:cNvPicPr>
+            <a:picLocks noGrp="1" noChangeAspect="1"/>
+          </p:cNvPicPr>
+          <p:nvPr/>
+        </p:nvPicPr>
+        <p:blipFill>
+          <a:blip r:embed="rId2"/>
+          <a:stretch>
+            <a:fillRect/>
+          </a:stretch>
+        </p:blipFill>
+        <p:spPr bwMode="auto">
+          <a:xfrm>
+            <a:off x="3568700" y="1320800"/>
+            <a:ext cx="5105400" cy="3213100"/>
+          </a:xfrm>
+          <a:prstGeom prst="rect">
+            <a:avLst/>
+          </a:prstGeom>
+          <a:noFill/>
+          <a:ln w="9525">
+            <a:noFill/>
+            <a:headEnd/>
+            <a:tailEnd/>
+          </a:ln>
+        </p:spPr>
+      </p:pic>
+      <p:sp>
+        <p:nvSpPr>
+          <p:cNvPr id="1" name="TextBox 3"/>
+          <p:cNvSpPr txBox="1"/>
+          <p:nvPr/>
+        </p:nvSpPr>
+        <p:spPr>
+          <a:xfrm>
+            <a:off x="3568700" y="5600700"/>
+            <a:ext cx="5105400" cy="508000"/>
+          </a:xfrm>
+          <a:prstGeom prst="rect">
+            <a:avLst/>
+          </a:prstGeom>
+          <a:noFill/>
+        </p:spPr>
+        <p:txBody>
+          <a:bodyPr/>
+          <a:lstStyle/>
+          <a:p>
+            <a:pPr lvl="0" indent="0" marL="0" algn="ctr">
+              <a:buNone/>
+            </a:pPr>
+            <a:r>
+              <a:rPr/>
+              <a:t>alt:“alt” height:350px center</a:t>
+            </a:r>
+          </a:p>
+        </p:txBody>
+      </p:sp>
+    </p:spTree>
+  </p:cSld>
+</p:sld>
+</file>
+
+<file path=ppt/slides/slide31.xml><?xml version="1.0" encoding="utf-8"?>
+<p:sld xmlns:a="http://schemas.openxmlformats.org/drawingml/2006/main" xmlns:r="http://schemas.openxmlformats.org/officeDocument/2006/relationships" xmlns:p="http://schemas.openxmlformats.org/presentationml/2006/main">
+  <p:cSld>
+    <p:spTree>
+      <p:nvGrpSpPr>
+        <p:cNvPr id="1" name=""/>
+        <p:cNvGrpSpPr/>
+        <p:nvPr/>
+      </p:nvGrpSpPr>
+      <p:grpSpPr>
+        <a:xfrm>
+          <a:off x="0" y="0"/>
+          <a:ext cx="0" cy="0"/>
+          <a:chOff x="0" y="0"/>
+          <a:chExt cx="0" cy="0"/>
+        </a:xfrm>
+      </p:grpSpPr>
+      <p:sp>
+        <p:nvSpPr>
+          <p:cNvPr id="2" name="Title 1"/>
+          <p:cNvSpPr>
+            <a:spLocks noGrp="1"/>
+          </p:cNvSpPr>
+          <p:nvPr>
+            <p:ph type="title"/>
+          </p:nvPr>
+        </p:nvSpPr>
+        <p:spPr/>
+        <p:txBody>
+          <a:bodyPr/>
+          <a:lstStyle/>
+          <a:p>
+            <a:pPr lvl="0" indent="0" marL="0">
+              <a:buNone/>
+            </a:pPr>
+            <a:r>
+              <a:rPr/>
+              <a:t>Formal Analysis of HEAPIFY (2)</a:t>
+            </a:r>
+          </a:p>
+        </p:txBody>
+      </p:sp>
+      <mc:AlternateContent xmlns:mc="http://schemas.openxmlformats.org/markup-compatibility/2006">
+        <mc:Choice xmlns:a14="http://schemas.microsoft.com/office/drawing/2010/main" Requires="a14">
+          <p:sp>
+            <p:nvSpPr>
+              <p:cNvPr id="3" name="Content Placeholder 2"/>
+              <p:cNvSpPr>
+                <a:spLocks noGrp="1"/>
+              </p:cNvSpPr>
+              <p:nvPr>
+                <p:ph idx="1"/>
+              </p:nvPr>
+            </p:nvSpPr>
+            <p:spPr/>
+            <p:txBody>
+              <a:bodyPr/>
+              <a:lstStyle/>
+              <a:p>
+                <a:pPr lvl="0"/>
+                <a:r>
+                  <a:rPr/>
+                  <a:t>Let </a:t>
+                </a:r>
+                <a14:m>
+                  <m:oMath xmlns:m="http://schemas.openxmlformats.org/officeDocument/2006/math">
+                    <m:r>
+                      <m:t>m</m:t>
+                    </m:r>
+                  </m:oMath>
+                </a14:m>
+                <a:r>
+                  <a:rPr/>
+                  <a:t> be the number of </a:t>
+                </a:r>
+                <a:r>
+                  <a:rPr b="1"/>
+                  <a:t>leaf nodes</a:t>
+                </a:r>
+                <a:r>
+                  <a:rPr/>
+                  <a:t> in </a:t>
+                </a:r>
+                <a14:m>
+                  <m:oMath xmlns:m="http://schemas.openxmlformats.org/officeDocument/2006/math">
+                    <m:sSub>
+                      <m:e>
+                        <m:r>
+                          <m:t>S</m:t>
+                        </m:r>
+                      </m:e>
+                      <m:sub>
+                        <m:r>
+                          <m:t>L</m:t>
+                        </m:r>
+                        <m:d>
+                          <m:dPr>
+                            <m:begChr m:val="("/>
+                            <m:endChr m:val=")"/>
+                            <m:sepChr m:val=""/>
+                            <m:grow/>
+                          </m:dPr>
+                          <m:e>
+                            <m:r>
+                              <m:t>i</m:t>
+                            </m:r>
+                          </m:e>
+                        </m:d>
+                      </m:sub>
+                    </m:sSub>
+                  </m:oMath>
+                </a14:m>
+              </a:p>
+              <a:p>
+                <a:pPr lvl="1"/>
+                <a14:m>
+                  <m:oMath xmlns:m="http://schemas.openxmlformats.org/officeDocument/2006/math">
+                    <m:d>
+                      <m:dPr>
+                        <m:begChr m:val="|"/>
+                        <m:endChr m:val="|"/>
+                        <m:sepChr m:val=""/>
+                        <m:grow/>
+                      </m:dPr>
+                      <m:e>
+                        <m:sSub>
+                          <m:e>
+                            <m:r>
+                              <m:t>S</m:t>
+                            </m:r>
+                          </m:e>
+                          <m:sub>
+                            <m:r>
+                              <m:t>L</m:t>
+                            </m:r>
+                            <m:d>
+                              <m:dPr>
+                                <m:begChr m:val="("/>
+                                <m:endChr m:val=")"/>
+                                <m:sepChr m:val=""/>
+                                <m:grow/>
+                              </m:dPr>
+                              <m:e>
+                                <m:r>
+                                  <m:t>i</m:t>
+                                </m:r>
+                              </m:e>
+                            </m:d>
+                          </m:sub>
+                        </m:sSub>
+                      </m:e>
+                    </m:d>
+                    <m:r>
+                      <m:rPr>
+                        <m:sty m:val="p"/>
+                      </m:rPr>
+                      <m:t>=</m:t>
+                    </m:r>
+                    <m:limUpp>
+                      <m:e>
+                        <m:groupChr>
+                          <m:groupChrPr>
+                            <m:chr m:val="⏞"/>
+                            <m:pos m:val="top"/>
+                            <m:vertJc m:val="bot"/>
+                          </m:groupChrPr>
+                          <m:e>
+                            <m:r>
+                              <m:t>m</m:t>
+                            </m:r>
+                          </m:e>
+                        </m:groupChr>
+                      </m:e>
+                      <m:lim>
+                        <m:r>
+                          <m:t>e</m:t>
+                        </m:r>
+                        <m:r>
+                          <m:t>x</m:t>
+                        </m:r>
+                        <m:r>
+                          <m:t>t</m:t>
+                        </m:r>
+                        <m:r>
+                          <m:rPr>
+                            <m:sty m:val="p"/>
+                          </m:rPr>
+                          <m:t>.</m:t>
+                        </m:r>
+                      </m:lim>
+                    </m:limUpp>
+                    <m:r>
+                      <m:rPr>
+                        <m:sty m:val="p"/>
+                      </m:rPr>
+                      <m:t>+</m:t>
+                    </m:r>
+                    <m:limUpp>
+                      <m:e>
+                        <m:groupChr>
+                          <m:groupChrPr>
+                            <m:chr m:val="⏞"/>
+                            <m:pos m:val="top"/>
+                            <m:vertJc m:val="bot"/>
+                          </m:groupChrPr>
+                          <m:e>
+                            <m:d>
+                              <m:dPr>
+                                <m:begChr m:val="("/>
+                                <m:endChr m:val=")"/>
+                                <m:sepChr m:val=""/>
+                                <m:grow/>
+                              </m:dPr>
+                              <m:e>
+                                <m:r>
+                                  <m:t>m</m:t>
+                                </m:r>
+                                <m:r>
+                                  <m:rPr>
+                                    <m:sty m:val="p"/>
+                                  </m:rPr>
+                                  <m:t>–</m:t>
+                                </m:r>
+                                <m:r>
+                                  <m:t>1</m:t>
+                                </m:r>
+                              </m:e>
+                            </m:d>
+                          </m:e>
+                        </m:groupChr>
+                      </m:e>
+                      <m:lim>
+                        <m:r>
+                          <m:t>i</m:t>
+                        </m:r>
+                        <m:r>
+                          <m:t>n</m:t>
+                        </m:r>
+                        <m:r>
+                          <m:t>t</m:t>
+                        </m:r>
+                        <m:r>
+                          <m:rPr>
+                            <m:sty m:val="p"/>
+                          </m:rPr>
+                          <m:t>.</m:t>
+                        </m:r>
+                      </m:lim>
+                    </m:limUpp>
+                    <m:r>
+                      <m:rPr>
+                        <m:sty m:val="p"/>
+                      </m:rPr>
+                      <m:t>=</m:t>
+                    </m:r>
+                    <m:r>
+                      <m:t>2</m:t>
+                    </m:r>
+                    <m:r>
+                      <m:t>m</m:t>
+                    </m:r>
+                    <m:r>
+                      <m:rPr>
+                        <m:sty m:val="p"/>
+                      </m:rPr>
+                      <m:t>–</m:t>
+                    </m:r>
+                    <m:r>
+                      <m:t>1</m:t>
+                    </m:r>
+                  </m:oMath>
+                </a14:m>
+              </a:p>
+              <a:p>
+                <a:pPr lvl="1"/>
+                <a14:m>
+                  <m:oMath xmlns:m="http://schemas.openxmlformats.org/officeDocument/2006/math">
+                    <m:d>
+                      <m:dPr>
+                        <m:begChr m:val="|"/>
+                        <m:endChr m:val="|"/>
+                        <m:sepChr m:val=""/>
+                        <m:grow/>
+                      </m:dPr>
+                      <m:e>
+                        <m:sSub>
+                          <m:e>
+                            <m:r>
+                              <m:t>S</m:t>
+                            </m:r>
+                          </m:e>
+                          <m:sub>
+                            <m:r>
+                              <m:t>R</m:t>
+                            </m:r>
+                            <m:d>
+                              <m:dPr>
+                                <m:begChr m:val="("/>
+                                <m:endChr m:val=")"/>
+                                <m:sepChr m:val=""/>
+                                <m:grow/>
+                              </m:dPr>
+                              <m:e>
+                                <m:r>
+                                  <m:t>i</m:t>
+                                </m:r>
+                              </m:e>
+                            </m:d>
+                          </m:sub>
+                        </m:sSub>
+                      </m:e>
+                    </m:d>
+                    <m:r>
+                      <m:rPr>
+                        <m:sty m:val="p"/>
+                      </m:rPr>
+                      <m:t>=</m:t>
+                    </m:r>
+                    <m:limUpp>
+                      <m:e>
+                        <m:groupChr>
+                          <m:groupChrPr>
+                            <m:chr m:val="⏞"/>
+                            <m:pos m:val="top"/>
+                            <m:vertJc m:val="bot"/>
+                          </m:groupChrPr>
+                          <m:e>
+                            <m:f>
+                              <m:fPr>
+                                <m:type m:val="bar"/>
+                              </m:fPr>
+                              <m:num>
+                                <m:r>
+                                  <m:t>m</m:t>
+                                </m:r>
+                              </m:num>
+                              <m:den>
+                                <m:r>
+                                  <m:t>2</m:t>
+                                </m:r>
+                              </m:den>
+                            </m:f>
+                          </m:e>
+                        </m:groupChr>
+                      </m:e>
+                      <m:lim>
+                        <m:r>
+                          <m:t>e</m:t>
+                        </m:r>
+                        <m:r>
+                          <m:t>x</m:t>
+                        </m:r>
+                        <m:r>
+                          <m:t>t</m:t>
+                        </m:r>
+                        <m:r>
+                          <m:rPr>
+                            <m:sty m:val="p"/>
+                          </m:rPr>
+                          <m:t>.</m:t>
+                        </m:r>
+                      </m:lim>
+                    </m:limUpp>
+                    <m:r>
+                      <m:rPr>
+                        <m:sty m:val="p"/>
+                      </m:rPr>
+                      <m:t>+</m:t>
+                    </m:r>
+                    <m:limUpp>
+                      <m:e>
+                        <m:groupChr>
+                          <m:groupChrPr>
+                            <m:chr m:val="⏞"/>
+                            <m:pos m:val="top"/>
+                            <m:vertJc m:val="bot"/>
+                          </m:groupChrPr>
+                          <m:e>
+                            <m:d>
+                              <m:dPr>
+                                <m:begChr m:val="("/>
+                                <m:endChr m:val=")"/>
+                                <m:sepChr m:val=""/>
+                                <m:grow/>
+                              </m:dPr>
+                              <m:e>
+                                <m:f>
+                                  <m:fPr>
+                                    <m:type m:val="bar"/>
+                                  </m:fPr>
+                                  <m:num>
+                                    <m:r>
+                                      <m:t>m</m:t>
+                                    </m:r>
+                                  </m:num>
+                                  <m:den>
+                                    <m:r>
+                                      <m:t>2</m:t>
+                                    </m:r>
+                                  </m:den>
+                                </m:f>
+                                <m:r>
+                                  <m:rPr>
+                                    <m:sty m:val="p"/>
+                                  </m:rPr>
+                                  <m:t>–</m:t>
+                                </m:r>
+                                <m:r>
+                                  <m:t>1</m:t>
+                                </m:r>
+                              </m:e>
+                            </m:d>
+                          </m:e>
+                        </m:groupChr>
+                      </m:e>
+                      <m:lim>
+                        <m:r>
+                          <m:t>i</m:t>
+                        </m:r>
+                        <m:r>
+                          <m:t>n</m:t>
+                        </m:r>
+                        <m:r>
+                          <m:t>t</m:t>
+                        </m:r>
+                        <m:r>
+                          <m:rPr>
+                            <m:sty m:val="p"/>
+                          </m:rPr>
+                          <m:t>.</m:t>
+                        </m:r>
+                      </m:lim>
+                    </m:limUpp>
+                    <m:r>
+                      <m:rPr>
+                        <m:sty m:val="p"/>
+                      </m:rPr>
+                      <m:t>=</m:t>
+                    </m:r>
+                    <m:r>
+                      <m:t>m</m:t>
+                    </m:r>
+                    <m:r>
+                      <m:rPr>
+                        <m:sty m:val="p"/>
+                      </m:rPr>
+                      <m:t>–</m:t>
+                    </m:r>
+                    <m:r>
+                      <m:t>1</m:t>
+                    </m:r>
+                  </m:oMath>
+                </a14:m>
+              </a:p>
+              <a:p>
+                <a:pPr lvl="1"/>
+                <a14:m>
+                  <m:oMath xmlns:m="http://schemas.openxmlformats.org/officeDocument/2006/math">
+                    <m:d>
+                      <m:dPr>
+                        <m:begChr m:val="|"/>
+                        <m:endChr m:val="|"/>
+                        <m:sepChr m:val=""/>
+                        <m:grow/>
+                      </m:dPr>
+                      <m:e>
+                        <m:sSub>
+                          <m:e>
+                            <m:r>
+                              <m:t>S</m:t>
+                            </m:r>
+                          </m:e>
+                          <m:sub>
+                            <m:r>
+                              <m:t>L</m:t>
+                            </m:r>
+                            <m:d>
+                              <m:dPr>
+                                <m:begChr m:val="("/>
+                                <m:endChr m:val=")"/>
+                                <m:sepChr m:val=""/>
+                                <m:grow/>
+                              </m:dPr>
+                              <m:e>
+                                <m:r>
+                                  <m:t>i</m:t>
+                                </m:r>
+                              </m:e>
+                            </m:d>
+                          </m:sub>
+                        </m:sSub>
+                      </m:e>
+                    </m:d>
+                    <m:r>
+                      <m:rPr>
+                        <m:sty m:val="p"/>
+                      </m:rPr>
+                      <m:t>+</m:t>
+                    </m:r>
+                    <m:d>
+                      <m:dPr>
+                        <m:begChr m:val="|"/>
+                        <m:endChr m:val="|"/>
+                        <m:sepChr m:val=""/>
+                        <m:grow/>
+                      </m:dPr>
+                      <m:e>
+                        <m:sSub>
+                          <m:e>
+                            <m:r>
+                              <m:t>S</m:t>
+                            </m:r>
+                          </m:e>
+                          <m:sub>
+                            <m:r>
+                              <m:t>R</m:t>
+                            </m:r>
+                            <m:d>
+                              <m:dPr>
+                                <m:begChr m:val="("/>
+                                <m:endChr m:val=")"/>
+                                <m:sepChr m:val=""/>
+                                <m:grow/>
+                              </m:dPr>
+                              <m:e>
+                                <m:r>
+                                  <m:t>i</m:t>
+                                </m:r>
+                              </m:e>
+                            </m:d>
+                          </m:sub>
+                        </m:sSub>
+                      </m:e>
+                    </m:d>
+                    <m:r>
+                      <m:rPr>
+                        <m:sty m:val="p"/>
+                      </m:rPr>
+                      <m:t>+</m:t>
+                    </m:r>
+                    <m:r>
+                      <m:t>1</m:t>
+                    </m:r>
+                    <m:r>
+                      <m:rPr>
+                        <m:sty m:val="p"/>
+                      </m:rPr>
+                      <m:t>=</m:t>
+                    </m:r>
+                    <m:r>
+                      <m:t>n</m:t>
+                    </m:r>
+                  </m:oMath>
+                </a14:m>
+              </a:p>
+            </p:txBody>
+          </p:sp>
+        </mc:Choice>
+      </mc:AlternateContent>
+    </p:spTree>
+  </p:cSld>
+</p:sld>
+</file>
+
+<file path=ppt/slides/slide32.xml><?xml version="1.0" encoding="utf-8"?>
+<p:sld xmlns:a="http://schemas.openxmlformats.org/drawingml/2006/main" xmlns:r="http://schemas.openxmlformats.org/officeDocument/2006/relationships" xmlns:p="http://schemas.openxmlformats.org/presentationml/2006/main">
+  <p:cSld>
+    <p:spTree>
+      <p:nvGrpSpPr>
+        <p:cNvPr id="1" name=""/>
+        <p:cNvGrpSpPr/>
+        <p:nvPr/>
+      </p:nvGrpSpPr>
+      <p:grpSpPr>
+        <a:xfrm>
+          <a:off x="0" y="0"/>
+          <a:ext cx="0" cy="0"/>
+          <a:chOff x="0" y="0"/>
+          <a:chExt cx="0" cy="0"/>
+        </a:xfrm>
+      </p:grpSpPr>
+      <p:sp>
+        <p:nvSpPr>
+          <p:cNvPr id="2" name="Title 1"/>
+          <p:cNvSpPr>
+            <a:spLocks noGrp="1"/>
+          </p:cNvSpPr>
+          <p:nvPr>
+            <p:ph type="title"/>
+          </p:nvPr>
+        </p:nvSpPr>
+        <p:spPr/>
+        <p:txBody>
+          <a:bodyPr/>
+          <a:lstStyle/>
+          <a:p>
+            <a:pPr lvl="0" indent="0" marL="0">
+              <a:buNone/>
+            </a:pPr>
+            <a:r>
+              <a:rPr/>
+              <a:t>Formal Analysis of HEAPIFY (2)</a:t>
+            </a:r>
+          </a:p>
+        </p:txBody>
+      </p:sp>
+      <mc:AlternateContent xmlns:mc="http://schemas.openxmlformats.org/markup-compatibility/2006">
+        <mc:Choice xmlns:a14="http://schemas.microsoft.com/office/drawing/2010/main" Requires="a14">
+          <p:sp>
+            <p:nvSpPr>
+              <p:cNvPr id="3" name="Content Placeholder 2"/>
+              <p:cNvSpPr>
+                <a:spLocks noGrp="1"/>
+              </p:cNvSpPr>
+              <p:nvPr>
+                <p:ph idx="1"/>
+              </p:nvPr>
+            </p:nvSpPr>
+            <p:spPr/>
+            <p:txBody>
+              <a:bodyPr/>
+              <a:lstStyle/>
+              <a:p>
+                <a:pPr lvl="0" indent="0" marL="0">
+                  <a:buNone/>
+                </a:pPr>
+                <a14:m>
+                  <m:oMathPara xmlns:m="http://schemas.openxmlformats.org/officeDocument/2006/math">
+                    <m:oMathParaPr>
+                      <m:jc m:val="center"/>
+                    </m:oMathParaPr>
+                    <m:oMath>
+                      <m:m>
+                        <m:mPr>
+                          <m:baseJc m:val="center"/>
+                          <m:plcHide m:val="1"/>
+                          <m:mcs>
+                            <m:mc>
+                              <m:mcPr>
+                                <m:mcJc m:val="right"/>
+                                <m:count m:val="1"/>
+                              </m:mcPr>
+                            </m:mc>
+                            <m:mc>
+                              <m:mcPr>
+                                <m:mcJc m:val="left"/>
+                                <m:count m:val="1"/>
+                              </m:mcPr>
+                            </m:mc>
+                          </m:mcs>
+                        </m:mPr>
+                        <m:mr>
+                          <m:e>
+                            <m:d>
+                              <m:dPr>
+                                <m:begChr m:val="("/>
+                                <m:endChr m:val=")"/>
+                                <m:sepChr m:val=""/>
+                                <m:grow/>
+                              </m:dPr>
+                              <m:e>
+                                <m:r>
+                                  <m:t>2</m:t>
+                                </m:r>
+                                <m:r>
+                                  <m:t>m</m:t>
+                                </m:r>
+                                <m:r>
+                                  <m:rPr>
+                                    <m:sty m:val="p"/>
+                                  </m:rPr>
+                                  <m:t>–</m:t>
+                                </m:r>
+                                <m:r>
+                                  <m:t>1</m:t>
+                                </m:r>
+                              </m:e>
+                            </m:d>
+                            <m:r>
+                              <m:rPr>
+                                <m:sty m:val="p"/>
+                              </m:rPr>
+                              <m:t>+</m:t>
+                            </m:r>
+                            <m:d>
+                              <m:dPr>
+                                <m:begChr m:val="("/>
+                                <m:endChr m:val=")"/>
+                                <m:sepChr m:val=""/>
+                                <m:grow/>
+                              </m:dPr>
+                              <m:e>
+                                <m:r>
+                                  <m:t>m</m:t>
+                                </m:r>
+                                <m:r>
+                                  <m:rPr>
+                                    <m:sty m:val="p"/>
+                                  </m:rPr>
+                                  <m:t>–</m:t>
+                                </m:r>
+                                <m:r>
+                                  <m:t>1</m:t>
+                                </m:r>
+                              </m:e>
+                            </m:d>
+                            <m:r>
+                              <m:rPr>
+                                <m:sty m:val="p"/>
+                              </m:rPr>
+                              <m:t>+</m:t>
+                            </m:r>
+                            <m:r>
+                              <m:t>1</m:t>
+                            </m:r>
+                          </m:e>
+                          <m:e>
+                            <m:r>
+                              <m:rPr>
+                                <m:sty m:val="p"/>
+                              </m:rPr>
+                              <m:t>=</m:t>
+                            </m:r>
+                            <m:r>
+                              <m:t>n</m:t>
+                            </m:r>
+                          </m:e>
+                        </m:mr>
+                        <m:mr>
+                          <m:e>
+                            <m:r>
+                              <m:t>m</m:t>
+                            </m:r>
+                          </m:e>
+                          <m:e>
+                            <m:r>
+                              <m:rPr>
+                                <m:sty m:val="p"/>
+                              </m:rPr>
+                              <m:t>=</m:t>
+                            </m:r>
+                            <m:d>
+                              <m:dPr>
+                                <m:begChr m:val="("/>
+                                <m:endChr m:val=")"/>
+                                <m:sepChr m:val=""/>
+                                <m:grow/>
+                              </m:dPr>
+                              <m:e>
+                                <m:r>
+                                  <m:t>n</m:t>
+                                </m:r>
+                                <m:r>
+                                  <m:rPr>
+                                    <m:sty m:val="p"/>
+                                  </m:rPr>
+                                  <m:t>+</m:t>
+                                </m:r>
+                                <m:r>
+                                  <m:t>1</m:t>
+                                </m:r>
+                              </m:e>
+                            </m:d>
+                            <m:r>
+                              <m:rPr>
+                                <m:sty m:val="p"/>
+                              </m:rPr>
+                              <m:t>/</m:t>
+                            </m:r>
+                            <m:r>
+                              <m:t>3</m:t>
+                            </m:r>
+                          </m:e>
+                        </m:mr>
+                        <m:mr>
+                          <m:e>
+                            <m:d>
+                              <m:dPr>
+                                <m:begChr m:val="|"/>
+                                <m:endChr m:val="|"/>
+                                <m:sepChr m:val=""/>
+                                <m:grow/>
+                              </m:dPr>
+                              <m:e>
+                                <m:sSub>
+                                  <m:e>
+                                    <m:r>
+                                      <m:t>S</m:t>
+                                    </m:r>
+                                  </m:e>
+                                  <m:sub>
+                                    <m:r>
+                                      <m:t>L</m:t>
+                                    </m:r>
+                                    <m:d>
+                                      <m:dPr>
+                                        <m:begChr m:val="("/>
+                                        <m:endChr m:val=")"/>
+                                        <m:sepChr m:val=""/>
+                                        <m:grow/>
+                                      </m:dPr>
+                                      <m:e>
+                                        <m:r>
+                                          <m:t>i</m:t>
+                                        </m:r>
+                                      </m:e>
+                                    </m:d>
+                                  </m:sub>
+                                </m:sSub>
+                              </m:e>
+                            </m:d>
+                          </m:e>
+                          <m:e>
+                            <m:r>
+                              <m:rPr>
+                                <m:sty m:val="p"/>
+                              </m:rPr>
+                              <m:t>=</m:t>
+                            </m:r>
+                            <m:r>
+                              <m:t>2</m:t>
+                            </m:r>
+                            <m:r>
+                              <m:t>m</m:t>
+                            </m:r>
+                            <m:r>
+                              <m:rPr>
+                                <m:sty m:val="p"/>
+                              </m:rPr>
+                              <m:t>–</m:t>
+                            </m:r>
+                            <m:r>
+                              <m:t>1</m:t>
+                            </m:r>
+                          </m:e>
+                        </m:mr>
+                        <m:mr>
+                          <m:e/>
+                          <m:e>
+                            <m:r>
+                              <m:rPr>
+                                <m:sty m:val="p"/>
+                              </m:rPr>
+                              <m:t>=</m:t>
+                            </m:r>
+                            <m:r>
+                              <m:t>2</m:t>
+                            </m:r>
+                            <m:d>
+                              <m:dPr>
+                                <m:begChr m:val="("/>
+                                <m:endChr m:val=")"/>
+                                <m:sepChr m:val=""/>
+                                <m:grow/>
+                              </m:dPr>
+                              <m:e>
+                                <m:r>
+                                  <m:t>n</m:t>
+                                </m:r>
+                                <m:r>
+                                  <m:rPr>
+                                    <m:sty m:val="p"/>
+                                  </m:rPr>
+                                  <m:t>+</m:t>
+                                </m:r>
+                                <m:r>
+                                  <m:t>1</m:t>
+                                </m:r>
+                              </m:e>
+                            </m:d>
+                            <m:r>
+                              <m:rPr>
+                                <m:sty m:val="p"/>
+                              </m:rPr>
+                              <m:t>/</m:t>
+                            </m:r>
+                            <m:r>
+                              <m:t>3</m:t>
+                            </m:r>
+                            <m:r>
+                              <m:rPr>
+                                <m:sty m:val="p"/>
+                              </m:rPr>
+                              <m:t>–</m:t>
+                            </m:r>
+                            <m:r>
+                              <m:t>1</m:t>
+                            </m:r>
+                          </m:e>
+                        </m:mr>
+                        <m:mr>
+                          <m:e/>
+                          <m:e>
+                            <m:r>
+                              <m:rPr>
+                                <m:sty m:val="p"/>
+                              </m:rPr>
+                              <m:t>=</m:t>
+                            </m:r>
+                            <m:d>
+                              <m:dPr>
+                                <m:begChr m:val="("/>
+                                <m:endChr m:val=")"/>
+                                <m:sepChr m:val=""/>
+                                <m:grow/>
+                              </m:dPr>
+                              <m:e>
+                                <m:r>
+                                  <m:t>2</m:t>
+                                </m:r>
+                                <m:r>
+                                  <m:t>n</m:t>
+                                </m:r>
+                                <m:r>
+                                  <m:rPr>
+                                    <m:sty m:val="p"/>
+                                  </m:rPr>
+                                  <m:t>/</m:t>
+                                </m:r>
+                                <m:r>
+                                  <m:t>3</m:t>
+                                </m:r>
+                                <m:r>
+                                  <m:rPr>
+                                    <m:sty m:val="p"/>
+                                  </m:rPr>
+                                  <m:t>+</m:t>
+                                </m:r>
+                                <m:r>
+                                  <m:t>2</m:t>
+                                </m:r>
+                                <m:r>
+                                  <m:rPr>
+                                    <m:sty m:val="p"/>
+                                  </m:rPr>
+                                  <m:t>/</m:t>
+                                </m:r>
+                                <m:r>
+                                  <m:t>3</m:t>
+                                </m:r>
+                              </m:e>
+                            </m:d>
+                            <m:r>
+                              <m:rPr>
+                                <m:sty m:val="p"/>
+                              </m:rPr>
+                              <m:t>–</m:t>
+                            </m:r>
+                            <m:r>
+                              <m:t>1</m:t>
+                            </m:r>
+                          </m:e>
+                        </m:mr>
+                        <m:mr>
+                          <m:e/>
+                          <m:e>
+                            <m:r>
+                              <m:rPr>
+                                <m:sty m:val="p"/>
+                              </m:rPr>
+                              <m:t>=</m:t>
+                            </m:r>
+                            <m:f>
+                              <m:fPr>
+                                <m:type m:val="bar"/>
+                              </m:fPr>
+                              <m:num>
+                                <m:r>
+                                  <m:t>2</m:t>
+                                </m:r>
+                                <m:r>
+                                  <m:t>n</m:t>
+                                </m:r>
+                              </m:num>
+                              <m:den>
+                                <m:r>
+                                  <m:t>3</m:t>
+                                </m:r>
+                              </m:den>
+                            </m:f>
+                            <m:r>
+                              <m:rPr>
+                                <m:sty m:val="p"/>
+                              </m:rPr>
+                              <m:t>−</m:t>
+                            </m:r>
+                            <m:f>
+                              <m:fPr>
+                                <m:type m:val="bar"/>
+                              </m:fPr>
+                              <m:num>
+                                <m:r>
+                                  <m:t>1</m:t>
+                                </m:r>
+                              </m:num>
+                              <m:den>
+                                <m:r>
+                                  <m:t>3</m:t>
+                                </m:r>
+                              </m:den>
+                            </m:f>
+                            <m:r>
+                              <m:rPr>
+                                <m:sty m:val="p"/>
+                              </m:rPr>
+                              <m:t>≤</m:t>
+                            </m:r>
+                            <m:f>
+                              <m:fPr>
+                                <m:type m:val="bar"/>
+                              </m:fPr>
+                              <m:num>
+                                <m:r>
+                                  <m:t>2</m:t>
+                                </m:r>
+                                <m:r>
+                                  <m:t>n</m:t>
+                                </m:r>
+                              </m:num>
+                              <m:den>
+                                <m:r>
+                                  <m:t>3</m:t>
+                                </m:r>
+                              </m:den>
+                            </m:f>
+                          </m:e>
+                        </m:mr>
+                        <m:mr>
+                          <m:e>
+                            <m:r>
+                              <m:t>T</m:t>
+                            </m:r>
+                            <m:d>
+                              <m:dPr>
+                                <m:begChr m:val="("/>
+                                <m:endChr m:val=")"/>
+                                <m:sepChr m:val=""/>
+                                <m:grow/>
+                              </m:dPr>
+                              <m:e>
+                                <m:r>
+                                  <m:t>n</m:t>
+                                </m:r>
+                              </m:e>
+                            </m:d>
+                          </m:e>
+                          <m:e>
+                            <m:r>
+                              <m:rPr>
+                                <m:sty m:val="p"/>
+                              </m:rPr>
+                              <m:t>≤</m:t>
+                            </m:r>
+                            <m:r>
+                              <m:t>T</m:t>
+                            </m:r>
+                            <m:d>
+                              <m:dPr>
+                                <m:begChr m:val="("/>
+                                <m:endChr m:val=")"/>
+                                <m:sepChr m:val=""/>
+                                <m:grow/>
+                              </m:dPr>
+                              <m:e>
+                                <m:r>
+                                  <m:t>2</m:t>
+                                </m:r>
+                                <m:r>
+                                  <m:t>n</m:t>
+                                </m:r>
+                                <m:r>
+                                  <m:rPr>
+                                    <m:sty m:val="p"/>
+                                  </m:rPr>
+                                  <m:t>/</m:t>
+                                </m:r>
+                                <m:r>
+                                  <m:t>3</m:t>
+                                </m:r>
+                              </m:e>
+                            </m:d>
+                            <m:r>
+                              <m:rPr>
+                                <m:sty m:val="p"/>
+                              </m:rPr>
+                              <m:t>+</m:t>
+                            </m:r>
+                            <m:r>
+                              <m:t>Θ</m:t>
+                            </m:r>
+                            <m:d>
+                              <m:dPr>
+                                <m:begChr m:val="("/>
+                                <m:endChr m:val=")"/>
+                                <m:sepChr m:val=""/>
+                                <m:grow/>
+                              </m:dPr>
+                              <m:e>
+                                <m:r>
+                                  <m:t>1</m:t>
+                                </m:r>
+                              </m:e>
+                            </m:d>
+                          </m:e>
+                        </m:mr>
+                        <m:mr>
+                          <m:e>
+                            <m:r>
+                              <m:t>T</m:t>
+                            </m:r>
+                            <m:d>
+                              <m:dPr>
+                                <m:begChr m:val="("/>
+                                <m:endChr m:val=")"/>
+                                <m:sepChr m:val=""/>
+                                <m:grow/>
+                              </m:dPr>
+                              <m:e>
+                                <m:r>
+                                  <m:t>n</m:t>
+                                </m:r>
+                              </m:e>
+                            </m:d>
+                          </m:e>
+                          <m:e>
+                            <m:r>
+                              <m:rPr>
+                                <m:sty m:val="p"/>
+                              </m:rPr>
+                              <m:t>=</m:t>
+                            </m:r>
+                            <m:r>
+                              <m:t>O</m:t>
+                            </m:r>
+                            <m:d>
+                              <m:dPr>
+                                <m:begChr m:val="("/>
+                                <m:endChr m:val=")"/>
+                                <m:sepChr m:val=""/>
+                                <m:grow/>
+                              </m:dPr>
+                              <m:e>
+                                <m:r>
+                                  <m:t>l</m:t>
+                                </m:r>
+                                <m:r>
+                                  <m:t>g</m:t>
+                                </m:r>
+                                <m:r>
+                                  <m:t>n</m:t>
+                                </m:r>
+                              </m:e>
+                            </m:d>
+                          </m:e>
+                        </m:mr>
+                      </m:m>
+                    </m:oMath>
+                  </m:oMathPara>
+                </a14:m>
+              </a:p>
+              <a:p>
+                <a:pPr lvl="0"/>
+                <a:r>
+                  <a:rPr b="1"/>
+                  <a:t>By CASE-2 of Master Theorem</a:t>
+                </a:r>
+                <a:r>
+                  <a:rPr/>
+                  <a:t> </a:t>
+                </a:r>
+                <a14:m>
+                  <m:oMath xmlns:m="http://schemas.openxmlformats.org/officeDocument/2006/math">
+                    <m:r>
+                      <m:rPr>
+                        <m:sty m:val="p"/>
+                      </m:rPr>
+                      <m:t>⇒</m:t>
+                    </m:r>
+                  </m:oMath>
+                </a14:m>
+                <a:r>
+                  <a:rPr/>
+                  <a:t> </a:t>
+                </a:r>
+                <a14:m>
+                  <m:oMath xmlns:m="http://schemas.openxmlformats.org/officeDocument/2006/math">
+                    <m:r>
+                      <m:t>T</m:t>
+                    </m:r>
+                    <m:d>
+                      <m:dPr>
+                        <m:begChr m:val="("/>
+                        <m:endChr m:val=")"/>
+                        <m:sepChr m:val=""/>
+                        <m:grow/>
+                      </m:dPr>
+                      <m:e>
+                        <m:r>
+                          <m:t>n</m:t>
+                        </m:r>
+                      </m:e>
+                    </m:d>
+                    <m:r>
+                      <m:rPr>
+                        <m:sty m:val="p"/>
+                      </m:rPr>
+                      <m:t>=</m:t>
+                    </m:r>
+                    <m:r>
+                      <m:t>Θ</m:t>
+                    </m:r>
+                    <m:d>
+                      <m:dPr>
+                        <m:begChr m:val="("/>
+                        <m:endChr m:val=")"/>
+                        <m:sepChr m:val=""/>
+                        <m:grow/>
+                      </m:dPr>
+                      <m:e>
+                        <m:sSup>
+                          <m:e>
+                            <m:r>
+                              <m:t>n</m:t>
+                            </m:r>
+                          </m:e>
+                          <m:sup>
+                            <m:r>
+                              <m:t>l</m:t>
+                            </m:r>
+                            <m:r>
+                              <m:t>o</m:t>
+                            </m:r>
+                            <m:sSubSup>
+                              <m:e>
+                                <m:r>
+                                  <m:t>g</m:t>
+                                </m:r>
+                              </m:e>
+                              <m:sub>
+                                <m:r>
+                                  <m:t>b</m:t>
+                                </m:r>
+                              </m:sub>
+                              <m:sup>
+                                <m:r>
+                                  <m:t>a</m:t>
+                                </m:r>
+                              </m:sup>
+                            </m:sSubSup>
+                          </m:sup>
+                        </m:sSup>
+                        <m:r>
+                          <m:t>l</m:t>
+                        </m:r>
+                        <m:r>
+                          <m:t>g</m:t>
+                        </m:r>
+                        <m:r>
+                          <m:t>n</m:t>
+                        </m:r>
+                      </m:e>
+                    </m:d>
+                  </m:oMath>
+                </a14:m>
+              </a:p>
+            </p:txBody>
+          </p:sp>
+        </mc:Choice>
+      </mc:AlternateContent>
+    </p:spTree>
+  </p:cSld>
+</p:sld>
+</file>
+
+<file path=ppt/slides/slide33.xml><?xml version="1.0" encoding="utf-8"?>
+<p:sld xmlns:a="http://schemas.openxmlformats.org/drawingml/2006/main" xmlns:r="http://schemas.openxmlformats.org/officeDocument/2006/relationships" xmlns:p="http://schemas.openxmlformats.org/presentationml/2006/main">
+  <p:cSld>
+    <p:spTree>
+      <p:nvGrpSpPr>
+        <p:cNvPr id="1" name=""/>
+        <p:cNvGrpSpPr/>
+        <p:nvPr/>
+      </p:nvGrpSpPr>
+      <p:grpSpPr>
+        <a:xfrm>
+          <a:off x="0" y="0"/>
+          <a:ext cx="0" cy="0"/>
+          <a:chOff x="0" y="0"/>
+          <a:chExt cx="0" cy="0"/>
+        </a:xfrm>
+      </p:grpSpPr>
+      <p:sp>
+        <p:nvSpPr>
+          <p:cNvPr id="2" name="Title 1"/>
+          <p:cNvSpPr>
+            <a:spLocks noGrp="1"/>
+          </p:cNvSpPr>
+          <p:nvPr>
+            <p:ph type="title"/>
+          </p:nvPr>
+        </p:nvSpPr>
+        <p:spPr/>
+        <p:txBody>
+          <a:bodyPr/>
+          <a:lstStyle/>
+          <a:p>
+            <a:pPr lvl="0" indent="0" marL="0">
+              <a:buNone/>
+            </a:pPr>
+            <a:r>
+              <a:rPr/>
+              <a:t>Formal Analysis of HEAPIFY (2)</a:t>
+            </a:r>
+          </a:p>
+        </p:txBody>
+      </p:sp>
+      <mc:AlternateContent xmlns:mc="http://schemas.openxmlformats.org/markup-compatibility/2006">
+        <mc:Choice xmlns:a14="http://schemas.microsoft.com/office/drawing/2010/main" Requires="a14">
+          <p:sp>
+            <p:nvSpPr>
+              <p:cNvPr id="3" name="Content Placeholder 2"/>
+              <p:cNvSpPr>
+                <a:spLocks noGrp="1"/>
+              </p:cNvSpPr>
+              <p:nvPr>
+                <p:ph idx="1"/>
+              </p:nvPr>
+            </p:nvSpPr>
+            <p:spPr/>
+            <p:txBody>
+              <a:bodyPr/>
+              <a:lstStyle/>
+              <a:p>
+                <a:pPr lvl="0"/>
+                <a:r>
+                  <a:rPr/>
+                  <a:t>Recurrence: </a:t>
+                </a:r>
+                <a14:m>
+                  <m:oMath xmlns:m="http://schemas.openxmlformats.org/officeDocument/2006/math">
+                    <m:r>
+                      <m:t>T</m:t>
+                    </m:r>
+                    <m:d>
+                      <m:dPr>
+                        <m:begChr m:val="("/>
+                        <m:endChr m:val=")"/>
+                        <m:sepChr m:val=""/>
+                        <m:grow/>
+                      </m:dPr>
+                      <m:e>
+                        <m:r>
+                          <m:t>n</m:t>
+                        </m:r>
+                      </m:e>
+                    </m:d>
+                    <m:r>
+                      <m:rPr>
+                        <m:sty m:val="p"/>
+                      </m:rPr>
+                      <m:t>=</m:t>
+                    </m:r>
+                    <m:r>
+                      <m:t>a</m:t>
+                    </m:r>
+                    <m:r>
+                      <m:t>T</m:t>
+                    </m:r>
+                    <m:d>
+                      <m:dPr>
+                        <m:begChr m:val="("/>
+                        <m:endChr m:val=")"/>
+                        <m:sepChr m:val=""/>
+                        <m:grow/>
+                      </m:dPr>
+                      <m:e>
+                        <m:r>
+                          <m:t>n</m:t>
+                        </m:r>
+                        <m:r>
+                          <m:rPr>
+                            <m:sty m:val="p"/>
+                          </m:rPr>
+                          <m:t>/</m:t>
+                        </m:r>
+                        <m:r>
+                          <m:t>b</m:t>
+                        </m:r>
+                      </m:e>
+                    </m:d>
+                    <m:r>
+                      <m:rPr>
+                        <m:sty m:val="p"/>
+                      </m:rPr>
+                      <m:t>+</m:t>
+                    </m:r>
+                    <m:r>
+                      <m:t>f</m:t>
+                    </m:r>
+                    <m:d>
+                      <m:dPr>
+                        <m:begChr m:val="("/>
+                        <m:endChr m:val=")"/>
+                        <m:sepChr m:val=""/>
+                        <m:grow/>
+                      </m:dPr>
+                      <m:e>
+                        <m:r>
+                          <m:t>n</m:t>
+                        </m:r>
+                      </m:e>
+                    </m:d>
+                  </m:oMath>
+                </a14:m>
+              </a:p>
+              <a:p>
+                <a:pPr lvl="0"/>
+                <a:r>
+                  <a:rPr i="1"/>
+                  <a:t>Case 2:</a:t>
+                </a:r>
+                <a:r>
+                  <a:rPr/>
+                  <a:t> </a:t>
+                </a:r>
+                <a14:m>
+                  <m:oMath xmlns:m="http://schemas.openxmlformats.org/officeDocument/2006/math">
+                    <m:f>
+                      <m:fPr>
+                        <m:type m:val="bar"/>
+                      </m:fPr>
+                      <m:num>
+                        <m:r>
+                          <m:t>f</m:t>
+                        </m:r>
+                        <m:d>
+                          <m:dPr>
+                            <m:begChr m:val="("/>
+                            <m:endChr m:val=")"/>
+                            <m:sepChr m:val=""/>
+                            <m:grow/>
+                          </m:dPr>
+                          <m:e>
+                            <m:r>
+                              <m:t>n</m:t>
+                            </m:r>
+                          </m:e>
+                        </m:d>
+                      </m:num>
+                      <m:den>
+                        <m:sSup>
+                          <m:e>
+                            <m:r>
+                              <m:t>n</m:t>
+                            </m:r>
+                          </m:e>
+                          <m:sup>
+                            <m:r>
+                              <m:t>l</m:t>
+                            </m:r>
+                            <m:r>
+                              <m:t>o</m:t>
+                            </m:r>
+                            <m:sSubSup>
+                              <m:e>
+                                <m:r>
+                                  <m:t>g</m:t>
+                                </m:r>
+                              </m:e>
+                              <m:sub>
+                                <m:r>
+                                  <m:t>b</m:t>
+                                </m:r>
+                              </m:sub>
+                              <m:sup>
+                                <m:r>
+                                  <m:t>a</m:t>
+                                </m:r>
+                              </m:sup>
+                            </m:sSubSup>
+                          </m:sup>
+                        </m:sSup>
+                      </m:den>
+                    </m:f>
+                    <m:r>
+                      <m:rPr>
+                        <m:sty m:val="p"/>
+                      </m:rPr>
+                      <m:t>=</m:t>
+                    </m:r>
+                    <m:r>
+                      <m:t>Θ</m:t>
+                    </m:r>
+                    <m:d>
+                      <m:dPr>
+                        <m:begChr m:val="("/>
+                        <m:endChr m:val=")"/>
+                        <m:sepChr m:val=""/>
+                        <m:grow/>
+                      </m:dPr>
+                      <m:e>
+                        <m:r>
+                          <m:t>1</m:t>
+                        </m:r>
+                      </m:e>
+                    </m:d>
+                  </m:oMath>
+                </a14:m>
+              </a:p>
+              <a:p>
+                <a:pPr lvl="0"/>
+                <a:r>
+                  <a:rPr/>
+                  <a:t>i.e., </a:t>
+                </a:r>
+                <a14:m>
+                  <m:oMath xmlns:m="http://schemas.openxmlformats.org/officeDocument/2006/math">
+                    <m:r>
+                      <m:t>f</m:t>
+                    </m:r>
+                    <m:d>
+                      <m:dPr>
+                        <m:begChr m:val="("/>
+                        <m:endChr m:val=")"/>
+                        <m:sepChr m:val=""/>
+                        <m:grow/>
+                      </m:dPr>
+                      <m:e>
+                        <m:r>
+                          <m:t>n</m:t>
+                        </m:r>
+                      </m:e>
+                    </m:d>
+                  </m:oMath>
+                </a14:m>
+                <a:r>
+                  <a:rPr/>
+                  <a:t> and </a:t>
+                </a:r>
+                <a14:m>
+                  <m:oMath xmlns:m="http://schemas.openxmlformats.org/officeDocument/2006/math">
+                    <m:sSup>
+                      <m:e>
+                        <m:r>
+                          <m:t>n</m:t>
+                        </m:r>
+                      </m:e>
+                      <m:sup>
+                        <m:r>
+                          <m:t>l</m:t>
+                        </m:r>
+                        <m:r>
+                          <m:t>o</m:t>
+                        </m:r>
+                        <m:sSubSup>
+                          <m:e>
+                            <m:r>
+                              <m:t>g</m:t>
+                            </m:r>
+                          </m:e>
+                          <m:sub>
+                            <m:r>
+                              <m:t>b</m:t>
+                            </m:r>
+                          </m:sub>
+                          <m:sup>
+                            <m:r>
+                              <m:t>a</m:t>
+                            </m:r>
+                          </m:sup>
+                        </m:sSubSup>
+                      </m:sup>
+                    </m:sSup>
+                  </m:oMath>
+                </a14:m>
+                <a:r>
+                  <a:rPr/>
+                  <a:t> grow at similar rates</a:t>
+                </a:r>
+              </a:p>
+              <a:p>
+                <a:pPr lvl="0"/>
+                <a:r>
+                  <a:rPr b="1"/>
+                  <a:t>Solution:</a:t>
+                </a:r>
+                <a:r>
+                  <a:rPr/>
+                  <a:t> </a:t>
+                </a:r>
+                <a14:m>
+                  <m:oMath xmlns:m="http://schemas.openxmlformats.org/officeDocument/2006/math">
+                    <m:r>
+                      <m:t>T</m:t>
+                    </m:r>
+                    <m:d>
+                      <m:dPr>
+                        <m:begChr m:val="("/>
+                        <m:endChr m:val=")"/>
+                        <m:sepChr m:val=""/>
+                        <m:grow/>
+                      </m:dPr>
+                      <m:e>
+                        <m:r>
+                          <m:t>n</m:t>
+                        </m:r>
+                      </m:e>
+                    </m:d>
+                    <m:r>
+                      <m:rPr>
+                        <m:sty m:val="p"/>
+                      </m:rPr>
+                      <m:t>=</m:t>
+                    </m:r>
+                    <m:r>
+                      <m:t>Θ</m:t>
+                    </m:r>
+                    <m:d>
+                      <m:dPr>
+                        <m:begChr m:val="("/>
+                        <m:endChr m:val=")"/>
+                        <m:sepChr m:val=""/>
+                        <m:grow/>
+                      </m:dPr>
+                      <m:e>
+                        <m:sSup>
+                          <m:e>
+                            <m:r>
+                              <m:t>n</m:t>
+                            </m:r>
+                          </m:e>
+                          <m:sup>
+                            <m:r>
+                              <m:t>l</m:t>
+                            </m:r>
+                            <m:r>
+                              <m:t>o</m:t>
+                            </m:r>
+                            <m:sSubSup>
+                              <m:e>
+                                <m:r>
+                                  <m:t>g</m:t>
+                                </m:r>
+                              </m:e>
+                              <m:sub>
+                                <m:r>
+                                  <m:t>b</m:t>
+                                </m:r>
+                              </m:sub>
+                              <m:sup>
+                                <m:r>
+                                  <m:t>a</m:t>
+                                </m:r>
+                              </m:sup>
+                            </m:sSubSup>
+                          </m:sup>
+                        </m:sSup>
+                        <m:r>
+                          <m:t>l</m:t>
+                        </m:r>
+                        <m:r>
+                          <m:t>g</m:t>
+                        </m:r>
+                        <m:r>
+                          <m:t>n</m:t>
+                        </m:r>
+                      </m:e>
+                    </m:d>
+                  </m:oMath>
+                </a14:m>
+              </a:p>
+              <a:p>
+                <a:pPr lvl="1"/>
+                <a14:m>
+                  <m:oMath xmlns:m="http://schemas.openxmlformats.org/officeDocument/2006/math">
+                    <m:r>
+                      <m:t>T</m:t>
+                    </m:r>
+                    <m:d>
+                      <m:dPr>
+                        <m:begChr m:val="("/>
+                        <m:endChr m:val=")"/>
+                        <m:sepChr m:val=""/>
+                        <m:grow/>
+                      </m:dPr>
+                      <m:e>
+                        <m:r>
+                          <m:t>n</m:t>
+                        </m:r>
+                      </m:e>
+                    </m:d>
+                    <m:r>
+                      <m:rPr>
+                        <m:sty m:val="p"/>
+                      </m:rPr>
+                      <m:t>≤</m:t>
+                    </m:r>
+                    <m:r>
+                      <m:t>T</m:t>
+                    </m:r>
+                    <m:d>
+                      <m:dPr>
+                        <m:begChr m:val="("/>
+                        <m:endChr m:val=")"/>
+                        <m:sepChr m:val=""/>
+                        <m:grow/>
+                      </m:dPr>
+                      <m:e>
+                        <m:r>
+                          <m:t>2</m:t>
+                        </m:r>
+                        <m:r>
+                          <m:t>n</m:t>
+                        </m:r>
+                        <m:r>
+                          <m:rPr>
+                            <m:sty m:val="p"/>
+                          </m:rPr>
+                          <m:t>/</m:t>
+                        </m:r>
+                        <m:r>
+                          <m:t>3</m:t>
+                        </m:r>
+                      </m:e>
+                    </m:d>
+                    <m:r>
+                      <m:rPr>
+                        <m:sty m:val="p"/>
+                      </m:rPr>
+                      <m:t>+</m:t>
+                    </m:r>
+                    <m:r>
+                      <m:t>Θ</m:t>
+                    </m:r>
+                    <m:d>
+                      <m:dPr>
+                        <m:begChr m:val="("/>
+                        <m:endChr m:val=")"/>
+                        <m:sepChr m:val=""/>
+                        <m:grow/>
+                      </m:dPr>
+                      <m:e>
+                        <m:r>
+                          <m:t>1</m:t>
+                        </m:r>
+                      </m:e>
+                    </m:d>
+                  </m:oMath>
+                </a14:m>
+                <a:r>
+                  <a:rPr/>
+                  <a:t> (drop constants.)</a:t>
+                </a:r>
+              </a:p>
+              <a:p>
+                <a:pPr lvl="1"/>
+                <a14:m>
+                  <m:oMath xmlns:m="http://schemas.openxmlformats.org/officeDocument/2006/math">
+                    <m:r>
+                      <m:t>T</m:t>
+                    </m:r>
+                    <m:d>
+                      <m:dPr>
+                        <m:begChr m:val="("/>
+                        <m:endChr m:val=")"/>
+                        <m:sepChr m:val=""/>
+                        <m:grow/>
+                      </m:dPr>
+                      <m:e>
+                        <m:r>
+                          <m:t>n</m:t>
+                        </m:r>
+                      </m:e>
+                    </m:d>
+                    <m:r>
+                      <m:rPr>
+                        <m:sty m:val="p"/>
+                      </m:rPr>
+                      <m:t>≤</m:t>
+                    </m:r>
+                    <m:r>
+                      <m:t>Θ</m:t>
+                    </m:r>
+                    <m:d>
+                      <m:dPr>
+                        <m:begChr m:val="("/>
+                        <m:endChr m:val=")"/>
+                        <m:sepChr m:val=""/>
+                        <m:grow/>
+                      </m:dPr>
+                      <m:e>
+                        <m:sSup>
+                          <m:e>
+                            <m:r>
+                              <m:t>n</m:t>
+                            </m:r>
+                          </m:e>
+                          <m:sup>
+                            <m:r>
+                              <m:t>l</m:t>
+                            </m:r>
+                            <m:r>
+                              <m:t>o</m:t>
+                            </m:r>
+                            <m:sSubSup>
+                              <m:e>
+                                <m:r>
+                                  <m:t>g</m:t>
+                                </m:r>
+                              </m:e>
+                              <m:sub>
+                                <m:r>
+                                  <m:t>3</m:t>
+                                </m:r>
+                              </m:sub>
+                              <m:sup>
+                                <m:r>
+                                  <m:t>1</m:t>
+                                </m:r>
+                              </m:sup>
+                            </m:sSubSup>
+                          </m:sup>
+                        </m:sSup>
+                        <m:r>
+                          <m:t>l</m:t>
+                        </m:r>
+                        <m:r>
+                          <m:t>g</m:t>
+                        </m:r>
+                        <m:r>
+                          <m:t>n</m:t>
+                        </m:r>
+                      </m:e>
+                    </m:d>
+                  </m:oMath>
+                </a14:m>
+              </a:p>
+              <a:p>
+                <a:pPr lvl="1"/>
+                <a14:m>
+                  <m:oMath xmlns:m="http://schemas.openxmlformats.org/officeDocument/2006/math">
+                    <m:r>
+                      <m:t>T</m:t>
+                    </m:r>
+                    <m:d>
+                      <m:dPr>
+                        <m:begChr m:val="("/>
+                        <m:endChr m:val=")"/>
+                        <m:sepChr m:val=""/>
+                        <m:grow/>
+                      </m:dPr>
+                      <m:e>
+                        <m:r>
+                          <m:t>n</m:t>
+                        </m:r>
+                      </m:e>
+                    </m:d>
+                    <m:r>
+                      <m:rPr>
+                        <m:sty m:val="p"/>
+                      </m:rPr>
+                      <m:t>≤</m:t>
+                    </m:r>
+                    <m:r>
+                      <m:t>Θ</m:t>
+                    </m:r>
+                    <m:d>
+                      <m:dPr>
+                        <m:begChr m:val="("/>
+                        <m:endChr m:val=")"/>
+                        <m:sepChr m:val=""/>
+                        <m:grow/>
+                      </m:dPr>
+                      <m:e>
+                        <m:sSup>
+                          <m:e>
+                            <m:r>
+                              <m:t>n</m:t>
+                            </m:r>
+                          </m:e>
+                          <m:sup>
+                            <m:r>
+                              <m:t>0</m:t>
+                            </m:r>
+                          </m:sup>
+                        </m:sSup>
+                        <m:r>
+                          <m:t>l</m:t>
+                        </m:r>
+                        <m:r>
+                          <m:t>g</m:t>
+                        </m:r>
+                        <m:r>
+                          <m:t>n</m:t>
+                        </m:r>
+                      </m:e>
+                    </m:d>
+                  </m:oMath>
+                </a14:m>
+              </a:p>
+              <a:p>
+                <a:pPr lvl="0" indent="0" marL="0">
+                  <a:spcBef>
+                    <a:spcPts val="3000"/>
+                  </a:spcBef>
+                  <a:buNone/>
+                </a:pPr>
+                <a14:m>
+                  <m:oMath xmlns:m="http://schemas.openxmlformats.org/officeDocument/2006/math">
+                    <m:r>
+                      <m:t>T</m:t>
+                    </m:r>
+                    <m:d>
+                      <m:dPr>
+                        <m:begChr m:val="("/>
+                        <m:endChr m:val=")"/>
+                        <m:sepChr m:val=""/>
+                        <m:grow/>
+                      </m:dPr>
+                      <m:e>
+                        <m:r>
+                          <m:t>n</m:t>
+                        </m:r>
+                      </m:e>
+                    </m:d>
+                    <m:r>
+                      <m:rPr>
+                        <m:sty m:val="p"/>
+                      </m:rPr>
+                      <m:t>=</m:t>
+                    </m:r>
+                    <m:r>
+                      <m:t>O</m:t>
+                    </m:r>
+                    <m:d>
+                      <m:dPr>
+                        <m:begChr m:val="("/>
+                        <m:endChr m:val=")"/>
+                        <m:sepChr m:val=""/>
+                        <m:grow/>
+                      </m:dPr>
+                      <m:e>
+                        <m:r>
+                          <m:t>l</m:t>
+                        </m:r>
+                        <m:r>
+                          <m:t>g</m:t>
+                        </m:r>
+                        <m:r>
+                          <m:t>n</m:t>
+                        </m:r>
+                      </m:e>
+                    </m:d>
+                  </m:oMath>
+                </a14:m>
+              </a:p>
+              <a:p>
+                <a:pPr lvl="0" indent="0" marL="0">
+                  <a:spcBef>
+                    <a:spcPts val="3000"/>
+                  </a:spcBef>
+                  <a:buNone/>
+                </a:pPr>
+                <a:r>
+                  <a:rPr b="1"/>
+                  <a:t>HEAPIFY: Efficiency Issues</a:t>
+                </a:r>
+              </a:p>
+              <a:p>
+                <a:pPr lvl="0"/>
+                <a:r>
+                  <a:rPr b="1"/>
+                  <a:t>Recursion vs Iteration:</a:t>
+                </a:r>
+              </a:p>
+              <a:p>
+                <a:pPr lvl="1"/>
+                <a:r>
+                  <a:rPr/>
+                  <a:t>In the absence of tail recursion, </a:t>
+                </a:r>
+                <a:r>
+                  <a:rPr b="1"/>
+                  <a:t>iterative version</a:t>
+                </a:r>
+                <a:r>
+                  <a:rPr/>
+                  <a:t> is in general </a:t>
+                </a:r>
+                <a:r>
+                  <a:rPr b="1"/>
+                  <a:t>more efficient</a:t>
+                </a:r>
+                <a:r>
+                  <a:rPr/>
+                  <a:t> because of the </a:t>
+                </a:r>
+                <a:r>
+                  <a:rPr b="1"/>
+                  <a:t>pop/push</a:t>
+                </a:r>
+                <a:r>
+                  <a:rPr/>
+                  <a:t> operations </a:t>
+                </a:r>
+                <a:r>
+                  <a:rPr b="1"/>
+                  <a:t>to/from</a:t>
+                </a:r>
+                <a:r>
+                  <a:rPr/>
+                  <a:t> stack at each </a:t>
+                </a:r>
+                <a:r>
+                  <a:rPr b="1"/>
+                  <a:t>level of recursion</a:t>
+                </a:r>
+                <a:r>
+                  <a:rPr/>
+                  <a:t>.</a:t>
+                </a:r>
+              </a:p>
+            </p:txBody>
+          </p:sp>
+        </mc:Choice>
+      </mc:AlternateContent>
+    </p:spTree>
+  </p:cSld>
+</p:sld>
+</file>
+
+<file path=ppt/slides/slide34.xml><?xml version="1.0" encoding="utf-8"?>
+<p:sld xmlns:a="http://schemas.openxmlformats.org/drawingml/2006/main" xmlns:r="http://schemas.openxmlformats.org/officeDocument/2006/relationships" xmlns:p="http://schemas.openxmlformats.org/presentationml/2006/main">
+  <p:cSld>
+    <p:spTree>
+      <p:nvGrpSpPr>
+        <p:cNvPr id="1" name=""/>
+        <p:cNvGrpSpPr/>
+        <p:nvPr/>
+      </p:nvGrpSpPr>
+      <p:grpSpPr>
+        <a:xfrm>
+          <a:off x="0" y="0"/>
+          <a:ext cx="0" cy="0"/>
+          <a:chOff x="0" y="0"/>
+          <a:chExt cx="0" cy="0"/>
+        </a:xfrm>
+      </p:grpSpPr>
+      <p:sp>
+        <p:nvSpPr>
+          <p:cNvPr id="2" name="Title 1"/>
+          <p:cNvSpPr>
+            <a:spLocks noGrp="1"/>
+          </p:cNvSpPr>
+          <p:nvPr>
+            <p:ph type="title"/>
+          </p:nvPr>
+        </p:nvSpPr>
+        <p:spPr/>
+        <p:txBody>
+          <a:bodyPr/>
+          <a:lstStyle/>
+          <a:p>
+            <a:pPr lvl="0" indent="0" marL="0">
+              <a:buNone/>
+            </a:pPr>
+            <a:r>
+              <a:rPr/>
+              <a:t>Heap Operations: HEAPIFY (1)</a:t>
+            </a:r>
+          </a:p>
+        </p:txBody>
+      </p:sp>
+      <p:sp>
+        <p:nvSpPr>
+          <p:cNvPr id="3" name="Content Placeholder 2"/>
+          <p:cNvSpPr>
+            <a:spLocks noGrp="1"/>
+          </p:cNvSpPr>
+          <p:nvPr>
+            <p:ph idx="1"/>
+          </p:nvPr>
+        </p:nvSpPr>
+        <p:spPr/>
+        <p:txBody>
+          <a:bodyPr/>
+          <a:lstStyle/>
+          <a:p>
+            <a:pPr lvl="0" indent="0" marL="0">
+              <a:buNone/>
+            </a:pPr>
+            <a:r>
+              <a:rPr b="1"/>
+              <a:t>Recursive</a:t>
+            </a:r>
+          </a:p>
+          <a:p>
+            <a:pPr lvl="0" indent="0">
+              <a:buNone/>
+            </a:pPr>
+            <a:r>
+              <a:rPr>
+                <a:latin typeface="Courier"/>
+              </a:rPr>
+              <a:t>  </a:t>
+            </a:r>
+            <a:r>
+              <a:rPr>
+                <a:solidFill>
+                  <a:srgbClr val="06287E"/>
+                </a:solidFill>
+                <a:latin typeface="Courier"/>
+              </a:rPr>
+              <a:t>HEAPIFY</a:t>
+            </a:r>
+            <a:r>
+              <a:rPr>
+                <a:latin typeface="Courier"/>
+              </a:rPr>
+              <a:t>(A, i, n)</a:t>
+            </a:r>
+            <a:br/>
+            <a:r>
+              <a:rPr>
+                <a:latin typeface="Courier"/>
+              </a:rPr>
+              <a:t>  largest </a:t>
+            </a:r>
+            <a:r>
+              <a:rPr>
+                <a:solidFill>
+                  <a:srgbClr val="007020"/>
+                </a:solidFill>
+                <a:latin typeface="Courier"/>
+              </a:rPr>
+              <a:t>=</a:t>
+            </a:r>
+            <a:r>
+              <a:rPr>
+                <a:latin typeface="Courier"/>
+              </a:rPr>
+              <a:t> i </a:t>
+            </a:r>
+            <a:br/>
+            <a:br/>
+            <a:r>
+              <a:rPr>
+                <a:latin typeface="Courier"/>
+              </a:rPr>
+              <a:t>  </a:t>
+            </a:r>
+            <a:r>
+              <a:rPr b="1">
+                <a:solidFill>
+                  <a:srgbClr val="007020"/>
+                </a:solidFill>
+                <a:latin typeface="Courier"/>
+              </a:rPr>
+              <a:t>if</a:t>
+            </a:r>
+            <a:r>
+              <a:rPr>
+                <a:latin typeface="Courier"/>
+              </a:rPr>
+              <a:t> 2i </a:t>
+            </a:r>
+            <a:r>
+              <a:rPr>
+                <a:solidFill>
+                  <a:srgbClr val="4070A0"/>
+                </a:solidFill>
+                <a:latin typeface="Courier"/>
+              </a:rPr>
+              <a:t>&lt;=</a:t>
+            </a:r>
+            <a:r>
+              <a:rPr>
+                <a:latin typeface="Courier"/>
+              </a:rPr>
+              <a:t> n and A[2i] </a:t>
+            </a:r>
+            <a:r>
+              <a:rPr>
+                <a:solidFill>
+                  <a:srgbClr val="4070A0"/>
+                </a:solidFill>
+                <a:latin typeface="Courier"/>
+              </a:rPr>
+              <a:t>&gt;</a:t>
+            </a:r>
+            <a:r>
+              <a:rPr>
+                <a:latin typeface="Courier"/>
+              </a:rPr>
+              <a:t> A[i] then </a:t>
+            </a:r>
+            <a:br/>
+            <a:r>
+              <a:rPr>
+                <a:latin typeface="Courier"/>
+              </a:rPr>
+              <a:t>    largest </a:t>
+            </a:r>
+            <a:r>
+              <a:rPr>
+                <a:solidFill>
+                  <a:srgbClr val="007020"/>
+                </a:solidFill>
+                <a:latin typeface="Courier"/>
+              </a:rPr>
+              <a:t>=</a:t>
+            </a:r>
+            <a:r>
+              <a:rPr>
+                <a:latin typeface="Courier"/>
+              </a:rPr>
+              <a:t> 2i</a:t>
+            </a:r>
+            <a:br/>
+            <a:br/>
+            <a:r>
+              <a:rPr>
+                <a:latin typeface="Courier"/>
+              </a:rPr>
+              <a:t>  </a:t>
+            </a:r>
+            <a:r>
+              <a:rPr b="1">
+                <a:solidFill>
+                  <a:srgbClr val="007020"/>
+                </a:solidFill>
+                <a:latin typeface="Courier"/>
+              </a:rPr>
+              <a:t>if</a:t>
+            </a:r>
+            <a:r>
+              <a:rPr>
+                <a:latin typeface="Courier"/>
+              </a:rPr>
+              <a:t> 2i</a:t>
+            </a:r>
+            <a:r>
+              <a:rPr>
+                <a:solidFill>
+                  <a:srgbClr val="4070A0"/>
+                </a:solidFill>
+                <a:latin typeface="Courier"/>
+              </a:rPr>
+              <a:t>+</a:t>
+            </a:r>
+            <a:r>
+              <a:rPr>
+                <a:solidFill>
+                  <a:srgbClr val="40A070"/>
+                </a:solidFill>
+                <a:latin typeface="Courier"/>
+              </a:rPr>
+              <a:t>1</a:t>
+            </a:r>
+            <a:r>
+              <a:rPr>
+                <a:latin typeface="Courier"/>
+              </a:rPr>
+              <a:t> </a:t>
+            </a:r>
+            <a:r>
+              <a:rPr>
+                <a:solidFill>
+                  <a:srgbClr val="4070A0"/>
+                </a:solidFill>
+                <a:latin typeface="Courier"/>
+              </a:rPr>
+              <a:t>&lt;=</a:t>
+            </a:r>
+            <a:r>
+              <a:rPr>
+                <a:latin typeface="Courier"/>
+              </a:rPr>
+              <a:t> n and A[2i</a:t>
+            </a:r>
+            <a:r>
+              <a:rPr>
+                <a:solidFill>
+                  <a:srgbClr val="4070A0"/>
+                </a:solidFill>
+                <a:latin typeface="Courier"/>
+              </a:rPr>
+              <a:t>+</a:t>
+            </a:r>
+            <a:r>
+              <a:rPr>
+                <a:solidFill>
+                  <a:srgbClr val="40A070"/>
+                </a:solidFill>
+                <a:latin typeface="Courier"/>
+              </a:rPr>
+              <a:t>1</a:t>
+            </a:r>
+            <a:r>
+              <a:rPr>
+                <a:latin typeface="Courier"/>
+              </a:rPr>
+              <a:t>] </a:t>
+            </a:r>
+            <a:r>
+              <a:rPr>
+                <a:solidFill>
+                  <a:srgbClr val="4070A0"/>
+                </a:solidFill>
+                <a:latin typeface="Courier"/>
+              </a:rPr>
+              <a:t>&gt;</a:t>
+            </a:r>
+            <a:r>
+              <a:rPr>
+                <a:latin typeface="Courier"/>
+              </a:rPr>
+              <a:t> A[largest] then </a:t>
+            </a:r>
+            <a:br/>
+            <a:r>
+              <a:rPr>
+                <a:latin typeface="Courier"/>
+              </a:rPr>
+              <a:t>    largest </a:t>
+            </a:r>
+            <a:r>
+              <a:rPr>
+                <a:solidFill>
+                  <a:srgbClr val="007020"/>
+                </a:solidFill>
+                <a:latin typeface="Courier"/>
+              </a:rPr>
+              <a:t>=</a:t>
+            </a:r>
+            <a:r>
+              <a:rPr>
+                <a:latin typeface="Courier"/>
+              </a:rPr>
+              <a:t> 2i</a:t>
+            </a:r>
+            <a:r>
+              <a:rPr>
+                <a:solidFill>
+                  <a:srgbClr val="4070A0"/>
+                </a:solidFill>
+                <a:latin typeface="Courier"/>
+              </a:rPr>
+              <a:t>+</a:t>
+            </a:r>
+            <a:r>
+              <a:rPr>
+                <a:solidFill>
+                  <a:srgbClr val="40A070"/>
+                </a:solidFill>
+                <a:latin typeface="Courier"/>
+              </a:rPr>
+              <a:t>1</a:t>
+            </a:r>
+            <a:br/>
+            <a:br/>
+            <a:r>
+              <a:rPr>
+                <a:latin typeface="Courier"/>
+              </a:rPr>
+              <a:t>  </a:t>
+            </a:r>
+            <a:r>
+              <a:rPr b="1">
+                <a:solidFill>
+                  <a:srgbClr val="007020"/>
+                </a:solidFill>
+                <a:latin typeface="Courier"/>
+              </a:rPr>
+              <a:t>if</a:t>
+            </a:r>
+            <a:r>
+              <a:rPr>
+                <a:latin typeface="Courier"/>
+              </a:rPr>
+              <a:t> largest </a:t>
+            </a:r>
+            <a:r>
+              <a:rPr>
+                <a:solidFill>
+                  <a:srgbClr val="4070A0"/>
+                </a:solidFill>
+                <a:latin typeface="Courier"/>
+              </a:rPr>
+              <a:t>!=</a:t>
+            </a:r>
+            <a:r>
+              <a:rPr>
+                <a:latin typeface="Courier"/>
+              </a:rPr>
+              <a:t> i  then</a:t>
+            </a:r>
+            <a:br/>
+            <a:r>
+              <a:rPr>
+                <a:latin typeface="Courier"/>
+              </a:rPr>
+              <a:t>    exchange A[i] with A[largest]</a:t>
+            </a:r>
+            <a:br/>
+            <a:r>
+              <a:rPr>
+                <a:latin typeface="Courier"/>
+              </a:rPr>
+              <a:t>    </a:t>
+            </a:r>
+            <a:r>
+              <a:rPr>
+                <a:solidFill>
+                  <a:srgbClr val="06287E"/>
+                </a:solidFill>
+                <a:latin typeface="Courier"/>
+              </a:rPr>
+              <a:t>HEAPIFY</a:t>
+            </a:r>
+            <a:r>
+              <a:rPr>
+                <a:latin typeface="Courier"/>
+              </a:rPr>
+              <a:t>(A, largest, n)</a:t>
+            </a:r>
+          </a:p>
+        </p:txBody>
+      </p:sp>
+    </p:spTree>
+  </p:cSld>
+</p:sld>
+</file>
+
+<file path=ppt/slides/slide35.xml><?xml version="1.0" encoding="utf-8"?>
+<p:sld xmlns:a="http://schemas.openxmlformats.org/drawingml/2006/main" xmlns:r="http://schemas.openxmlformats.org/officeDocument/2006/relationships" xmlns:p="http://schemas.openxmlformats.org/presentationml/2006/main">
+  <p:cSld>
+    <p:spTree>
+      <p:nvGrpSpPr>
+        <p:cNvPr id="1" name=""/>
+        <p:cNvGrpSpPr/>
+        <p:nvPr/>
+      </p:nvGrpSpPr>
+      <p:grpSpPr>
+        <a:xfrm>
+          <a:off x="0" y="0"/>
+          <a:ext cx="0" cy="0"/>
+          <a:chOff x="0" y="0"/>
+          <a:chExt cx="0" cy="0"/>
+        </a:xfrm>
+      </p:grpSpPr>
+      <p:sp>
+        <p:nvSpPr>
+          <p:cNvPr id="2" name="Title 1"/>
+          <p:cNvSpPr>
+            <a:spLocks noGrp="1"/>
+          </p:cNvSpPr>
+          <p:nvPr>
+            <p:ph type="title"/>
+          </p:nvPr>
+        </p:nvSpPr>
+        <p:spPr/>
+        <p:txBody>
+          <a:bodyPr/>
+          <a:lstStyle/>
+          <a:p>
+            <a:pPr lvl="0" indent="0" marL="0">
+              <a:buNone/>
+            </a:pPr>
+            <a:r>
+              <a:rPr/>
+              <a:t>Heap Operations: HEAPIFY (2)</a:t>
+            </a:r>
+          </a:p>
+        </p:txBody>
+      </p:sp>
+      <p:sp>
+        <p:nvSpPr>
+          <p:cNvPr id="3" name="Content Placeholder 2"/>
+          <p:cNvSpPr>
+            <a:spLocks noGrp="1"/>
+          </p:cNvSpPr>
+          <p:nvPr>
+            <p:ph idx="1"/>
+          </p:nvPr>
+        </p:nvSpPr>
+        <p:spPr/>
+        <p:txBody>
+          <a:bodyPr/>
+          <a:lstStyle/>
+          <a:p>
+            <a:pPr lvl="0" indent="0" marL="0">
+              <a:buNone/>
+            </a:pPr>
+            <a:r>
+              <a:rPr b="1"/>
+              <a:t>Iterative</a:t>
+            </a:r>
+          </a:p>
+          <a:p>
+            <a:pPr lvl="0" indent="0">
+              <a:buNone/>
+            </a:pPr>
+            <a:r>
+              <a:rPr>
+                <a:solidFill>
+                  <a:srgbClr val="06287E"/>
+                </a:solidFill>
+                <a:latin typeface="Courier"/>
+              </a:rPr>
+              <a:t>HEAPIFY</a:t>
+            </a:r>
+            <a:r>
+              <a:rPr>
+                <a:latin typeface="Courier"/>
+              </a:rPr>
+              <a:t>(A, i, n)</a:t>
+            </a:r>
+            <a:br/>
+            <a:r>
+              <a:rPr>
+                <a:latin typeface="Courier"/>
+              </a:rPr>
+              <a:t>  j </a:t>
+            </a:r>
+            <a:r>
+              <a:rPr>
+                <a:solidFill>
+                  <a:srgbClr val="007020"/>
+                </a:solidFill>
+                <a:latin typeface="Courier"/>
+              </a:rPr>
+              <a:t>=</a:t>
+            </a:r>
+            <a:r>
+              <a:rPr>
+                <a:latin typeface="Courier"/>
+              </a:rPr>
+              <a:t> i</a:t>
+            </a:r>
+            <a:br/>
+            <a:r>
+              <a:rPr>
+                <a:latin typeface="Courier"/>
+              </a:rPr>
+              <a:t>  </a:t>
+            </a:r>
+            <a:r>
+              <a:rPr b="1">
+                <a:solidFill>
+                  <a:srgbClr val="007020"/>
+                </a:solidFill>
+                <a:latin typeface="Courier"/>
+              </a:rPr>
+              <a:t>while</a:t>
+            </a:r>
+            <a:r>
+              <a:rPr>
+                <a:latin typeface="Courier"/>
+              </a:rPr>
+              <a:t>(true) do</a:t>
+            </a:r>
+            <a:br/>
+            <a:r>
+              <a:rPr>
+                <a:latin typeface="Courier"/>
+              </a:rPr>
+              <a:t>    largest </a:t>
+            </a:r>
+            <a:r>
+              <a:rPr>
+                <a:solidFill>
+                  <a:srgbClr val="007020"/>
+                </a:solidFill>
+                <a:latin typeface="Courier"/>
+              </a:rPr>
+              <a:t>=</a:t>
+            </a:r>
+            <a:r>
+              <a:rPr>
+                <a:latin typeface="Courier"/>
+              </a:rPr>
+              <a:t> j </a:t>
+            </a:r>
+            <a:br/>
+            <a:br/>
+            <a:r>
+              <a:rPr>
+                <a:latin typeface="Courier"/>
+              </a:rPr>
+              <a:t>  </a:t>
+            </a:r>
+            <a:r>
+              <a:rPr b="1">
+                <a:solidFill>
+                  <a:srgbClr val="007020"/>
+                </a:solidFill>
+                <a:latin typeface="Courier"/>
+              </a:rPr>
+              <a:t>if</a:t>
+            </a:r>
+            <a:r>
+              <a:rPr>
+                <a:latin typeface="Courier"/>
+              </a:rPr>
+              <a:t> 2j </a:t>
+            </a:r>
+            <a:r>
+              <a:rPr>
+                <a:solidFill>
+                  <a:srgbClr val="4070A0"/>
+                </a:solidFill>
+                <a:latin typeface="Courier"/>
+              </a:rPr>
+              <a:t>&lt;=</a:t>
+            </a:r>
+            <a:r>
+              <a:rPr>
+                <a:latin typeface="Courier"/>
+              </a:rPr>
+              <a:t> n and A[2j] </a:t>
+            </a:r>
+            <a:r>
+              <a:rPr>
+                <a:solidFill>
+                  <a:srgbClr val="4070A0"/>
+                </a:solidFill>
+                <a:latin typeface="Courier"/>
+              </a:rPr>
+              <a:t>&gt;</a:t>
+            </a:r>
+            <a:r>
+              <a:rPr>
+                <a:latin typeface="Courier"/>
+              </a:rPr>
+              <a:t> A[j] then </a:t>
+            </a:r>
+            <a:br/>
+            <a:r>
+              <a:rPr>
+                <a:latin typeface="Courier"/>
+              </a:rPr>
+              <a:t>    largest </a:t>
+            </a:r>
+            <a:r>
+              <a:rPr>
+                <a:solidFill>
+                  <a:srgbClr val="007020"/>
+                </a:solidFill>
+                <a:latin typeface="Courier"/>
+              </a:rPr>
+              <a:t>=</a:t>
+            </a:r>
+            <a:r>
+              <a:rPr>
+                <a:latin typeface="Courier"/>
+              </a:rPr>
+              <a:t> 2j</a:t>
+            </a:r>
+            <a:br/>
+            <a:br/>
+            <a:r>
+              <a:rPr>
+                <a:latin typeface="Courier"/>
+              </a:rPr>
+              <a:t>  </a:t>
+            </a:r>
+            <a:r>
+              <a:rPr b="1">
+                <a:solidFill>
+                  <a:srgbClr val="007020"/>
+                </a:solidFill>
+                <a:latin typeface="Courier"/>
+              </a:rPr>
+              <a:t>if</a:t>
+            </a:r>
+            <a:r>
+              <a:rPr>
+                <a:latin typeface="Courier"/>
+              </a:rPr>
+              <a:t> 2j</a:t>
+            </a:r>
+            <a:r>
+              <a:rPr>
+                <a:solidFill>
+                  <a:srgbClr val="4070A0"/>
+                </a:solidFill>
+                <a:latin typeface="Courier"/>
+              </a:rPr>
+              <a:t>+</a:t>
+            </a:r>
+            <a:r>
+              <a:rPr>
+                <a:solidFill>
+                  <a:srgbClr val="40A070"/>
+                </a:solidFill>
+                <a:latin typeface="Courier"/>
+              </a:rPr>
+              <a:t>1</a:t>
+            </a:r>
+            <a:r>
+              <a:rPr>
+                <a:latin typeface="Courier"/>
+              </a:rPr>
+              <a:t> </a:t>
+            </a:r>
+            <a:r>
+              <a:rPr>
+                <a:solidFill>
+                  <a:srgbClr val="4070A0"/>
+                </a:solidFill>
+                <a:latin typeface="Courier"/>
+              </a:rPr>
+              <a:t>&lt;=</a:t>
+            </a:r>
+            <a:r>
+              <a:rPr>
+                <a:latin typeface="Courier"/>
+              </a:rPr>
+              <a:t> n and A[2j</a:t>
+            </a:r>
+            <a:r>
+              <a:rPr>
+                <a:solidFill>
+                  <a:srgbClr val="4070A0"/>
+                </a:solidFill>
+                <a:latin typeface="Courier"/>
+              </a:rPr>
+              <a:t>+</a:t>
+            </a:r>
+            <a:r>
+              <a:rPr>
+                <a:solidFill>
+                  <a:srgbClr val="40A070"/>
+                </a:solidFill>
+                <a:latin typeface="Courier"/>
+              </a:rPr>
+              <a:t>1</a:t>
+            </a:r>
+            <a:r>
+              <a:rPr>
+                <a:latin typeface="Courier"/>
+              </a:rPr>
+              <a:t>] </a:t>
+            </a:r>
+            <a:r>
+              <a:rPr>
+                <a:solidFill>
+                  <a:srgbClr val="4070A0"/>
+                </a:solidFill>
+                <a:latin typeface="Courier"/>
+              </a:rPr>
+              <a:t>&gt;</a:t>
+            </a:r>
+            <a:r>
+              <a:rPr>
+                <a:latin typeface="Courier"/>
+              </a:rPr>
+              <a:t> A[largest] then </a:t>
+            </a:r>
+            <a:br/>
+            <a:r>
+              <a:rPr>
+                <a:latin typeface="Courier"/>
+              </a:rPr>
+              <a:t>    largest </a:t>
+            </a:r>
+            <a:r>
+              <a:rPr>
+                <a:solidFill>
+                  <a:srgbClr val="007020"/>
+                </a:solidFill>
+                <a:latin typeface="Courier"/>
+              </a:rPr>
+              <a:t>=</a:t>
+            </a:r>
+            <a:r>
+              <a:rPr>
+                <a:latin typeface="Courier"/>
+              </a:rPr>
+              <a:t> 2j</a:t>
+            </a:r>
+            <a:r>
+              <a:rPr>
+                <a:solidFill>
+                  <a:srgbClr val="4070A0"/>
+                </a:solidFill>
+                <a:latin typeface="Courier"/>
+              </a:rPr>
+              <a:t>+</a:t>
+            </a:r>
+            <a:r>
+              <a:rPr>
+                <a:solidFill>
+                  <a:srgbClr val="40A070"/>
+                </a:solidFill>
+                <a:latin typeface="Courier"/>
+              </a:rPr>
+              <a:t>1</a:t>
+            </a:r>
+            <a:br/>
+            <a:br/>
+            <a:r>
+              <a:rPr>
+                <a:latin typeface="Courier"/>
+              </a:rPr>
+              <a:t>  </a:t>
+            </a:r>
+            <a:r>
+              <a:rPr b="1">
+                <a:solidFill>
+                  <a:srgbClr val="007020"/>
+                </a:solidFill>
+                <a:latin typeface="Courier"/>
+              </a:rPr>
+              <a:t>if</a:t>
+            </a:r>
+            <a:r>
+              <a:rPr>
+                <a:latin typeface="Courier"/>
+              </a:rPr>
+              <a:t> largest </a:t>
+            </a:r>
+            <a:r>
+              <a:rPr>
+                <a:solidFill>
+                  <a:srgbClr val="4070A0"/>
+                </a:solidFill>
+                <a:latin typeface="Courier"/>
+              </a:rPr>
+              <a:t>!=</a:t>
+            </a:r>
+            <a:r>
+              <a:rPr>
+                <a:latin typeface="Courier"/>
+              </a:rPr>
+              <a:t> j  then</a:t>
+            </a:r>
+            <a:br/>
+            <a:r>
+              <a:rPr>
+                <a:latin typeface="Courier"/>
+              </a:rPr>
+              <a:t>    exchange A[j] with A[largest]</a:t>
+            </a:r>
+            <a:br/>
+            <a:r>
+              <a:rPr>
+                <a:latin typeface="Courier"/>
+              </a:rPr>
+              <a:t>    j </a:t>
+            </a:r>
+            <a:r>
+              <a:rPr>
+                <a:solidFill>
+                  <a:srgbClr val="007020"/>
+                </a:solidFill>
+                <a:latin typeface="Courier"/>
+              </a:rPr>
+              <a:t>=</a:t>
+            </a:r>
+            <a:r>
+              <a:rPr>
+                <a:latin typeface="Courier"/>
+              </a:rPr>
+              <a:t> largest</a:t>
+            </a:r>
+            <a:br/>
+            <a:r>
+              <a:rPr>
+                <a:latin typeface="Courier"/>
+              </a:rPr>
+              <a:t>  </a:t>
+            </a:r>
+            <a:r>
+              <a:rPr b="1">
+                <a:solidFill>
+                  <a:srgbClr val="007020"/>
+                </a:solidFill>
+                <a:latin typeface="Courier"/>
+              </a:rPr>
+              <a:t>else</a:t>
+            </a:r>
+            <a:r>
+              <a:rPr>
+                <a:latin typeface="Courier"/>
+              </a:rPr>
+              <a:t> return</a:t>
+            </a:r>
+          </a:p>
+        </p:txBody>
+      </p:sp>
+    </p:spTree>
+  </p:cSld>
+</p:sld>
+</file>
+
+<file path=ppt/slides/slide36.xml><?xml version="1.0" encoding="utf-8"?>
+<p:sld xmlns:a="http://schemas.openxmlformats.org/drawingml/2006/main" xmlns:r="http://schemas.openxmlformats.org/officeDocument/2006/relationships" xmlns:p="http://schemas.openxmlformats.org/presentationml/2006/main">
+  <p:cSld>
+    <p:spTree>
+      <p:nvGrpSpPr>
+        <p:cNvPr id="1" name=""/>
+        <p:cNvGrpSpPr/>
+        <p:nvPr/>
+      </p:nvGrpSpPr>
+      <p:grpSpPr>
+        <a:xfrm>
+          <a:off x="0" y="0"/>
+          <a:ext cx="0" cy="0"/>
+          <a:chOff x="0" y="0"/>
+          <a:chExt cx="0" cy="0"/>
+        </a:xfrm>
+      </p:grpSpPr>
+      <p:sp>
+        <p:nvSpPr>
+          <p:cNvPr id="2" name="Title 1"/>
+          <p:cNvSpPr>
+            <a:spLocks noGrp="1"/>
+          </p:cNvSpPr>
+          <p:nvPr>
+            <p:ph type="title"/>
+          </p:nvPr>
+        </p:nvSpPr>
+        <p:spPr/>
+        <p:txBody>
+          <a:bodyPr/>
+          <a:lstStyle/>
+          <a:p>
+            <a:pPr lvl="0" indent="0" marL="0">
+              <a:buNone/>
+            </a:pPr>
+            <a:r>
+              <a:rPr/>
+              <a:t>Heap Operations: HEAPIFY (3)</a:t>
+            </a:r>
+          </a:p>
+        </p:txBody>
+      </p:sp>
+      <p:pic>
+        <p:nvPicPr>
+          <p:cNvPr descr="fig:  assets/ce100-week-4-heap-heap_heapify_iter_recur.drawio.svg" id="0" name="Picture 1"/>
+          <p:cNvPicPr>
+            <a:picLocks noGrp="1" noChangeAspect="1"/>
+          </p:cNvPicPr>
+          <p:nvPr/>
+        </p:nvPicPr>
+        <p:blipFill>
+          <a:blip r:embed="rId2"/>
+          <a:stretch>
+            <a:fillRect/>
+          </a:stretch>
+        </p:blipFill>
+        <p:spPr bwMode="auto">
+          <a:xfrm>
+            <a:off x="457200" y="2108200"/>
+            <a:ext cx="8229600" cy="2997200"/>
+          </a:xfrm>
+          <a:prstGeom prst="rect">
+            <a:avLst/>
+          </a:prstGeom>
+          <a:noFill/>
+          <a:ln w="9525">
+            <a:noFill/>
+            <a:headEnd/>
+            <a:tailEnd/>
+          </a:ln>
+        </p:spPr>
+      </p:pic>
+      <p:sp>
+        <p:nvSpPr>
+          <p:cNvPr id="1" name="TextBox 3"/>
+          <p:cNvSpPr txBox="1"/>
+          <p:nvPr/>
+        </p:nvSpPr>
+        <p:spPr>
+          <a:xfrm>
+            <a:off x="457200" y="5613400"/>
+            <a:ext cx="8229600" cy="508000"/>
+          </a:xfrm>
+          <a:prstGeom prst="rect">
+            <a:avLst/>
+          </a:prstGeom>
+          <a:noFill/>
+        </p:spPr>
+        <p:txBody>
+          <a:bodyPr/>
+          <a:lstStyle/>
+          <a:p>
+            <a:pPr lvl="0" indent="0" marL="0" algn="ctr">
+              <a:buNone/>
+            </a:pPr>
+            <a:r>
+              <a:rPr/>
+              <a:t>alt:“alt” height:500px center</a:t>
+            </a:r>
+          </a:p>
+        </p:txBody>
+      </p:sp>
+    </p:spTree>
+  </p:cSld>
+</p:sld>
+</file>
+
+<file path=ppt/slides/slide37.xml><?xml version="1.0" encoding="utf-8"?>
+<p:sld xmlns:a="http://schemas.openxmlformats.org/drawingml/2006/main" xmlns:r="http://schemas.openxmlformats.org/officeDocument/2006/relationships" xmlns:p="http://schemas.openxmlformats.org/presentationml/2006/main">
+  <p:cSld>
+    <p:spTree>
+      <p:nvGrpSpPr>
+        <p:cNvPr id="1" name=""/>
+        <p:cNvGrpSpPr/>
+        <p:nvPr/>
+      </p:nvGrpSpPr>
+      <p:grpSpPr>
+        <a:xfrm>
+          <a:off x="0" y="0"/>
+          <a:ext cx="0" cy="0"/>
+          <a:chOff x="0" y="0"/>
+          <a:chExt cx="0" cy="0"/>
+        </a:xfrm>
+      </p:grpSpPr>
+      <p:sp>
+        <p:nvSpPr>
+          <p:cNvPr id="2" name="Title 1"/>
+          <p:cNvSpPr>
+            <a:spLocks noGrp="1"/>
+          </p:cNvSpPr>
+          <p:nvPr>
+            <p:ph type="title"/>
+          </p:nvPr>
+        </p:nvSpPr>
+        <p:spPr/>
+        <p:txBody>
+          <a:bodyPr/>
+          <a:lstStyle/>
+          <a:p>
+            <a:pPr lvl="0" indent="0" marL="0">
+              <a:buNone/>
+            </a:pPr>
+            <a:r>
+              <a:rPr/>
+              <a:t>Heap Operations: Building Heap</a:t>
+            </a:r>
+          </a:p>
+        </p:txBody>
+      </p:sp>
+      <mc:AlternateContent xmlns:mc="http://schemas.openxmlformats.org/markup-compatibility/2006">
+        <mc:Choice xmlns:a14="http://schemas.microsoft.com/office/drawing/2010/main" Requires="a14">
+          <p:sp>
+            <p:nvSpPr>
+              <p:cNvPr id="3" name="Content Placeholder 2"/>
+              <p:cNvSpPr>
+                <a:spLocks noGrp="1"/>
+              </p:cNvSpPr>
+              <p:nvPr>
+                <p:ph idx="1"/>
+              </p:nvPr>
+            </p:nvSpPr>
+            <p:spPr/>
+            <p:txBody>
+              <a:bodyPr/>
+              <a:lstStyle/>
+              <a:p>
+                <a:pPr lvl="0"/>
+                <a:r>
+                  <a:rPr/>
+                  <a:t>Given an arbitrary array, how to build a heap from scratch?</a:t>
+                </a:r>
+              </a:p>
+              <a:p>
+                <a:pPr lvl="0"/>
+                <a:r>
+                  <a:rPr b="1"/>
+                  <a:t>Basic idea:</a:t>
+                </a:r>
+                <a:r>
+                  <a:rPr/>
+                  <a:t> Call </a:t>
+                </a:r>
+                <a14:m>
+                  <m:oMath xmlns:m="http://schemas.openxmlformats.org/officeDocument/2006/math">
+                    <m:r>
+                      <m:t>H</m:t>
+                    </m:r>
+                    <m:r>
+                      <m:t>E</m:t>
+                    </m:r>
+                    <m:r>
+                      <m:t>A</m:t>
+                    </m:r>
+                    <m:r>
+                      <m:t>P</m:t>
+                    </m:r>
+                    <m:r>
+                      <m:t>I</m:t>
+                    </m:r>
+                    <m:r>
+                      <m:t>F</m:t>
+                    </m:r>
+                    <m:r>
+                      <m:t>Y</m:t>
+                    </m:r>
+                  </m:oMath>
+                </a14:m>
+                <a:r>
+                  <a:rPr/>
+                  <a:t> on each node bottom up</a:t>
+                </a:r>
+              </a:p>
+              <a:p>
+                <a:pPr lvl="1"/>
+                <a:r>
+                  <a:rPr/>
+                  <a:t>Start from the leaves (which trivially satisfy the heap property)</a:t>
+                </a:r>
+              </a:p>
+              <a:p>
+                <a:pPr lvl="1"/>
+                <a:r>
+                  <a:rPr/>
+                  <a:t>Process nodes in bottom up order.</a:t>
+                </a:r>
+              </a:p>
+              <a:p>
+                <a:pPr lvl="1"/>
+                <a:r>
+                  <a:rPr/>
+                  <a:t>When </a:t>
+                </a:r>
+                <a14:m>
+                  <m:oMath xmlns:m="http://schemas.openxmlformats.org/officeDocument/2006/math">
+                    <m:r>
+                      <m:t>H</m:t>
+                    </m:r>
+                    <m:r>
+                      <m:t>E</m:t>
+                    </m:r>
+                    <m:r>
+                      <m:t>A</m:t>
+                    </m:r>
+                    <m:r>
+                      <m:t>P</m:t>
+                    </m:r>
+                    <m:r>
+                      <m:t>I</m:t>
+                    </m:r>
+                    <m:r>
+                      <m:t>F</m:t>
+                    </m:r>
+                    <m:r>
+                      <m:t>Y</m:t>
+                    </m:r>
+                  </m:oMath>
+                </a14:m>
+                <a:r>
+                  <a:rPr/>
+                  <a:t> is called on node </a:t>
+                </a:r>
+                <a14:m>
+                  <m:oMath xmlns:m="http://schemas.openxmlformats.org/officeDocument/2006/math">
+                    <m:r>
+                      <m:t>i</m:t>
+                    </m:r>
+                  </m:oMath>
+                </a14:m>
+                <a:r>
+                  <a:rPr/>
+                  <a:t>, the subtrees connected to the </a:t>
+                </a:r>
+                <a14:m>
+                  <m:oMath xmlns:m="http://schemas.openxmlformats.org/officeDocument/2006/math">
+                    <m:r>
+                      <m:t>l</m:t>
+                    </m:r>
+                    <m:r>
+                      <m:t>e</m:t>
+                    </m:r>
+                    <m:r>
+                      <m:t>f</m:t>
+                    </m:r>
+                    <m:r>
+                      <m:t>t</m:t>
+                    </m:r>
+                  </m:oMath>
+                </a14:m>
+                <a:r>
+                  <a:rPr/>
+                  <a:t> and </a:t>
+                </a:r>
+                <a14:m>
+                  <m:oMath xmlns:m="http://schemas.openxmlformats.org/officeDocument/2006/math">
+                    <m:r>
+                      <m:t>r</m:t>
+                    </m:r>
+                    <m:r>
+                      <m:t>i</m:t>
+                    </m:r>
+                    <m:r>
+                      <m:t>g</m:t>
+                    </m:r>
+                    <m:r>
+                      <m:t>h</m:t>
+                    </m:r>
+                    <m:r>
+                      <m:t>t</m:t>
+                    </m:r>
+                  </m:oMath>
+                </a14:m>
+                <a:r>
+                  <a:rPr/>
+                  <a:t> subtrees already satisfy the heap property.</a:t>
+                </a:r>
+              </a:p>
+              <a:p>
+                <a:pPr lvl="1" indent="0" marL="457200">
+                  <a:buNone/>
+                </a:pPr>
+                <a:r>
+                  <a:rPr/>
+                  <a:t>alt:“alt” height:300px center</a:t>
+                </a:r>
+              </a:p>
+            </p:txBody>
+          </p:sp>
+        </mc:Choice>
+      </mc:AlternateContent>
+    </p:spTree>
+  </p:cSld>
+</p:sld>
+</file>
+
+<file path=ppt/slides/slide38.xml><?xml version="1.0" encoding="utf-8"?>
+<p:sld xmlns:a="http://schemas.openxmlformats.org/drawingml/2006/main" xmlns:r="http://schemas.openxmlformats.org/officeDocument/2006/relationships" xmlns:p="http://schemas.openxmlformats.org/presentationml/2006/main">
+  <p:cSld>
+    <p:spTree>
+      <p:nvGrpSpPr>
+        <p:cNvPr id="1" name=""/>
+        <p:cNvGrpSpPr/>
+        <p:nvPr/>
+      </p:nvGrpSpPr>
+      <p:grpSpPr>
+        <a:xfrm>
+          <a:off x="0" y="0"/>
+          <a:ext cx="0" cy="0"/>
+          <a:chOff x="0" y="0"/>
+          <a:chExt cx="0" cy="0"/>
+        </a:xfrm>
+      </p:grpSpPr>
+      <p:sp>
+        <p:nvSpPr>
+          <p:cNvPr id="2" name="Title 1"/>
+          <p:cNvSpPr>
+            <a:spLocks noGrp="1"/>
+          </p:cNvSpPr>
+          <p:nvPr>
+            <p:ph type="title"/>
+          </p:nvPr>
+        </p:nvSpPr>
+        <p:spPr/>
+        <p:txBody>
+          <a:bodyPr/>
+          <a:lstStyle/>
+          <a:p>
+            <a:pPr lvl="0" indent="0" marL="0">
+              <a:buNone/>
+            </a:pPr>
+            <a:r>
+              <a:rPr/>
+              <a:t>Storage of the leaves</a:t>
+            </a:r>
+          </a:p>
+        </p:txBody>
+      </p:sp>
+      <mc:AlternateContent xmlns:mc="http://schemas.openxmlformats.org/markup-compatibility/2006">
+        <mc:Choice xmlns:a14="http://schemas.microsoft.com/office/drawing/2010/main" Requires="a14">
+          <p:sp>
+            <p:nvSpPr>
+              <p:cNvPr id="3" name="Content Placeholder 2"/>
+              <p:cNvSpPr>
+                <a:spLocks noGrp="1"/>
+              </p:cNvSpPr>
+              <p:nvPr>
+                <p:ph idx="1"/>
+              </p:nvPr>
+            </p:nvSpPr>
+            <p:spPr/>
+            <p:txBody>
+              <a:bodyPr/>
+              <a:lstStyle/>
+              <a:p>
+                <a:pPr lvl="0"/>
+                <a:r>
+                  <a:rPr b="1"/>
+                  <a:t>Lemma:</a:t>
+                </a:r>
+                <a:r>
+                  <a:rPr/>
+                  <a:t> The last </a:t>
+                </a:r>
+                <a14:m>
+                  <m:oMath xmlns:m="http://schemas.openxmlformats.org/officeDocument/2006/math">
+                    <m:r>
+                      <m:rPr>
+                        <m:sty m:val="p"/>
+                      </m:rPr>
+                      <m:t>⌈</m:t>
+                    </m:r>
+                    <m:f>
+                      <m:fPr>
+                        <m:type m:val="bar"/>
+                      </m:fPr>
+                      <m:num>
+                        <m:r>
+                          <m:t>n</m:t>
+                        </m:r>
+                      </m:num>
+                      <m:den>
+                        <m:r>
+                          <m:t>2</m:t>
+                        </m:r>
+                      </m:den>
+                    </m:f>
+                    <m:r>
+                      <m:rPr>
+                        <m:sty m:val="p"/>
+                      </m:rPr>
+                      <m:t>⌉</m:t>
+                    </m:r>
+                  </m:oMath>
+                </a14:m>
+                <a:r>
+                  <a:rPr/>
+                  <a:t> nodes of a heap are all leaves. alt:“alt” height:450px center</a:t>
+                </a:r>
+              </a:p>
+            </p:txBody>
+          </p:sp>
+        </mc:Choice>
+      </mc:AlternateContent>
+    </p:spTree>
+  </p:cSld>
+</p:sld>
+</file>
+
+<file path=ppt/slides/slide39.xml><?xml version="1.0" encoding="utf-8"?>
+<p:sld xmlns:a="http://schemas.openxmlformats.org/drawingml/2006/main" xmlns:r="http://schemas.openxmlformats.org/officeDocument/2006/relationships" xmlns:p="http://schemas.openxmlformats.org/presentationml/2006/main">
+  <p:cSld>
+    <p:spTree>
+      <p:nvGrpSpPr>
+        <p:cNvPr id="1" name=""/>
+        <p:cNvGrpSpPr/>
+        <p:nvPr/>
+      </p:nvGrpSpPr>
+      <p:grpSpPr>
+        <a:xfrm>
+          <a:off x="0" y="0"/>
+          <a:ext cx="0" cy="0"/>
+          <a:chOff x="0" y="0"/>
+          <a:chExt cx="0" cy="0"/>
+        </a:xfrm>
+      </p:grpSpPr>
+      <p:sp>
+        <p:nvSpPr>
+          <p:cNvPr id="2" name="Title 1"/>
+          <p:cNvSpPr>
+            <a:spLocks noGrp="1"/>
+          </p:cNvSpPr>
+          <p:nvPr>
+            <p:ph type="title"/>
+          </p:nvPr>
+        </p:nvSpPr>
+        <p:spPr/>
+        <p:txBody>
+          <a:bodyPr/>
+          <a:lstStyle/>
+          <a:p>
+            <a:pPr lvl="0" indent="0" marL="0">
+              <a:buNone/>
+            </a:pPr>
+            <a:r>
+              <a:rPr/>
+              <a:t>References</a:t>
+            </a:r>
+          </a:p>
+        </p:txBody>
+      </p:sp>
+      <p:sp>
+        <p:nvSpPr>
+          <p:cNvPr id="3" name="Content Placeholder 2"/>
+          <p:cNvSpPr>
+            <a:spLocks noGrp="1"/>
+          </p:cNvSpPr>
+          <p:nvPr>
+            <p:ph idx="1"/>
+          </p:nvPr>
+        </p:nvSpPr>
+        <p:spPr/>
+        <p:txBody>
+          <a:bodyPr/>
+          <a:lstStyle/>
+          <a:p>
+            <a:pPr lvl="0"/>
+            <a:r>
+              <a:rPr>
+                <a:hlinkClick r:id="rId2"/>
+              </a:rPr>
+              <a:t>Introduction to Algorithms, Third Edition | The MIT Press</a:t>
+            </a:r>
+          </a:p>
+          <a:p>
+            <a:pPr lvl="0"/>
+            <a:r>
+              <a:rPr>
+                <a:hlinkClick r:id="rId3"/>
+              </a:rPr>
+              <a:t>Bilkent CS473 Course Notes (new)</a:t>
+            </a:r>
+          </a:p>
+          <a:p>
+            <a:pPr lvl="0"/>
+            <a:r>
+              <a:rPr>
+                <a:hlinkClick r:id="rId4"/>
+              </a:rPr>
+              <a:t>Bilkent CS473 Course Notes (old)</a:t>
+            </a:r>
+          </a:p>
+          <a:p>
+            <a:pPr lvl="0"/>
+            <a:r>
+              <a:rPr>
+                <a:hlinkClick r:id="rId5"/>
+              </a:rPr>
+              <a:t>Insertion Sort - GeeksforGeeks</a:t>
+            </a:r>
+          </a:p>
+          <a:p>
+            <a:pPr lvl="0"/>
+            <a:r>
+              <a:rPr>
+                <a:hlinkClick r:id="rId6"/>
+              </a:rPr>
+              <a:t>NIST Dictionary of Algorithms and Data Structures</a:t>
+            </a:r>
+          </a:p>
+          <a:p>
+            <a:pPr lvl="0"/>
+            <a:r>
+              <a:rPr>
+                <a:hlinkClick r:id="rId7"/>
+              </a:rPr>
+              <a:t>NIST - Dictionary of Algorithms and Data Structures</a:t>
+            </a:r>
+          </a:p>
+          <a:p>
+            <a:pPr lvl="0" indent="0" marL="0">
+              <a:buNone/>
+            </a:pPr>
+            <a:r>
+              <a:rPr/>
+              <a:t>TODO</a:t>
+            </a:r>
+          </a:p>
+        </p:txBody>
+      </p:sp>
+    </p:spTree>
+  </p:cSld>
+</p:sld>
+</file>
+
 <file path=ppt/slides/slide4.xml><?xml version="1.0" encoding="utf-8"?>
 <p:sld xmlns:a="http://schemas.openxmlformats.org/drawingml/2006/main" xmlns:r="http://schemas.openxmlformats.org/officeDocument/2006/relationships" xmlns:p="http://schemas.openxmlformats.org/presentationml/2006/main">
   <p:cSld>
@@ -3443,12 +11155,7 @@
             <p:ph type="title"/>
           </p:nvPr>
         </p:nvSpPr>
-        <p:spPr>
-          <a:xfrm>
-            <a:off x="457200" y="273050"/>
-            <a:ext cx="3008313" cy="1162050"/>
-          </a:xfrm>
-        </p:spPr>
+        <p:spPr/>
         <p:txBody>
           <a:bodyPr/>
           <a:lstStyle/>
@@ -3458,19 +11165,19 @@
             </a:pPr>
             <a:r>
               <a:rPr/>
-              <a:t>Outline</a:t>
-            </a:r>
-          </a:p>
-        </p:txBody>
-      </p:sp>
-      <p:sp>
-        <p:nvSpPr>
-          <p:cNvPr id="4" name="Text Placeholder 3"/>
+              <a:t>Outline (1)</a:t>
+            </a:r>
+          </a:p>
+        </p:txBody>
+      </p:sp>
+      <p:sp>
+        <p:nvSpPr>
+          <p:cNvPr id="3" name="Content Placeholder 2"/>
           <p:cNvSpPr>
             <a:spLocks noGrp="1"/>
           </p:cNvSpPr>
           <p:nvPr>
-            <p:ph idx="2" sz="half" type="body"/>
+            <p:ph idx="1"/>
           </p:nvPr>
         </p:nvSpPr>
         <p:spPr/>
@@ -3485,7 +11192,7 @@
             </a:r>
           </a:p>
           <a:p>
-            <a:pPr lvl="0"/>
+            <a:pPr lvl="1"/>
             <a:r>
               <a:rPr/>
               <a:t>Max / Min Heap</a:t>
@@ -3499,171 +11206,28 @@
             </a:r>
           </a:p>
           <a:p>
-            <a:pPr lvl="0"/>
+            <a:pPr lvl="1"/>
             <a:r>
               <a:rPr/>
               <a:t>Heapify</a:t>
             </a:r>
           </a:p>
           <a:p>
-            <a:pPr lvl="0"/>
+            <a:pPr lvl="2"/>
             <a:r>
               <a:rPr/>
               <a:t>Iterative</a:t>
             </a:r>
           </a:p>
           <a:p>
-            <a:pPr lvl="0"/>
+            <a:pPr lvl="2"/>
             <a:r>
               <a:rPr/>
               <a:t>Recursive</a:t>
             </a:r>
           </a:p>
-          <a:p>
-            <a:pPr lvl="0"/>
-            <a:r>
-              <a:rPr/>
-              <a:t>Extract-Max</a:t>
-            </a:r>
-          </a:p>
-          <a:p>
-            <a:pPr lvl="0"/>
-            <a:r>
-              <a:rPr/>
-              <a:t>Build Heap</a:t>
-            </a:r>
-          </a:p>
-        </p:txBody>
-      </p:sp>
-      <p:graphicFrame>
-        <p:nvGraphicFramePr>
-          <p:cNvPr id="6" name="Content Placeholder 5"/>
-          <p:cNvGraphicFramePr>
-            <a:graphicFrameLocks noGrp="1"/>
-          </p:cNvGraphicFramePr>
-          <p:nvPr>
-            <p:ph idx="1"/>
-          </p:nvPr>
-        </p:nvGraphicFramePr>
-        <p:xfrm>
-          <a:off x="3568700" y="266700"/>
-          <a:ext cx="5105400" cy="5842000"/>
-        </p:xfrm>
-        <a:graphic>
-          <a:graphicData uri="http://schemas.openxmlformats.org/drawingml/2006/table">
-            <a:tbl>
-              <a:tblPr firstRow="0" bandRow="1">
-                <a:tableStyleId>{5C22544A-7EE6-4342-B048-85BDC9FD1C3A}</a:tableStyleId>
-              </a:tblPr>
-              <a:tblGrid>
-                <a:gridCol w="5105400"/>
-              </a:tblGrid>
-              <a:tr h="0">
-                <a:tc>
-                  <a:txBody>
-                    <a:bodyPr/>
-                    <a:lstStyle/>
-                    <a:p>
-                      <a:pPr lvl="0" indent="0" marL="0">
-                        <a:buNone/>
-                      </a:pPr>
-                      <a:r>
-                        <a:rPr/>
-                        <a:t>## Outline</a:t>
-                      </a:r>
-                    </a:p>
-                  </a:txBody>
-                </a:tc>
-              </a:tr>
-              <a:tr h="0">
-                <a:tc>
-                  <a:txBody>
-                    <a:bodyPr/>
-                    <a:lstStyle/>
-                    <a:p>
-                      <a:pPr lvl="0" indent="0" marL="0">
-                        <a:buNone/>
-                      </a:pPr>
-                      <a:r>
-                        <a:rPr/>
-                        <a:t>- Heap Sort</a:t>
-                      </a:r>
-                    </a:p>
-                  </a:txBody>
-                </a:tc>
-              </a:tr>
-              <a:tr h="0">
-                <a:tc>
-                  <a:txBody>
-                    <a:bodyPr/>
-                    <a:lstStyle/>
-                    <a:p>
-                      <a:pPr lvl="0" indent="0" marL="0">
-                        <a:buNone/>
-                      </a:pPr>
-                      <a:r>
-                        <a:rPr/>
-                        <a:t>- Priority Queues</a:t>
-                      </a:r>
-                    </a:p>
-                  </a:txBody>
-                </a:tc>
-              </a:tr>
-              <a:tr h="0">
-                <a:tc>
-                  <a:txBody>
-                    <a:bodyPr/>
-                    <a:lstStyle/>
-                    <a:p>
-                      <a:pPr lvl="0" indent="0" marL="0">
-                        <a:buNone/>
-                      </a:pPr>
-                      <a:r>
-                        <a:rPr/>
-                        <a:t>- Linked Lists</a:t>
-                      </a:r>
-                    </a:p>
-                  </a:txBody>
-                </a:tc>
-              </a:tr>
-              <a:tr h="0">
-                <a:tc>
-                  <a:txBody>
-                    <a:bodyPr/>
-                    <a:lstStyle/>
-                    <a:p>
-                      <a:pPr lvl="0" indent="0" marL="0">
-                        <a:buNone/>
-                      </a:pPr>
-                      <a:r>
-                        <a:rPr/>
-                        <a:t>- Radix Sort</a:t>
-                      </a:r>
-                    </a:p>
-                  </a:txBody>
-                </a:tc>
-              </a:tr>
-              <a:tr h="0">
-                <a:tc>
-                  <a:txBody>
-                    <a:bodyPr/>
-                    <a:lstStyle/>
-                    <a:p>
-                      <a:pPr lvl="0" indent="0" marL="0">
-                        <a:buNone/>
-                      </a:pPr>
-                      <a:r>
-                        <a:rPr/>
-                        <a:t>- Counting Sort</a:t>
-                      </a:r>
-                    </a:p>
-                  </a:txBody>
-                </a:tc>
-              </a:tr>
-            </a:tbl>
-          </a:graphicData>
-        </a:graphic>
-      </p:graphicFrame>
+        </p:txBody>
+      </p:sp>
     </p:spTree>
   </p:cSld>
 </p:sld>
@@ -3706,7 +11270,7 @@
             </a:pPr>
             <a:r>
               <a:rPr/>
-              <a:t>References</a:t>
+              <a:t>Outline (2)</a:t>
             </a:r>
           </a:p>
         </p:txBody>
@@ -3726,32 +11290,381 @@
           <a:bodyPr/>
           <a:lstStyle/>
           <a:p>
+            <a:pPr lvl="0"/>
+            <a:r>
+              <a:rPr/>
+              <a:t>Extract-Max</a:t>
+            </a:r>
+          </a:p>
+          <a:p>
+            <a:pPr lvl="0"/>
+            <a:r>
+              <a:rPr/>
+              <a:t>Build Heap</a:t>
+            </a:r>
+          </a:p>
+        </p:txBody>
+      </p:sp>
+    </p:spTree>
+  </p:cSld>
+</p:sld>
+</file>
+
+<file path=ppt/slides/slide7.xml><?xml version="1.0" encoding="utf-8"?>
+<p:sld xmlns:a="http://schemas.openxmlformats.org/drawingml/2006/main" xmlns:r="http://schemas.openxmlformats.org/officeDocument/2006/relationships" xmlns:p="http://schemas.openxmlformats.org/presentationml/2006/main">
+  <p:cSld>
+    <p:spTree>
+      <p:nvGrpSpPr>
+        <p:cNvPr id="1" name=""/>
+        <p:cNvGrpSpPr/>
+        <p:nvPr/>
+      </p:nvGrpSpPr>
+      <p:grpSpPr>
+        <a:xfrm>
+          <a:off x="0" y="0"/>
+          <a:ext cx="0" cy="0"/>
+          <a:chOff x="0" y="0"/>
+          <a:chExt cx="0" cy="0"/>
+        </a:xfrm>
+      </p:grpSpPr>
+      <p:sp>
+        <p:nvSpPr>
+          <p:cNvPr id="2" name="Title 1"/>
+          <p:cNvSpPr>
+            <a:spLocks noGrp="1"/>
+          </p:cNvSpPr>
+          <p:nvPr>
+            <p:ph type="title"/>
+          </p:nvPr>
+        </p:nvSpPr>
+        <p:spPr/>
+        <p:txBody>
+          <a:bodyPr/>
+          <a:lstStyle/>
+          <a:p>
             <a:pPr lvl="0" indent="0" marL="0">
               <a:buNone/>
             </a:pPr>
             <a:r>
-              <a:rPr>
-                <a:hlinkClick r:id="rId2"/>
-              </a:rPr>
-              <a:t>Introduction to Algorithms, Third Edition | The MIT Press</a:t>
-            </a:r>
-          </a:p>
+              <a:rPr/>
+              <a:t>Outline (3)</a:t>
+            </a:r>
+          </a:p>
+        </p:txBody>
+      </p:sp>
+      <p:sp>
+        <p:nvSpPr>
+          <p:cNvPr id="3" name="Content Placeholder 2"/>
+          <p:cNvSpPr>
+            <a:spLocks noGrp="1"/>
+          </p:cNvSpPr>
+          <p:nvPr>
+            <p:ph idx="1"/>
+          </p:nvPr>
+        </p:nvSpPr>
+        <p:spPr/>
+        <p:txBody>
+          <a:bodyPr/>
+          <a:lstStyle/>
+          <a:p>
+            <a:pPr lvl="0"/>
+            <a:r>
+              <a:rPr/>
+              <a:t>Heap Sort</a:t>
+            </a:r>
+          </a:p>
+          <a:p>
+            <a:pPr lvl="0"/>
+            <a:r>
+              <a:rPr/>
+              <a:t>Priority Queues</a:t>
+            </a:r>
+          </a:p>
+          <a:p>
+            <a:pPr lvl="0"/>
+            <a:r>
+              <a:rPr/>
+              <a:t>Linked Lists</a:t>
+            </a:r>
+          </a:p>
+          <a:p>
+            <a:pPr lvl="0"/>
+            <a:r>
+              <a:rPr/>
+              <a:t>Radix Sort</a:t>
+            </a:r>
+          </a:p>
+          <a:p>
+            <a:pPr lvl="0"/>
+            <a:r>
+              <a:rPr/>
+              <a:t>Counting Sort</a:t>
+            </a:r>
+          </a:p>
+        </p:txBody>
+      </p:sp>
+    </p:spTree>
+  </p:cSld>
+</p:sld>
+</file>
+
+<file path=ppt/slides/slide8.xml><?xml version="1.0" encoding="utf-8"?>
+<p:sld xmlns:a="http://schemas.openxmlformats.org/drawingml/2006/main" xmlns:r="http://schemas.openxmlformats.org/officeDocument/2006/relationships" xmlns:p="http://schemas.openxmlformats.org/presentationml/2006/main">
+  <p:cSld>
+    <p:spTree>
+      <p:nvGrpSpPr>
+        <p:cNvPr id="1" name=""/>
+        <p:cNvGrpSpPr/>
+        <p:nvPr/>
+      </p:nvGrpSpPr>
+      <p:grpSpPr>
+        <a:xfrm>
+          <a:off x="0" y="0"/>
+          <a:ext cx="0" cy="0"/>
+          <a:chOff x="0" y="0"/>
+          <a:chExt cx="0" cy="0"/>
+        </a:xfrm>
+      </p:grpSpPr>
+      <p:sp>
+        <p:nvSpPr>
+          <p:cNvPr id="2" name="Title 1"/>
+          <p:cNvSpPr>
+            <a:spLocks noGrp="1"/>
+          </p:cNvSpPr>
+          <p:nvPr>
+            <p:ph type="title"/>
+          </p:nvPr>
+        </p:nvSpPr>
+        <p:spPr/>
+        <p:txBody>
+          <a:bodyPr/>
+          <a:lstStyle/>
           <a:p>
             <a:pPr lvl="0" indent="0" marL="0">
               <a:buNone/>
             </a:pPr>
             <a:r>
               <a:rPr/>
-              <a:t>http://nabil.abubaker.bilkent.edu.tr/473/</a:t>
-            </a:r>
-          </a:p>
+              <a:t>Heapsort</a:t>
+            </a:r>
+          </a:p>
+        </p:txBody>
+      </p:sp>
+      <mc:AlternateContent xmlns:mc="http://schemas.openxmlformats.org/markup-compatibility/2006">
+        <mc:Choice xmlns:a14="http://schemas.microsoft.com/office/drawing/2010/main" Requires="a14">
+          <p:sp>
+            <p:nvSpPr>
+              <p:cNvPr id="3" name="Content Placeholder 2"/>
+              <p:cNvSpPr>
+                <a:spLocks noGrp="1"/>
+              </p:cNvSpPr>
+              <p:nvPr>
+                <p:ph idx="1"/>
+              </p:nvPr>
+            </p:nvSpPr>
+            <p:spPr/>
+            <p:txBody>
+              <a:bodyPr/>
+              <a:lstStyle/>
+              <a:p>
+                <a:pPr lvl="0"/>
+                <a:r>
+                  <a:rPr/>
+                  <a:t>Worst-case runtime: </a:t>
+                </a:r>
+                <a14:m>
+                  <m:oMath xmlns:m="http://schemas.openxmlformats.org/officeDocument/2006/math">
+                    <m:r>
+                      <m:t>O</m:t>
+                    </m:r>
+                    <m:d>
+                      <m:dPr>
+                        <m:begChr m:val="("/>
+                        <m:endChr m:val=")"/>
+                        <m:sepChr m:val=""/>
+                        <m:grow/>
+                      </m:dPr>
+                      <m:e>
+                        <m:r>
+                          <m:t>n</m:t>
+                        </m:r>
+                        <m:r>
+                          <m:t>l</m:t>
+                        </m:r>
+                        <m:r>
+                          <m:t>g</m:t>
+                        </m:r>
+                        <m:r>
+                          <m:t>n</m:t>
+                        </m:r>
+                      </m:e>
+                    </m:d>
+                  </m:oMath>
+                </a14:m>
+              </a:p>
+              <a:p>
+                <a:pPr lvl="0"/>
+                <a:r>
+                  <a:rPr/>
+                  <a:t>Sorts in-place</a:t>
+                </a:r>
+              </a:p>
+              <a:p>
+                <a:pPr lvl="0"/>
+                <a:r>
+                  <a:rPr/>
+                  <a:t>Uses a special data structure (heap) to manage information during execution of the algorithm</a:t>
+                </a:r>
+              </a:p>
+              <a:p>
+                <a:pPr lvl="1"/>
+                <a:r>
+                  <a:rPr/>
+                  <a:t>Another design paradigm</a:t>
+                </a:r>
+              </a:p>
+            </p:txBody>
+          </p:sp>
+        </mc:Choice>
+      </mc:AlternateContent>
+    </p:spTree>
+  </p:cSld>
+</p:sld>
+</file>
+
+<file path=ppt/slides/slide9.xml><?xml version="1.0" encoding="utf-8"?>
+<p:sld xmlns:a="http://schemas.openxmlformats.org/drawingml/2006/main" xmlns:r="http://schemas.openxmlformats.org/officeDocument/2006/relationships" xmlns:p="http://schemas.openxmlformats.org/presentationml/2006/main">
+  <p:cSld>
+    <p:spTree>
+      <p:nvGrpSpPr>
+        <p:cNvPr id="1" name=""/>
+        <p:cNvGrpSpPr/>
+        <p:nvPr/>
+      </p:nvGrpSpPr>
+      <p:grpSpPr>
+        <a:xfrm>
+          <a:off x="0" y="0"/>
+          <a:ext cx="0" cy="0"/>
+          <a:chOff x="0" y="0"/>
+          <a:chExt cx="0" cy="0"/>
+        </a:xfrm>
+      </p:grpSpPr>
+      <p:sp>
+        <p:nvSpPr>
+          <p:cNvPr id="2" name="Title 1"/>
+          <p:cNvSpPr>
+            <a:spLocks noGrp="1"/>
+          </p:cNvSpPr>
+          <p:nvPr>
+            <p:ph type="title"/>
+          </p:nvPr>
+        </p:nvSpPr>
+        <p:spPr>
+          <a:xfrm>
+            <a:off x="457200" y="273050"/>
+            <a:ext cx="3008313" cy="1162050"/>
+          </a:xfrm>
+        </p:spPr>
+        <p:txBody>
+          <a:bodyPr/>
+          <a:lstStyle/>
           <a:p>
             <a:pPr lvl="0" indent="0" marL="0">
               <a:buNone/>
             </a:pPr>
             <a:r>
               <a:rPr/>
-              <a:t>TODO</a:t>
+              <a:t>Heap Data Structure (1)</a:t>
+            </a:r>
+          </a:p>
+        </p:txBody>
+      </p:sp>
+      <p:sp>
+        <p:nvSpPr>
+          <p:cNvPr id="4" name="Text Placeholder 3"/>
+          <p:cNvSpPr>
+            <a:spLocks noGrp="1"/>
+          </p:cNvSpPr>
+          <p:nvPr>
+            <p:ph idx="2" sz="half" type="body"/>
+          </p:nvPr>
+        </p:nvSpPr>
+        <p:spPr/>
+        <p:txBody>
+          <a:bodyPr/>
+          <a:lstStyle/>
+          <a:p>
+            <a:pPr lvl="0"/>
+            <a:r>
+              <a:rPr/>
+              <a:t>Nearly complete binary tree</a:t>
+            </a:r>
+          </a:p>
+          <a:p>
+            <a:pPr lvl="1"/>
+            <a:r>
+              <a:rPr/>
+              <a:t>Completely filled on all levels except possibly the lowest level</a:t>
+            </a:r>
+          </a:p>
+        </p:txBody>
+      </p:sp>
+      <p:pic>
+        <p:nvPicPr>
+          <p:cNvPr descr="fig:  assets/ce100-week-4-heap-heap_1.drawio.svg" id="0" name="Picture 1"/>
+          <p:cNvPicPr>
+            <a:picLocks noGrp="1" noChangeAspect="1"/>
+          </p:cNvPicPr>
+          <p:nvPr/>
+        </p:nvPicPr>
+        <p:blipFill>
+          <a:blip r:embed="rId2"/>
+          <a:stretch>
+            <a:fillRect/>
+          </a:stretch>
+        </p:blipFill>
+        <p:spPr bwMode="auto">
+          <a:xfrm>
+            <a:off x="3568700" y="1308100"/>
+            <a:ext cx="5105400" cy="3251200"/>
+          </a:xfrm>
+          <a:prstGeom prst="rect">
+            <a:avLst/>
+          </a:prstGeom>
+          <a:noFill/>
+          <a:ln w="9525">
+            <a:noFill/>
+            <a:headEnd/>
+            <a:tailEnd/>
+          </a:ln>
+        </p:spPr>
+      </p:pic>
+      <p:sp>
+        <p:nvSpPr>
+          <p:cNvPr id="1" name="TextBox 3"/>
+          <p:cNvSpPr txBox="1"/>
+          <p:nvPr/>
+        </p:nvSpPr>
+        <p:spPr>
+          <a:xfrm>
+            <a:off x="3568700" y="5600700"/>
+            <a:ext cx="5105400" cy="508000"/>
+          </a:xfrm>
+          <a:prstGeom prst="rect">
+            <a:avLst/>
+          </a:prstGeom>
+          <a:noFill/>
+        </p:spPr>
+        <p:txBody>
+          <a:bodyPr/>
+          <a:lstStyle/>
+          <a:p>
+            <a:pPr lvl="0" indent="0" marL="0" algn="ctr">
+              <a:buNone/>
+            </a:pPr>
+            <a:r>
+              <a:rPr/>
+              <a:t>alt:“alt” height:350px center</a:t>
             </a:r>
           </a:p>
         </p:txBody>

--- a/docs/week-4/ce100-week-4-heap.md_word.pptx
+++ b/docs/week-4/ce100-week-4-heap.md_word.pptx
@@ -44,6 +44,8 @@
     <p:sldId id="292" r:id="rId38"/>
     <p:sldId id="293" r:id="rId39"/>
     <p:sldId id="294" r:id="rId40"/>
+    <p:sldId id="295" r:id="rId41"/>
+    <p:sldId id="296" r:id="rId42"/>
   </p:sldIdLst>
   <p:sldSz cx="9144000" cy="6858000" type="screen4x3"/>
   <p:notesSz cx="6858000" cy="9144000"/>
@@ -10869,7 +10871,12 @@
             <p:ph type="title"/>
           </p:nvPr>
         </p:nvSpPr>
-        <p:spPr/>
+        <p:spPr>
+          <a:xfrm>
+            <a:off x="457200" y="273050"/>
+            <a:ext cx="3008313" cy="1162050"/>
+          </a:xfrm>
+        </p:spPr>
         <p:txBody>
           <a:bodyPr/>
           <a:lstStyle/>
@@ -10888,12 +10895,12 @@
         <mc:Choice xmlns:a14="http://schemas.microsoft.com/office/drawing/2010/main" Requires="a14">
           <p:sp>
             <p:nvSpPr>
-              <p:cNvPr id="3" name="Content Placeholder 2"/>
+              <p:cNvPr id="4" name="Text Placeholder 3"/>
               <p:cNvSpPr>
                 <a:spLocks noGrp="1"/>
               </p:cNvSpPr>
               <p:nvPr>
-                <p:ph idx="1"/>
+                <p:ph idx="2" sz="half" type="body"/>
               </p:nvPr>
             </p:nvSpPr>
             <p:spPr/>
@@ -10943,13 +10950,73 @@
                 </a14:m>
                 <a:r>
                   <a:rPr/>
-                  <a:t> nodes of a heap are all leaves. alt:“alt” height:450px center</a:t>
+                  <a:t> nodes of a heap are all leaves.</a:t>
                 </a:r>
               </a:p>
             </p:txBody>
           </p:sp>
         </mc:Choice>
       </mc:AlternateContent>
+      <p:pic>
+        <p:nvPicPr>
+          <p:cNvPr descr="fig:  assets/ce100-week-4-heap-heap_heap_leaves.drawio.svg" id="0" name="Picture 1"/>
+          <p:cNvPicPr>
+            <a:picLocks noGrp="1" noChangeAspect="1"/>
+          </p:cNvPicPr>
+          <p:nvPr/>
+        </p:nvPicPr>
+        <p:blipFill>
+          <a:blip r:embed="rId2"/>
+          <a:stretch>
+            <a:fillRect/>
+          </a:stretch>
+        </p:blipFill>
+        <p:spPr bwMode="auto">
+          <a:xfrm>
+            <a:off x="3568700" y="1574800"/>
+            <a:ext cx="5105400" cy="2705100"/>
+          </a:xfrm>
+          <a:prstGeom prst="rect">
+            <a:avLst/>
+          </a:prstGeom>
+          <a:noFill/>
+          <a:ln w="9525">
+            <a:noFill/>
+            <a:headEnd/>
+            <a:tailEnd/>
+          </a:ln>
+        </p:spPr>
+      </p:pic>
+      <p:sp>
+        <p:nvSpPr>
+          <p:cNvPr id="1" name="TextBox 3"/>
+          <p:cNvSpPr txBox="1"/>
+          <p:nvPr/>
+        </p:nvSpPr>
+        <p:spPr>
+          <a:xfrm>
+            <a:off x="3568700" y="5600700"/>
+            <a:ext cx="5105400" cy="508000"/>
+          </a:xfrm>
+          <a:prstGeom prst="rect">
+            <a:avLst/>
+          </a:prstGeom>
+          <a:noFill/>
+        </p:spPr>
+        <p:txBody>
+          <a:bodyPr/>
+          <a:lstStyle/>
+          <a:p>
+            <a:pPr lvl="0" indent="0" marL="0" algn="ctr">
+              <a:buNone/>
+            </a:pPr>
+            <a:r>
+              <a:rPr/>
+              <a:t>bg right w:600</a:t>
+            </a:r>
+          </a:p>
+        </p:txBody>
+      </p:sp>
     </p:spTree>
   </p:cSld>
 </p:sld>
@@ -10972,106 +11039,62 @@
           <a:chExt cx="0" cy="0"/>
         </a:xfrm>
       </p:grpSpPr>
-      <p:sp>
-        <p:nvSpPr>
-          <p:cNvPr id="2" name="Title 1"/>
-          <p:cNvSpPr>
-            <a:spLocks noGrp="1"/>
-          </p:cNvSpPr>
-          <p:nvPr>
-            <p:ph type="title"/>
-          </p:nvPr>
-        </p:nvSpPr>
-        <p:spPr/>
+      <p:pic>
+        <p:nvPicPr>
+          <p:cNvPr descr="fig:  assets/ce100-week-4-heap-heap_stored_leaves_lemma.drawio.svg" id="0" name="Picture 1"/>
+          <p:cNvPicPr>
+            <a:picLocks noGrp="1" noChangeAspect="1"/>
+          </p:cNvPicPr>
+          <p:nvPr/>
+        </p:nvPicPr>
+        <p:blipFill>
+          <a:blip r:embed="rId2"/>
+          <a:stretch>
+            <a:fillRect/>
+          </a:stretch>
+        </p:blipFill>
+        <p:spPr bwMode="auto">
+          <a:xfrm>
+            <a:off x="2311400" y="1600200"/>
+            <a:ext cx="4533900" cy="4013200"/>
+          </a:xfrm>
+          <a:prstGeom prst="rect">
+            <a:avLst/>
+          </a:prstGeom>
+          <a:noFill/>
+          <a:ln w="9525">
+            <a:noFill/>
+            <a:headEnd/>
+            <a:tailEnd/>
+          </a:ln>
+        </p:spPr>
+      </p:pic>
+      <p:sp>
+        <p:nvSpPr>
+          <p:cNvPr id="1" name="TextBox 3"/>
+          <p:cNvSpPr txBox="1"/>
+          <p:nvPr/>
+        </p:nvSpPr>
+        <p:spPr>
+          <a:xfrm>
+            <a:off x="457200" y="5613400"/>
+            <a:ext cx="8229600" cy="508000"/>
+          </a:xfrm>
+          <a:prstGeom prst="rect">
+            <a:avLst/>
+          </a:prstGeom>
+          <a:noFill/>
+        </p:spPr>
         <p:txBody>
           <a:bodyPr/>
           <a:lstStyle/>
           <a:p>
-            <a:pPr lvl="0" indent="0" marL="0">
+            <a:pPr lvl="0" indent="0" marL="0" algn="ctr">
               <a:buNone/>
             </a:pPr>
             <a:r>
               <a:rPr/>
-              <a:t>References</a:t>
-            </a:r>
-          </a:p>
-        </p:txBody>
-      </p:sp>
-      <p:sp>
-        <p:nvSpPr>
-          <p:cNvPr id="3" name="Content Placeholder 2"/>
-          <p:cNvSpPr>
-            <a:spLocks noGrp="1"/>
-          </p:cNvSpPr>
-          <p:nvPr>
-            <p:ph idx="1"/>
-          </p:nvPr>
-        </p:nvSpPr>
-        <p:spPr/>
-        <p:txBody>
-          <a:bodyPr/>
-          <a:lstStyle/>
-          <a:p>
-            <a:pPr lvl="0"/>
-            <a:r>
-              <a:rPr>
-                <a:hlinkClick r:id="rId2"/>
-              </a:rPr>
-              <a:t>Introduction to Algorithms, Third Edition | The MIT Press</a:t>
-            </a:r>
-          </a:p>
-          <a:p>
-            <a:pPr lvl="0"/>
-            <a:r>
-              <a:rPr>
-                <a:hlinkClick r:id="rId3"/>
-              </a:rPr>
-              <a:t>Bilkent CS473 Course Notes (new)</a:t>
-            </a:r>
-          </a:p>
-          <a:p>
-            <a:pPr lvl="0"/>
-            <a:r>
-              <a:rPr>
-                <a:hlinkClick r:id="rId4"/>
-              </a:rPr>
-              <a:t>Bilkent CS473 Course Notes (old)</a:t>
-            </a:r>
-          </a:p>
-          <a:p>
-            <a:pPr lvl="0"/>
-            <a:r>
-              <a:rPr>
-                <a:hlinkClick r:id="rId5"/>
-              </a:rPr>
-              <a:t>Insertion Sort - GeeksforGeeks</a:t>
-            </a:r>
-          </a:p>
-          <a:p>
-            <a:pPr lvl="0"/>
-            <a:r>
-              <a:rPr>
-                <a:hlinkClick r:id="rId6"/>
-              </a:rPr>
-              <a:t>NIST Dictionary of Algorithms and Data Structures</a:t>
-            </a:r>
-          </a:p>
-          <a:p>
-            <a:pPr lvl="0"/>
-            <a:r>
-              <a:rPr>
-                <a:hlinkClick r:id="rId7"/>
-              </a:rPr>
-              <a:t>NIST - Dictionary of Algorithms and Data Structures</a:t>
-            </a:r>
-          </a:p>
-          <a:p>
-            <a:pPr lvl="0" indent="0" marL="0">
-              <a:buNone/>
-            </a:pPr>
-            <a:r>
-              <a:rPr/>
-              <a:t>TODO</a:t>
+              <a:t>bg right w:600</a:t>
             </a:r>
           </a:p>
         </p:txBody>
@@ -11119,6 +11142,191 @@
             <a:r>
               <a:rPr/>
               <a:t>Heap/Heap Sort</a:t>
+            </a:r>
+          </a:p>
+        </p:txBody>
+      </p:sp>
+    </p:spTree>
+  </p:cSld>
+</p:sld>
+</file>
+
+<file path=ppt/slides/slide40.xml><?xml version="1.0" encoding="utf-8"?>
+<p:sld xmlns:a="http://schemas.openxmlformats.org/drawingml/2006/main" xmlns:r="http://schemas.openxmlformats.org/officeDocument/2006/relationships" xmlns:p="http://schemas.openxmlformats.org/presentationml/2006/main">
+  <p:cSld>
+    <p:spTree>
+      <p:nvGrpSpPr>
+        <p:cNvPr id="1" name=""/>
+        <p:cNvGrpSpPr/>
+        <p:nvPr/>
+      </p:nvGrpSpPr>
+      <p:grpSpPr>
+        <a:xfrm>
+          <a:off x="0" y="0"/>
+          <a:ext cx="0" cy="0"/>
+          <a:chOff x="0" y="0"/>
+          <a:chExt cx="0" cy="0"/>
+        </a:xfrm>
+      </p:grpSpPr>
+      <p:sp>
+        <p:nvSpPr>
+          <p:cNvPr id="3" name="Content Placeholder 2"/>
+          <p:cNvSpPr>
+            <a:spLocks noGrp="1"/>
+          </p:cNvSpPr>
+          <p:nvPr>
+            <p:ph idx="1"/>
+          </p:nvPr>
+        </p:nvSpPr>
+        <p:spPr/>
+        <p:txBody>
+          <a:bodyPr/>
+          <a:lstStyle/>
+          <a:p>
+            <a:pPr lvl="0"/>
+            <a:r>
+              <a:rPr/>
+              <a:t>asdasdsdas</a:t>
+            </a:r>
+          </a:p>
+          <a:p>
+            <a:pPr lvl="0"/>
+            <a:r>
+              <a:rPr/>
+              <a:t>asdsadsa</a:t>
+            </a:r>
+          </a:p>
+          <a:p>
+            <a:pPr lvl="0"/>
+            <a:r>
+              <a:rPr/>
+              <a:t>asdas</a:t>
+            </a:r>
+          </a:p>
+        </p:txBody>
+      </p:sp>
+    </p:spTree>
+  </p:cSld>
+</p:sld>
+</file>
+
+<file path=ppt/slides/slide41.xml><?xml version="1.0" encoding="utf-8"?>
+<p:sld xmlns:a="http://schemas.openxmlformats.org/drawingml/2006/main" xmlns:r="http://schemas.openxmlformats.org/officeDocument/2006/relationships" xmlns:p="http://schemas.openxmlformats.org/presentationml/2006/main">
+  <p:cSld>
+    <p:spTree>
+      <p:nvGrpSpPr>
+        <p:cNvPr id="1" name=""/>
+        <p:cNvGrpSpPr/>
+        <p:nvPr/>
+      </p:nvGrpSpPr>
+      <p:grpSpPr>
+        <a:xfrm>
+          <a:off x="0" y="0"/>
+          <a:ext cx="0" cy="0"/>
+          <a:chOff x="0" y="0"/>
+          <a:chExt cx="0" cy="0"/>
+        </a:xfrm>
+      </p:grpSpPr>
+      <p:sp>
+        <p:nvSpPr>
+          <p:cNvPr id="2" name="Title 1"/>
+          <p:cNvSpPr>
+            <a:spLocks noGrp="1"/>
+          </p:cNvSpPr>
+          <p:nvPr>
+            <p:ph type="title"/>
+          </p:nvPr>
+        </p:nvSpPr>
+        <p:spPr/>
+        <p:txBody>
+          <a:bodyPr/>
+          <a:lstStyle/>
+          <a:p>
+            <a:pPr lvl="0" indent="0" marL="0">
+              <a:buNone/>
+            </a:pPr>
+            <a:r>
+              <a:rPr/>
+              <a:t>References</a:t>
+            </a:r>
+          </a:p>
+        </p:txBody>
+      </p:sp>
+      <p:sp>
+        <p:nvSpPr>
+          <p:cNvPr id="3" name="Content Placeholder 2"/>
+          <p:cNvSpPr>
+            <a:spLocks noGrp="1"/>
+          </p:cNvSpPr>
+          <p:nvPr>
+            <p:ph idx="1"/>
+          </p:nvPr>
+        </p:nvSpPr>
+        <p:spPr/>
+        <p:txBody>
+          <a:bodyPr/>
+          <a:lstStyle/>
+          <a:p>
+            <a:pPr lvl="0"/>
+            <a:r>
+              <a:rPr>
+                <a:hlinkClick r:id="rId2"/>
+              </a:rPr>
+              <a:t>Introduction to Algorithms, Third Edition | The MIT Press</a:t>
+            </a:r>
+          </a:p>
+          <a:p>
+            <a:pPr lvl="0"/>
+            <a:r>
+              <a:rPr>
+                <a:hlinkClick r:id="rId3"/>
+              </a:rPr>
+              <a:t>Bilkent CS473 Course Notes (new)</a:t>
+            </a:r>
+          </a:p>
+          <a:p>
+            <a:pPr lvl="0"/>
+            <a:r>
+              <a:rPr>
+                <a:hlinkClick r:id="rId4"/>
+              </a:rPr>
+              <a:t>Bilkent CS473 Course Notes (old)</a:t>
+            </a:r>
+          </a:p>
+          <a:p>
+            <a:pPr lvl="0"/>
+            <a:r>
+              <a:rPr>
+                <a:hlinkClick r:id="rId5"/>
+              </a:rPr>
+              <a:t>Insertion Sort - GeeksforGeeks</a:t>
+            </a:r>
+          </a:p>
+          <a:p>
+            <a:pPr lvl="0"/>
+            <a:r>
+              <a:rPr>
+                <a:hlinkClick r:id="rId6"/>
+              </a:rPr>
+              <a:t>NIST Dictionary of Algorithms and Data Structures</a:t>
+            </a:r>
+          </a:p>
+          <a:p>
+            <a:pPr lvl="0"/>
+            <a:r>
+              <a:rPr>
+                <a:hlinkClick r:id="rId7"/>
+              </a:rPr>
+              <a:t>NIST - Dictionary of Algorithms and Data Structures</a:t>
+            </a:r>
+          </a:p>
+          <a:p>
+            <a:pPr lvl="0" indent="0" marL="0">
+              <a:buNone/>
+            </a:pPr>
+            <a:r>
+              <a:rPr/>
+              <a:t>TODO</a:t>
             </a:r>
           </a:p>
         </p:txBody>
